--- a/FinalPresentation.pptx
+++ b/FinalPresentation.pptx
@@ -6,12 +6,18 @@
   </p:sldMasterIdLst>
   <p:sldIdLst>
     <p:sldId id="256" r:id="rId2"/>
-    <p:sldId id="257" r:id="rId3"/>
-    <p:sldId id="258" r:id="rId4"/>
-    <p:sldId id="259" r:id="rId5"/>
-    <p:sldId id="260" r:id="rId6"/>
-    <p:sldId id="261" r:id="rId7"/>
-    <p:sldId id="262" r:id="rId8"/>
+    <p:sldId id="263" r:id="rId3"/>
+    <p:sldId id="257" r:id="rId4"/>
+    <p:sldId id="258" r:id="rId5"/>
+    <p:sldId id="259" r:id="rId6"/>
+    <p:sldId id="260" r:id="rId7"/>
+    <p:sldId id="264" r:id="rId8"/>
+    <p:sldId id="265" r:id="rId9"/>
+    <p:sldId id="266" r:id="rId10"/>
+    <p:sldId id="262" r:id="rId11"/>
+    <p:sldId id="268" r:id="rId12"/>
+    <p:sldId id="269" r:id="rId13"/>
+    <p:sldId id="267" r:id="rId14"/>
   </p:sldIdLst>
   <p:sldSz cx="12192000" cy="6858000"/>
   <p:notesSz cx="6858000" cy="9144000"/>
@@ -110,6 +116,11 @@
       </a:defRPr>
     </a:lvl9pPr>
   </p:defaultTextStyle>
+  <p:extLst>
+    <p:ext uri="{EFAFB233-063F-42B5-8137-9DF3F51BA10A}">
+      <p15:sldGuideLst xmlns:p15="http://schemas.microsoft.com/office/powerpoint/2012/main"/>
+    </p:ext>
+  </p:extLst>
 </p:presentation>
 </file>
 
@@ -302,7 +313,7 @@
             <a:fld id="{B61BEF0D-F0BB-DE4B-95CE-6DB70DBA9567}" type="datetimeFigureOut">
               <a:rPr lang="en-US" dirty="0"/>
               <a:pPr/>
-              <a:t>11/28/23</a:t>
+              <a:t>12/1/2023</a:t>
             </a:fld>
             <a:endParaRPr lang="en-US" dirty="0"/>
           </a:p>
@@ -637,7 +648,7 @@
             <a:fld id="{B61BEF0D-F0BB-DE4B-95CE-6DB70DBA9567}" type="datetimeFigureOut">
               <a:rPr lang="en-US" dirty="0"/>
               <a:pPr/>
-              <a:t>11/28/23</a:t>
+              <a:t>12/1/2023</a:t>
             </a:fld>
             <a:endParaRPr lang="en-US" dirty="0"/>
           </a:p>
@@ -1035,7 +1046,7 @@
             <a:fld id="{B61BEF0D-F0BB-DE4B-95CE-6DB70DBA9567}" type="datetimeFigureOut">
               <a:rPr lang="en-US" dirty="0"/>
               <a:pPr/>
-              <a:t>11/28/23</a:t>
+              <a:t>12/1/2023</a:t>
             </a:fld>
             <a:endParaRPr lang="en-US" dirty="0"/>
           </a:p>
@@ -1368,7 +1379,7 @@
             <a:fld id="{B61BEF0D-F0BB-DE4B-95CE-6DB70DBA9567}" type="datetimeFigureOut">
               <a:rPr lang="en-US" dirty="0"/>
               <a:pPr/>
-              <a:t>11/28/23</a:t>
+              <a:t>12/1/2023</a:t>
             </a:fld>
             <a:endParaRPr lang="en-US" dirty="0"/>
           </a:p>
@@ -1685,7 +1696,7 @@
             <a:fld id="{B61BEF0D-F0BB-DE4B-95CE-6DB70DBA9567}" type="datetimeFigureOut">
               <a:rPr lang="en-US" dirty="0"/>
               <a:pPr/>
-              <a:t>11/28/23</a:t>
+              <a:t>12/1/2023</a:t>
             </a:fld>
             <a:endParaRPr lang="en-US" dirty="0"/>
           </a:p>
@@ -2078,7 +2089,7 @@
             <a:fld id="{B61BEF0D-F0BB-DE4B-95CE-6DB70DBA9567}" type="datetimeFigureOut">
               <a:rPr lang="en-US" dirty="0"/>
               <a:pPr/>
-              <a:t>11/28/23</a:t>
+              <a:t>12/1/2023</a:t>
             </a:fld>
             <a:endParaRPr lang="en-US" dirty="0"/>
           </a:p>
@@ -2332,7 +2343,7 @@
             <a:fld id="{B61BEF0D-F0BB-DE4B-95CE-6DB70DBA9567}" type="datetimeFigureOut">
               <a:rPr lang="en-US" dirty="0"/>
               <a:pPr/>
-              <a:t>11/28/23</a:t>
+              <a:t>12/1/2023</a:t>
             </a:fld>
             <a:endParaRPr lang="en-US" dirty="0"/>
           </a:p>
@@ -2591,7 +2602,7 @@
             <a:fld id="{B61BEF0D-F0BB-DE4B-95CE-6DB70DBA9567}" type="datetimeFigureOut">
               <a:rPr lang="en-US" dirty="0"/>
               <a:pPr/>
-              <a:t>11/28/23</a:t>
+              <a:t>12/1/2023</a:t>
             </a:fld>
             <a:endParaRPr lang="en-US" dirty="0"/>
           </a:p>
@@ -2850,7 +2861,7 @@
             <a:fld id="{B61BEF0D-F0BB-DE4B-95CE-6DB70DBA9567}" type="datetimeFigureOut">
               <a:rPr lang="en-US" dirty="0"/>
               <a:pPr/>
-              <a:t>11/28/23</a:t>
+              <a:t>12/1/2023</a:t>
             </a:fld>
             <a:endParaRPr lang="en-US" dirty="0"/>
           </a:p>
@@ -3176,7 +3187,7 @@
             <a:fld id="{B61BEF0D-F0BB-DE4B-95CE-6DB70DBA9567}" type="datetimeFigureOut">
               <a:rPr lang="en-US" dirty="0"/>
               <a:pPr/>
-              <a:t>11/28/23</a:t>
+              <a:t>12/1/2023</a:t>
             </a:fld>
             <a:endParaRPr lang="en-US" dirty="0"/>
           </a:p>
@@ -3496,7 +3507,7 @@
             <a:fld id="{B61BEF0D-F0BB-DE4B-95CE-6DB70DBA9567}" type="datetimeFigureOut">
               <a:rPr lang="en-US" dirty="0"/>
               <a:pPr/>
-              <a:t>11/28/23</a:t>
+              <a:t>12/1/2023</a:t>
             </a:fld>
             <a:endParaRPr lang="en-US" dirty="0"/>
           </a:p>
@@ -3950,7 +3961,7 @@
             <a:fld id="{B61BEF0D-F0BB-DE4B-95CE-6DB70DBA9567}" type="datetimeFigureOut">
               <a:rPr lang="en-US" dirty="0"/>
               <a:pPr/>
-              <a:t>11/28/23</a:t>
+              <a:t>12/1/2023</a:t>
             </a:fld>
             <a:endParaRPr lang="en-US" dirty="0"/>
           </a:p>
@@ -4152,7 +4163,7 @@
             <a:fld id="{B61BEF0D-F0BB-DE4B-95CE-6DB70DBA9567}" type="datetimeFigureOut">
               <a:rPr lang="en-US" dirty="0"/>
               <a:pPr/>
-              <a:t>11/28/23</a:t>
+              <a:t>12/1/2023</a:t>
             </a:fld>
             <a:endParaRPr lang="en-US" dirty="0"/>
           </a:p>
@@ -4326,7 +4337,7 @@
             <a:fld id="{B61BEF0D-F0BB-DE4B-95CE-6DB70DBA9567}" type="datetimeFigureOut">
               <a:rPr lang="en-US" dirty="0"/>
               <a:pPr/>
-              <a:t>11/28/23</a:t>
+              <a:t>12/1/2023</a:t>
             </a:fld>
             <a:endParaRPr lang="en-US" dirty="0"/>
           </a:p>
@@ -4656,7 +4667,7 @@
             <a:fld id="{B61BEF0D-F0BB-DE4B-95CE-6DB70DBA9567}" type="datetimeFigureOut">
               <a:rPr lang="en-US" dirty="0"/>
               <a:pPr/>
-              <a:t>11/28/23</a:t>
+              <a:t>12/1/2023</a:t>
             </a:fld>
             <a:endParaRPr lang="en-US" dirty="0"/>
           </a:p>
@@ -4998,7 +5009,7 @@
             <a:fld id="{B61BEF0D-F0BB-DE4B-95CE-6DB70DBA9567}" type="datetimeFigureOut">
               <a:rPr lang="en-US" dirty="0"/>
               <a:pPr/>
-              <a:t>11/28/23</a:t>
+              <a:t>12/1/2023</a:t>
             </a:fld>
             <a:endParaRPr lang="en-US" dirty="0"/>
           </a:p>
@@ -7112,7 +7123,7 @@
             <a:fld id="{B61BEF0D-F0BB-DE4B-95CE-6DB70DBA9567}" type="datetimeFigureOut">
               <a:rPr lang="en-US" dirty="0"/>
               <a:pPr/>
-              <a:t>11/28/23</a:t>
+              <a:t>12/1/2023</a:t>
             </a:fld>
             <a:endParaRPr lang="en-US" dirty="0"/>
           </a:p>
@@ -7697,6 +7708,408 @@
 </p:sld>
 </file>
 
+<file path=ppt/slides/slide10.xml><?xml version="1.0" encoding="utf-8"?>
+<p:sld xmlns:a="http://schemas.openxmlformats.org/drawingml/2006/main" xmlns:r="http://schemas.openxmlformats.org/officeDocument/2006/relationships" xmlns:p="http://schemas.openxmlformats.org/presentationml/2006/main">
+  <p:cSld>
+    <p:spTree>
+      <p:nvGrpSpPr>
+        <p:cNvPr id="1" name=""/>
+        <p:cNvGrpSpPr/>
+        <p:nvPr/>
+      </p:nvGrpSpPr>
+      <p:grpSpPr>
+        <a:xfrm>
+          <a:off x="0" y="0"/>
+          <a:ext cx="0" cy="0"/>
+          <a:chOff x="0" y="0"/>
+          <a:chExt cx="0" cy="0"/>
+        </a:xfrm>
+      </p:grpSpPr>
+      <p:sp>
+        <p:nvSpPr>
+          <p:cNvPr id="2" name="Title 1">
+            <a:extLst>
+              <a:ext uri="{FF2B5EF4-FFF2-40B4-BE49-F238E27FC236}">
+                <a16:creationId xmlns:a16="http://schemas.microsoft.com/office/drawing/2014/main" id="{BF60273A-8546-C1FD-B9AD-DC2186835915}"/>
+              </a:ext>
+            </a:extLst>
+          </p:cNvPr>
+          <p:cNvSpPr>
+            <a:spLocks noGrp="1"/>
+          </p:cNvSpPr>
+          <p:nvPr>
+            <p:ph type="title"/>
+          </p:nvPr>
+        </p:nvSpPr>
+        <p:spPr/>
+        <p:txBody>
+          <a:bodyPr/>
+          <a:lstStyle/>
+          <a:p>
+            <a:r>
+              <a:rPr lang="en-US" dirty="0"/>
+              <a:t>Discussion</a:t>
+            </a:r>
+          </a:p>
+        </p:txBody>
+      </p:sp>
+      <p:sp>
+        <p:nvSpPr>
+          <p:cNvPr id="3" name="Content Placeholder 2">
+            <a:extLst>
+              <a:ext uri="{FF2B5EF4-FFF2-40B4-BE49-F238E27FC236}">
+                <a16:creationId xmlns:a16="http://schemas.microsoft.com/office/drawing/2014/main" id="{49A2DEE5-8CAC-60BF-AB14-BD7720ABE107}"/>
+              </a:ext>
+            </a:extLst>
+          </p:cNvPr>
+          <p:cNvSpPr>
+            <a:spLocks noGrp="1"/>
+          </p:cNvSpPr>
+          <p:nvPr>
+            <p:ph idx="1"/>
+          </p:nvPr>
+        </p:nvSpPr>
+        <p:spPr/>
+        <p:txBody>
+          <a:bodyPr/>
+          <a:lstStyle/>
+          <a:p>
+            <a:r>
+              <a:rPr lang="en-US" dirty="0"/>
+              <a:t>Graph Databases shown to be effective</a:t>
+            </a:r>
+          </a:p>
+          <a:p>
+            <a:pPr lvl="1"/>
+            <a:r>
+              <a:rPr lang="en-US" dirty="0"/>
+              <a:t>Can answer questions that need to be answered</a:t>
+            </a:r>
+          </a:p>
+          <a:p>
+            <a:pPr lvl="1"/>
+            <a:r>
+              <a:rPr lang="en-US" dirty="0"/>
+              <a:t>Do not take very long</a:t>
+            </a:r>
+          </a:p>
+          <a:p>
+            <a:r>
+              <a:rPr lang="en-US" dirty="0"/>
+              <a:t>A good solution</a:t>
+            </a:r>
+          </a:p>
+          <a:p>
+            <a:r>
+              <a:rPr lang="en-US" dirty="0"/>
+              <a:t>Only the beginning</a:t>
+            </a:r>
+          </a:p>
+        </p:txBody>
+      </p:sp>
+    </p:spTree>
+    <p:extLst>
+      <p:ext uri="{BB962C8B-B14F-4D97-AF65-F5344CB8AC3E}">
+        <p14:creationId xmlns:p14="http://schemas.microsoft.com/office/powerpoint/2010/main" val="234550861"/>
+      </p:ext>
+    </p:extLst>
+  </p:cSld>
+  <p:clrMapOvr>
+    <a:masterClrMapping/>
+  </p:clrMapOvr>
+</p:sld>
+</file>
+
+<file path=ppt/slides/slide11.xml><?xml version="1.0" encoding="utf-8"?>
+<p:sld xmlns:a="http://schemas.openxmlformats.org/drawingml/2006/main" xmlns:r="http://schemas.openxmlformats.org/officeDocument/2006/relationships" xmlns:p="http://schemas.openxmlformats.org/presentationml/2006/main">
+  <p:cSld>
+    <p:spTree>
+      <p:nvGrpSpPr>
+        <p:cNvPr id="1" name=""/>
+        <p:cNvGrpSpPr/>
+        <p:nvPr/>
+      </p:nvGrpSpPr>
+      <p:grpSpPr>
+        <a:xfrm>
+          <a:off x="0" y="0"/>
+          <a:ext cx="0" cy="0"/>
+          <a:chOff x="0" y="0"/>
+          <a:chExt cx="0" cy="0"/>
+        </a:xfrm>
+      </p:grpSpPr>
+      <p:sp>
+        <p:nvSpPr>
+          <p:cNvPr id="2" name="Title 1">
+            <a:extLst>
+              <a:ext uri="{FF2B5EF4-FFF2-40B4-BE49-F238E27FC236}">
+                <a16:creationId xmlns:a16="http://schemas.microsoft.com/office/drawing/2014/main" id="{AC07CDEB-2D16-5943-9559-B0F5BF112E7D}"/>
+              </a:ext>
+            </a:extLst>
+          </p:cNvPr>
+          <p:cNvSpPr>
+            <a:spLocks noGrp="1"/>
+          </p:cNvSpPr>
+          <p:nvPr>
+            <p:ph type="title"/>
+          </p:nvPr>
+        </p:nvSpPr>
+        <p:spPr/>
+        <p:txBody>
+          <a:bodyPr/>
+          <a:lstStyle/>
+          <a:p>
+            <a:r>
+              <a:rPr lang="en-US" dirty="0"/>
+              <a:t>Future Work</a:t>
+            </a:r>
+          </a:p>
+        </p:txBody>
+      </p:sp>
+      <p:sp>
+        <p:nvSpPr>
+          <p:cNvPr id="3" name="Content Placeholder 2">
+            <a:extLst>
+              <a:ext uri="{FF2B5EF4-FFF2-40B4-BE49-F238E27FC236}">
+                <a16:creationId xmlns:a16="http://schemas.microsoft.com/office/drawing/2014/main" id="{38ACBFA9-6CA4-628D-425A-CE5FC5072583}"/>
+              </a:ext>
+            </a:extLst>
+          </p:cNvPr>
+          <p:cNvSpPr>
+            <a:spLocks noGrp="1"/>
+          </p:cNvSpPr>
+          <p:nvPr>
+            <p:ph idx="1"/>
+          </p:nvPr>
+        </p:nvSpPr>
+        <p:spPr/>
+        <p:txBody>
+          <a:bodyPr/>
+          <a:lstStyle/>
+          <a:p>
+            <a:r>
+              <a:rPr lang="en-US" dirty="0"/>
+              <a:t>More advanced queries</a:t>
+            </a:r>
+          </a:p>
+          <a:p>
+            <a:pPr lvl="1"/>
+            <a:r>
+              <a:rPr lang="en-US" dirty="0"/>
+              <a:t>Answer larger questions</a:t>
+            </a:r>
+          </a:p>
+          <a:p>
+            <a:r>
+              <a:rPr lang="en-US" dirty="0"/>
+              <a:t>Benchmarking</a:t>
+            </a:r>
+          </a:p>
+          <a:p>
+            <a:pPr lvl="1"/>
+            <a:r>
+              <a:rPr lang="en-US" dirty="0"/>
+              <a:t>Comparing these results to other systems</a:t>
+            </a:r>
+          </a:p>
+        </p:txBody>
+      </p:sp>
+    </p:spTree>
+    <p:extLst>
+      <p:ext uri="{BB962C8B-B14F-4D97-AF65-F5344CB8AC3E}">
+        <p14:creationId xmlns:p14="http://schemas.microsoft.com/office/powerpoint/2010/main" val="3464274467"/>
+      </p:ext>
+    </p:extLst>
+  </p:cSld>
+  <p:clrMapOvr>
+    <a:masterClrMapping/>
+  </p:clrMapOvr>
+</p:sld>
+</file>
+
+<file path=ppt/slides/slide12.xml><?xml version="1.0" encoding="utf-8"?>
+<p:sld xmlns:a="http://schemas.openxmlformats.org/drawingml/2006/main" xmlns:r="http://schemas.openxmlformats.org/officeDocument/2006/relationships" xmlns:p="http://schemas.openxmlformats.org/presentationml/2006/main">
+  <p:cSld>
+    <p:spTree>
+      <p:nvGrpSpPr>
+        <p:cNvPr id="1" name=""/>
+        <p:cNvGrpSpPr/>
+        <p:nvPr/>
+      </p:nvGrpSpPr>
+      <p:grpSpPr>
+        <a:xfrm>
+          <a:off x="0" y="0"/>
+          <a:ext cx="0" cy="0"/>
+          <a:chOff x="0" y="0"/>
+          <a:chExt cx="0" cy="0"/>
+        </a:xfrm>
+      </p:grpSpPr>
+      <p:sp>
+        <p:nvSpPr>
+          <p:cNvPr id="2" name="Title 1">
+            <a:extLst>
+              <a:ext uri="{FF2B5EF4-FFF2-40B4-BE49-F238E27FC236}">
+                <a16:creationId xmlns:a16="http://schemas.microsoft.com/office/drawing/2014/main" id="{8DA048C2-74E3-B430-8F16-4F00A7D130D1}"/>
+              </a:ext>
+            </a:extLst>
+          </p:cNvPr>
+          <p:cNvSpPr>
+            <a:spLocks noGrp="1"/>
+          </p:cNvSpPr>
+          <p:nvPr>
+            <p:ph type="title"/>
+          </p:nvPr>
+        </p:nvSpPr>
+        <p:spPr/>
+        <p:txBody>
+          <a:bodyPr/>
+          <a:lstStyle/>
+          <a:p>
+            <a:r>
+              <a:rPr lang="en-US" dirty="0"/>
+              <a:t>Conclusion</a:t>
+            </a:r>
+          </a:p>
+        </p:txBody>
+      </p:sp>
+      <p:sp>
+        <p:nvSpPr>
+          <p:cNvPr id="3" name="Content Placeholder 2">
+            <a:extLst>
+              <a:ext uri="{FF2B5EF4-FFF2-40B4-BE49-F238E27FC236}">
+                <a16:creationId xmlns:a16="http://schemas.microsoft.com/office/drawing/2014/main" id="{3DFE03B1-4848-513C-819C-FAC5B1DFE8D3}"/>
+              </a:ext>
+            </a:extLst>
+          </p:cNvPr>
+          <p:cNvSpPr>
+            <a:spLocks noGrp="1"/>
+          </p:cNvSpPr>
+          <p:nvPr>
+            <p:ph idx="1"/>
+          </p:nvPr>
+        </p:nvSpPr>
+        <p:spPr/>
+        <p:txBody>
+          <a:bodyPr/>
+          <a:lstStyle/>
+          <a:p>
+            <a:r>
+              <a:rPr lang="en-US" dirty="0"/>
+              <a:t>Overall graphs are good</a:t>
+            </a:r>
+          </a:p>
+          <a:p>
+            <a:pPr lvl="1"/>
+            <a:r>
+              <a:rPr lang="en-US" dirty="0"/>
+              <a:t>Answers what needs to be answered</a:t>
+            </a:r>
+          </a:p>
+          <a:p>
+            <a:pPr lvl="1"/>
+            <a:r>
+              <a:rPr lang="en-US"/>
+              <a:t>Efficient</a:t>
+            </a:r>
+            <a:endParaRPr lang="en-US" dirty="0"/>
+          </a:p>
+        </p:txBody>
+      </p:sp>
+    </p:spTree>
+    <p:extLst>
+      <p:ext uri="{BB962C8B-B14F-4D97-AF65-F5344CB8AC3E}">
+        <p14:creationId xmlns:p14="http://schemas.microsoft.com/office/powerpoint/2010/main" val="3733295456"/>
+      </p:ext>
+    </p:extLst>
+  </p:cSld>
+  <p:clrMapOvr>
+    <a:masterClrMapping/>
+  </p:clrMapOvr>
+</p:sld>
+</file>
+
+<file path=ppt/slides/slide13.xml><?xml version="1.0" encoding="utf-8"?>
+<p:sld xmlns:a="http://schemas.openxmlformats.org/drawingml/2006/main" xmlns:r="http://schemas.openxmlformats.org/officeDocument/2006/relationships" xmlns:p="http://schemas.openxmlformats.org/presentationml/2006/main">
+  <p:cSld>
+    <p:spTree>
+      <p:nvGrpSpPr>
+        <p:cNvPr id="1" name=""/>
+        <p:cNvGrpSpPr/>
+        <p:nvPr/>
+      </p:nvGrpSpPr>
+      <p:grpSpPr>
+        <a:xfrm>
+          <a:off x="0" y="0"/>
+          <a:ext cx="0" cy="0"/>
+          <a:chOff x="0" y="0"/>
+          <a:chExt cx="0" cy="0"/>
+        </a:xfrm>
+      </p:grpSpPr>
+      <p:sp>
+        <p:nvSpPr>
+          <p:cNvPr id="2" name="Title 1">
+            <a:extLst>
+              <a:ext uri="{FF2B5EF4-FFF2-40B4-BE49-F238E27FC236}">
+                <a16:creationId xmlns:a16="http://schemas.microsoft.com/office/drawing/2014/main" id="{5346B190-FD13-923E-452C-06FB7E5EAD65}"/>
+              </a:ext>
+            </a:extLst>
+          </p:cNvPr>
+          <p:cNvSpPr>
+            <a:spLocks noGrp="1"/>
+          </p:cNvSpPr>
+          <p:nvPr>
+            <p:ph type="title"/>
+          </p:nvPr>
+        </p:nvSpPr>
+        <p:spPr/>
+        <p:txBody>
+          <a:bodyPr/>
+          <a:lstStyle/>
+          <a:p>
+            <a:r>
+              <a:rPr lang="en-US" dirty="0"/>
+              <a:t>Sources</a:t>
+            </a:r>
+          </a:p>
+        </p:txBody>
+      </p:sp>
+      <p:sp>
+        <p:nvSpPr>
+          <p:cNvPr id="3" name="Content Placeholder 2">
+            <a:extLst>
+              <a:ext uri="{FF2B5EF4-FFF2-40B4-BE49-F238E27FC236}">
+                <a16:creationId xmlns:a16="http://schemas.microsoft.com/office/drawing/2014/main" id="{46E6813E-1147-017D-096A-D59FE5E03099}"/>
+              </a:ext>
+            </a:extLst>
+          </p:cNvPr>
+          <p:cNvSpPr>
+            <a:spLocks noGrp="1"/>
+          </p:cNvSpPr>
+          <p:nvPr>
+            <p:ph idx="1"/>
+          </p:nvPr>
+        </p:nvSpPr>
+        <p:spPr/>
+        <p:txBody>
+          <a:bodyPr/>
+          <a:lstStyle/>
+          <a:p>
+            <a:endParaRPr lang="en-US"/>
+          </a:p>
+        </p:txBody>
+      </p:sp>
+    </p:spTree>
+    <p:extLst>
+      <p:ext uri="{BB962C8B-B14F-4D97-AF65-F5344CB8AC3E}">
+        <p14:creationId xmlns:p14="http://schemas.microsoft.com/office/powerpoint/2010/main" val="1806956891"/>
+      </p:ext>
+    </p:extLst>
+  </p:cSld>
+  <p:clrMapOvr>
+    <a:masterClrMapping/>
+  </p:clrMapOvr>
+</p:sld>
+</file>
+
 <file path=ppt/slides/slide2.xml><?xml version="1.0" encoding="utf-8"?>
 <p:sld xmlns:a="http://schemas.openxmlformats.org/drawingml/2006/main" xmlns:r="http://schemas.openxmlformats.org/officeDocument/2006/relationships" xmlns:p="http://schemas.openxmlformats.org/presentationml/2006/main">
   <p:cSld>
@@ -7719,7 +8132,7 @@
           <p:cNvPr id="2" name="Title 1">
             <a:extLst>
               <a:ext uri="{FF2B5EF4-FFF2-40B4-BE49-F238E27FC236}">
-                <a16:creationId xmlns:a16="http://schemas.microsoft.com/office/drawing/2014/main" id="{C77B0B92-601D-EA4B-CC4A-366BDBF44F82}"/>
+                <a16:creationId xmlns:a16="http://schemas.microsoft.com/office/drawing/2014/main" id="{B1BE640E-4780-57C5-DCE5-D277736CCFD6}"/>
               </a:ext>
             </a:extLst>
           </p:cNvPr>
@@ -7747,7 +8160,7 @@
           <p:cNvPr id="3" name="Content Placeholder 2">
             <a:extLst>
               <a:ext uri="{FF2B5EF4-FFF2-40B4-BE49-F238E27FC236}">
-                <a16:creationId xmlns:a16="http://schemas.microsoft.com/office/drawing/2014/main" id="{572799D8-EA89-9FC3-957B-6C10F83226E9}"/>
+                <a16:creationId xmlns:a16="http://schemas.microsoft.com/office/drawing/2014/main" id="{CDBFEA38-3D38-DF66-4186-E30ECF866176}"/>
               </a:ext>
             </a:extLst>
           </p:cNvPr>
@@ -7763,20 +8176,723 @@
           <a:bodyPr/>
           <a:lstStyle/>
           <a:p>
-            <a:endParaRPr lang="en-US" dirty="0"/>
+            <a:r>
+              <a:rPr lang="en-US" dirty="0"/>
+              <a:t>IoT Devices have a lot of data</a:t>
+            </a:r>
+          </a:p>
+          <a:p>
+            <a:r>
+              <a:rPr lang="en-US" dirty="0"/>
+              <a:t>Many send thousands of flows per second</a:t>
+            </a:r>
+          </a:p>
+          <a:p>
+            <a:r>
+              <a:rPr lang="en-US" dirty="0"/>
+              <a:t>Need an efficient way to analyze</a:t>
+            </a:r>
+          </a:p>
+          <a:p>
+            <a:r>
+              <a:rPr lang="en-US" dirty="0"/>
+              <a:t>Relational Databases ok</a:t>
+            </a:r>
+          </a:p>
+          <a:p>
+            <a:pPr lvl="1"/>
+            <a:r>
+              <a:rPr lang="en-US" dirty="0"/>
+              <a:t>Not great for connected data</a:t>
+            </a:r>
+          </a:p>
+          <a:p>
+            <a:r>
+              <a:rPr lang="en-US" dirty="0"/>
+              <a:t>Solution: Graph Databases</a:t>
+            </a:r>
           </a:p>
         </p:txBody>
       </p:sp>
     </p:spTree>
     <p:extLst>
       <p:ext uri="{BB962C8B-B14F-4D97-AF65-F5344CB8AC3E}">
-        <p14:creationId xmlns:p14="http://schemas.microsoft.com/office/powerpoint/2010/main" val="1648029994"/>
+        <p14:creationId xmlns:p14="http://schemas.microsoft.com/office/powerpoint/2010/main" val="903035433"/>
       </p:ext>
     </p:extLst>
   </p:cSld>
   <p:clrMapOvr>
     <a:masterClrMapping/>
   </p:clrMapOvr>
+  <mc:AlternateContent xmlns:mc="http://schemas.openxmlformats.org/markup-compatibility/2006">
+    <mc:Choice xmlns:p15="http://schemas.microsoft.com/office/powerpoint/2012/main" Requires="p15">
+      <p:transition xmlns:p14="http://schemas.microsoft.com/office/powerpoint/2010/main" spd="slow" p14:dur="1250">
+        <p15:prstTrans prst="peelOff"/>
+      </p:transition>
+    </mc:Choice>
+    <mc:Fallback>
+      <p:transition spd="slow">
+        <p:fade/>
+      </p:transition>
+    </mc:Fallback>
+  </mc:AlternateContent>
+  <p:timing>
+    <p:tnLst>
+      <p:par>
+        <p:cTn id="1" dur="indefinite" restart="never" nodeType="tmRoot">
+          <p:childTnLst>
+            <p:seq concurrent="1" nextAc="seek">
+              <p:cTn id="2" dur="indefinite" nodeType="mainSeq">
+                <p:childTnLst>
+                  <p:par>
+                    <p:cTn id="3" fill="hold">
+                      <p:stCondLst>
+                        <p:cond delay="indefinite"/>
+                      </p:stCondLst>
+                      <p:childTnLst>
+                        <p:par>
+                          <p:cTn id="4" fill="hold">
+                            <p:stCondLst>
+                              <p:cond delay="0"/>
+                            </p:stCondLst>
+                            <p:childTnLst>
+                              <p:par>
+                                <p:cTn id="5" presetID="10" presetClass="entr" presetSubtype="0" fill="hold" nodeType="clickEffect">
+                                  <p:stCondLst>
+                                    <p:cond delay="0"/>
+                                  </p:stCondLst>
+                                  <p:childTnLst>
+                                    <p:set>
+                                      <p:cBhvr>
+                                        <p:cTn id="6" dur="1" fill="hold">
+                                          <p:stCondLst>
+                                            <p:cond delay="0"/>
+                                          </p:stCondLst>
+                                        </p:cTn>
+                                        <p:tgtEl>
+                                          <p:spTgt spid="3">
+                                            <p:txEl>
+                                              <p:pRg st="0" end="0"/>
+                                            </p:txEl>
+                                          </p:spTgt>
+                                        </p:tgtEl>
+                                        <p:attrNameLst>
+                                          <p:attrName>style.visibility</p:attrName>
+                                        </p:attrNameLst>
+                                      </p:cBhvr>
+                                      <p:to>
+                                        <p:strVal val="visible"/>
+                                      </p:to>
+                                    </p:set>
+                                    <p:animEffect transition="in" filter="fade">
+                                      <p:cBhvr>
+                                        <p:cTn id="7" dur="500"/>
+                                        <p:tgtEl>
+                                          <p:spTgt spid="3">
+                                            <p:txEl>
+                                              <p:pRg st="0" end="0"/>
+                                            </p:txEl>
+                                          </p:spTgt>
+                                        </p:tgtEl>
+                                      </p:cBhvr>
+                                    </p:animEffect>
+                                  </p:childTnLst>
+                                </p:cTn>
+                              </p:par>
+                              <p:par>
+                                <p:cTn id="8" presetID="10" presetClass="entr" presetSubtype="0" fill="hold" nodeType="withEffect">
+                                  <p:stCondLst>
+                                    <p:cond delay="0"/>
+                                  </p:stCondLst>
+                                  <p:childTnLst>
+                                    <p:set>
+                                      <p:cBhvr>
+                                        <p:cTn id="9" dur="1" fill="hold">
+                                          <p:stCondLst>
+                                            <p:cond delay="0"/>
+                                          </p:stCondLst>
+                                        </p:cTn>
+                                        <p:tgtEl>
+                                          <p:spTgt spid="3">
+                                            <p:txEl>
+                                              <p:pRg st="1" end="1"/>
+                                            </p:txEl>
+                                          </p:spTgt>
+                                        </p:tgtEl>
+                                        <p:attrNameLst>
+                                          <p:attrName>style.visibility</p:attrName>
+                                        </p:attrNameLst>
+                                      </p:cBhvr>
+                                      <p:to>
+                                        <p:strVal val="visible"/>
+                                      </p:to>
+                                    </p:set>
+                                    <p:animEffect transition="in" filter="fade">
+                                      <p:cBhvr>
+                                        <p:cTn id="10" dur="500"/>
+                                        <p:tgtEl>
+                                          <p:spTgt spid="3">
+                                            <p:txEl>
+                                              <p:pRg st="1" end="1"/>
+                                            </p:txEl>
+                                          </p:spTgt>
+                                        </p:tgtEl>
+                                      </p:cBhvr>
+                                    </p:animEffect>
+                                  </p:childTnLst>
+                                </p:cTn>
+                              </p:par>
+                              <p:par>
+                                <p:cTn id="11" presetID="10" presetClass="entr" presetSubtype="0" fill="hold" nodeType="withEffect">
+                                  <p:stCondLst>
+                                    <p:cond delay="0"/>
+                                  </p:stCondLst>
+                                  <p:childTnLst>
+                                    <p:set>
+                                      <p:cBhvr>
+                                        <p:cTn id="12" dur="1" fill="hold">
+                                          <p:stCondLst>
+                                            <p:cond delay="0"/>
+                                          </p:stCondLst>
+                                        </p:cTn>
+                                        <p:tgtEl>
+                                          <p:spTgt spid="3">
+                                            <p:txEl>
+                                              <p:pRg st="2" end="2"/>
+                                            </p:txEl>
+                                          </p:spTgt>
+                                        </p:tgtEl>
+                                        <p:attrNameLst>
+                                          <p:attrName>style.visibility</p:attrName>
+                                        </p:attrNameLst>
+                                      </p:cBhvr>
+                                      <p:to>
+                                        <p:strVal val="visible"/>
+                                      </p:to>
+                                    </p:set>
+                                    <p:animEffect transition="in" filter="fade">
+                                      <p:cBhvr>
+                                        <p:cTn id="13" dur="500"/>
+                                        <p:tgtEl>
+                                          <p:spTgt spid="3">
+                                            <p:txEl>
+                                              <p:pRg st="2" end="2"/>
+                                            </p:txEl>
+                                          </p:spTgt>
+                                        </p:tgtEl>
+                                      </p:cBhvr>
+                                    </p:animEffect>
+                                  </p:childTnLst>
+                                </p:cTn>
+                              </p:par>
+                              <p:par>
+                                <p:cTn id="14" presetID="10" presetClass="entr" presetSubtype="0" fill="hold" nodeType="withEffect">
+                                  <p:stCondLst>
+                                    <p:cond delay="0"/>
+                                  </p:stCondLst>
+                                  <p:childTnLst>
+                                    <p:set>
+                                      <p:cBhvr>
+                                        <p:cTn id="15" dur="1" fill="hold">
+                                          <p:stCondLst>
+                                            <p:cond delay="0"/>
+                                          </p:stCondLst>
+                                        </p:cTn>
+                                        <p:tgtEl>
+                                          <p:spTgt spid="3">
+                                            <p:txEl>
+                                              <p:pRg st="3" end="3"/>
+                                            </p:txEl>
+                                          </p:spTgt>
+                                        </p:tgtEl>
+                                        <p:attrNameLst>
+                                          <p:attrName>style.visibility</p:attrName>
+                                        </p:attrNameLst>
+                                      </p:cBhvr>
+                                      <p:to>
+                                        <p:strVal val="visible"/>
+                                      </p:to>
+                                    </p:set>
+                                    <p:animEffect transition="in" filter="fade">
+                                      <p:cBhvr>
+                                        <p:cTn id="16" dur="500"/>
+                                        <p:tgtEl>
+                                          <p:spTgt spid="3">
+                                            <p:txEl>
+                                              <p:pRg st="3" end="3"/>
+                                            </p:txEl>
+                                          </p:spTgt>
+                                        </p:tgtEl>
+                                      </p:cBhvr>
+                                    </p:animEffect>
+                                  </p:childTnLst>
+                                </p:cTn>
+                              </p:par>
+                              <p:par>
+                                <p:cTn id="17" presetID="10" presetClass="entr" presetSubtype="0" fill="hold" nodeType="withEffect">
+                                  <p:stCondLst>
+                                    <p:cond delay="0"/>
+                                  </p:stCondLst>
+                                  <p:childTnLst>
+                                    <p:set>
+                                      <p:cBhvr>
+                                        <p:cTn id="18" dur="1" fill="hold">
+                                          <p:stCondLst>
+                                            <p:cond delay="0"/>
+                                          </p:stCondLst>
+                                        </p:cTn>
+                                        <p:tgtEl>
+                                          <p:spTgt spid="3">
+                                            <p:txEl>
+                                              <p:pRg st="4" end="4"/>
+                                            </p:txEl>
+                                          </p:spTgt>
+                                        </p:tgtEl>
+                                        <p:attrNameLst>
+                                          <p:attrName>style.visibility</p:attrName>
+                                        </p:attrNameLst>
+                                      </p:cBhvr>
+                                      <p:to>
+                                        <p:strVal val="visible"/>
+                                      </p:to>
+                                    </p:set>
+                                    <p:animEffect transition="in" filter="fade">
+                                      <p:cBhvr>
+                                        <p:cTn id="19" dur="500"/>
+                                        <p:tgtEl>
+                                          <p:spTgt spid="3">
+                                            <p:txEl>
+                                              <p:pRg st="4" end="4"/>
+                                            </p:txEl>
+                                          </p:spTgt>
+                                        </p:tgtEl>
+                                      </p:cBhvr>
+                                    </p:animEffect>
+                                  </p:childTnLst>
+                                </p:cTn>
+                              </p:par>
+                              <p:par>
+                                <p:cTn id="20" presetID="10" presetClass="entr" presetSubtype="0" fill="hold" nodeType="withEffect">
+                                  <p:stCondLst>
+                                    <p:cond delay="0"/>
+                                  </p:stCondLst>
+                                  <p:childTnLst>
+                                    <p:set>
+                                      <p:cBhvr>
+                                        <p:cTn id="21" dur="1" fill="hold">
+                                          <p:stCondLst>
+                                            <p:cond delay="0"/>
+                                          </p:stCondLst>
+                                        </p:cTn>
+                                        <p:tgtEl>
+                                          <p:spTgt spid="3">
+                                            <p:txEl>
+                                              <p:pRg st="5" end="5"/>
+                                            </p:txEl>
+                                          </p:spTgt>
+                                        </p:tgtEl>
+                                        <p:attrNameLst>
+                                          <p:attrName>style.visibility</p:attrName>
+                                        </p:attrNameLst>
+                                      </p:cBhvr>
+                                      <p:to>
+                                        <p:strVal val="visible"/>
+                                      </p:to>
+                                    </p:set>
+                                    <p:animEffect transition="in" filter="fade">
+                                      <p:cBhvr>
+                                        <p:cTn id="22" dur="500"/>
+                                        <p:tgtEl>
+                                          <p:spTgt spid="3">
+                                            <p:txEl>
+                                              <p:pRg st="5" end="5"/>
+                                            </p:txEl>
+                                          </p:spTgt>
+                                        </p:tgtEl>
+                                      </p:cBhvr>
+                                    </p:animEffect>
+                                  </p:childTnLst>
+                                </p:cTn>
+                              </p:par>
+                            </p:childTnLst>
+                          </p:cTn>
+                        </p:par>
+                      </p:childTnLst>
+                    </p:cTn>
+                  </p:par>
+                  <p:par>
+                    <p:cTn id="23" fill="hold">
+                      <p:stCondLst>
+                        <p:cond delay="indefinite"/>
+                      </p:stCondLst>
+                      <p:childTnLst>
+                        <p:par>
+                          <p:cTn id="24" fill="hold">
+                            <p:stCondLst>
+                              <p:cond delay="0"/>
+                            </p:stCondLst>
+                            <p:childTnLst>
+                              <p:par>
+                                <p:cTn id="25" presetID="10" presetClass="entr" presetSubtype="0" fill="hold" grpId="0" nodeType="clickEffect">
+                                  <p:stCondLst>
+                                    <p:cond delay="0"/>
+                                  </p:stCondLst>
+                                  <p:childTnLst>
+                                    <p:set>
+                                      <p:cBhvr>
+                                        <p:cTn id="26" dur="1" fill="hold">
+                                          <p:stCondLst>
+                                            <p:cond delay="0"/>
+                                          </p:stCondLst>
+                                        </p:cTn>
+                                        <p:tgtEl>
+                                          <p:spTgt spid="3">
+                                            <p:txEl>
+                                              <p:pRg st="0" end="0"/>
+                                            </p:txEl>
+                                          </p:spTgt>
+                                        </p:tgtEl>
+                                        <p:attrNameLst>
+                                          <p:attrName>style.visibility</p:attrName>
+                                        </p:attrNameLst>
+                                      </p:cBhvr>
+                                      <p:to>
+                                        <p:strVal val="visible"/>
+                                      </p:to>
+                                    </p:set>
+                                    <p:animEffect transition="in" filter="fade">
+                                      <p:cBhvr>
+                                        <p:cTn id="27" dur="500"/>
+                                        <p:tgtEl>
+                                          <p:spTgt spid="3">
+                                            <p:txEl>
+                                              <p:pRg st="0" end="0"/>
+                                            </p:txEl>
+                                          </p:spTgt>
+                                        </p:tgtEl>
+                                      </p:cBhvr>
+                                    </p:animEffect>
+                                  </p:childTnLst>
+                                </p:cTn>
+                              </p:par>
+                            </p:childTnLst>
+                          </p:cTn>
+                        </p:par>
+                      </p:childTnLst>
+                    </p:cTn>
+                  </p:par>
+                  <p:par>
+                    <p:cTn id="28" fill="hold">
+                      <p:stCondLst>
+                        <p:cond delay="indefinite"/>
+                      </p:stCondLst>
+                      <p:childTnLst>
+                        <p:par>
+                          <p:cTn id="29" fill="hold">
+                            <p:stCondLst>
+                              <p:cond delay="0"/>
+                            </p:stCondLst>
+                            <p:childTnLst>
+                              <p:par>
+                                <p:cTn id="30" presetID="10" presetClass="entr" presetSubtype="0" fill="hold" grpId="0" nodeType="clickEffect">
+                                  <p:stCondLst>
+                                    <p:cond delay="0"/>
+                                  </p:stCondLst>
+                                  <p:childTnLst>
+                                    <p:set>
+                                      <p:cBhvr>
+                                        <p:cTn id="31" dur="1" fill="hold">
+                                          <p:stCondLst>
+                                            <p:cond delay="0"/>
+                                          </p:stCondLst>
+                                        </p:cTn>
+                                        <p:tgtEl>
+                                          <p:spTgt spid="3">
+                                            <p:txEl>
+                                              <p:pRg st="1" end="1"/>
+                                            </p:txEl>
+                                          </p:spTgt>
+                                        </p:tgtEl>
+                                        <p:attrNameLst>
+                                          <p:attrName>style.visibility</p:attrName>
+                                        </p:attrNameLst>
+                                      </p:cBhvr>
+                                      <p:to>
+                                        <p:strVal val="visible"/>
+                                      </p:to>
+                                    </p:set>
+                                    <p:animEffect transition="in" filter="fade">
+                                      <p:cBhvr>
+                                        <p:cTn id="32" dur="500"/>
+                                        <p:tgtEl>
+                                          <p:spTgt spid="3">
+                                            <p:txEl>
+                                              <p:pRg st="1" end="1"/>
+                                            </p:txEl>
+                                          </p:spTgt>
+                                        </p:tgtEl>
+                                      </p:cBhvr>
+                                    </p:animEffect>
+                                  </p:childTnLst>
+                                </p:cTn>
+                              </p:par>
+                            </p:childTnLst>
+                          </p:cTn>
+                        </p:par>
+                      </p:childTnLst>
+                    </p:cTn>
+                  </p:par>
+                  <p:par>
+                    <p:cTn id="33" fill="hold">
+                      <p:stCondLst>
+                        <p:cond delay="indefinite"/>
+                      </p:stCondLst>
+                      <p:childTnLst>
+                        <p:par>
+                          <p:cTn id="34" fill="hold">
+                            <p:stCondLst>
+                              <p:cond delay="0"/>
+                            </p:stCondLst>
+                            <p:childTnLst>
+                              <p:par>
+                                <p:cTn id="35" presetID="10" presetClass="entr" presetSubtype="0" fill="hold" grpId="0" nodeType="clickEffect">
+                                  <p:stCondLst>
+                                    <p:cond delay="0"/>
+                                  </p:stCondLst>
+                                  <p:childTnLst>
+                                    <p:set>
+                                      <p:cBhvr>
+                                        <p:cTn id="36" dur="1" fill="hold">
+                                          <p:stCondLst>
+                                            <p:cond delay="0"/>
+                                          </p:stCondLst>
+                                        </p:cTn>
+                                        <p:tgtEl>
+                                          <p:spTgt spid="3">
+                                            <p:txEl>
+                                              <p:pRg st="2" end="2"/>
+                                            </p:txEl>
+                                          </p:spTgt>
+                                        </p:tgtEl>
+                                        <p:attrNameLst>
+                                          <p:attrName>style.visibility</p:attrName>
+                                        </p:attrNameLst>
+                                      </p:cBhvr>
+                                      <p:to>
+                                        <p:strVal val="visible"/>
+                                      </p:to>
+                                    </p:set>
+                                    <p:animEffect transition="in" filter="fade">
+                                      <p:cBhvr>
+                                        <p:cTn id="37" dur="500"/>
+                                        <p:tgtEl>
+                                          <p:spTgt spid="3">
+                                            <p:txEl>
+                                              <p:pRg st="2" end="2"/>
+                                            </p:txEl>
+                                          </p:spTgt>
+                                        </p:tgtEl>
+                                      </p:cBhvr>
+                                    </p:animEffect>
+                                  </p:childTnLst>
+                                </p:cTn>
+                              </p:par>
+                            </p:childTnLst>
+                          </p:cTn>
+                        </p:par>
+                      </p:childTnLst>
+                    </p:cTn>
+                  </p:par>
+                  <p:par>
+                    <p:cTn id="38" fill="hold">
+                      <p:stCondLst>
+                        <p:cond delay="indefinite"/>
+                      </p:stCondLst>
+                      <p:childTnLst>
+                        <p:par>
+                          <p:cTn id="39" fill="hold">
+                            <p:stCondLst>
+                              <p:cond delay="0"/>
+                            </p:stCondLst>
+                            <p:childTnLst>
+                              <p:par>
+                                <p:cTn id="40" presetID="10" presetClass="entr" presetSubtype="0" fill="hold" grpId="0" nodeType="clickEffect">
+                                  <p:stCondLst>
+                                    <p:cond delay="0"/>
+                                  </p:stCondLst>
+                                  <p:childTnLst>
+                                    <p:set>
+                                      <p:cBhvr>
+                                        <p:cTn id="41" dur="1" fill="hold">
+                                          <p:stCondLst>
+                                            <p:cond delay="0"/>
+                                          </p:stCondLst>
+                                        </p:cTn>
+                                        <p:tgtEl>
+                                          <p:spTgt spid="3">
+                                            <p:txEl>
+                                              <p:pRg st="3" end="3"/>
+                                            </p:txEl>
+                                          </p:spTgt>
+                                        </p:tgtEl>
+                                        <p:attrNameLst>
+                                          <p:attrName>style.visibility</p:attrName>
+                                        </p:attrNameLst>
+                                      </p:cBhvr>
+                                      <p:to>
+                                        <p:strVal val="visible"/>
+                                      </p:to>
+                                    </p:set>
+                                    <p:animEffect transition="in" filter="fade">
+                                      <p:cBhvr>
+                                        <p:cTn id="42" dur="500"/>
+                                        <p:tgtEl>
+                                          <p:spTgt spid="3">
+                                            <p:txEl>
+                                              <p:pRg st="3" end="3"/>
+                                            </p:txEl>
+                                          </p:spTgt>
+                                        </p:tgtEl>
+                                      </p:cBhvr>
+                                    </p:animEffect>
+                                  </p:childTnLst>
+                                </p:cTn>
+                              </p:par>
+                              <p:par>
+                                <p:cTn id="43" presetID="10" presetClass="entr" presetSubtype="0" fill="hold" grpId="0" nodeType="withEffect">
+                                  <p:stCondLst>
+                                    <p:cond delay="0"/>
+                                  </p:stCondLst>
+                                  <p:childTnLst>
+                                    <p:set>
+                                      <p:cBhvr>
+                                        <p:cTn id="44" dur="1" fill="hold">
+                                          <p:stCondLst>
+                                            <p:cond delay="0"/>
+                                          </p:stCondLst>
+                                        </p:cTn>
+                                        <p:tgtEl>
+                                          <p:spTgt spid="3">
+                                            <p:txEl>
+                                              <p:pRg st="4" end="4"/>
+                                            </p:txEl>
+                                          </p:spTgt>
+                                        </p:tgtEl>
+                                        <p:attrNameLst>
+                                          <p:attrName>style.visibility</p:attrName>
+                                        </p:attrNameLst>
+                                      </p:cBhvr>
+                                      <p:to>
+                                        <p:strVal val="visible"/>
+                                      </p:to>
+                                    </p:set>
+                                    <p:animEffect transition="in" filter="fade">
+                                      <p:cBhvr>
+                                        <p:cTn id="45" dur="500"/>
+                                        <p:tgtEl>
+                                          <p:spTgt spid="3">
+                                            <p:txEl>
+                                              <p:pRg st="4" end="4"/>
+                                            </p:txEl>
+                                          </p:spTgt>
+                                        </p:tgtEl>
+                                      </p:cBhvr>
+                                    </p:animEffect>
+                                  </p:childTnLst>
+                                </p:cTn>
+                              </p:par>
+                            </p:childTnLst>
+                          </p:cTn>
+                        </p:par>
+                      </p:childTnLst>
+                    </p:cTn>
+                  </p:par>
+                  <p:par>
+                    <p:cTn id="46" fill="hold">
+                      <p:stCondLst>
+                        <p:cond delay="indefinite"/>
+                      </p:stCondLst>
+                      <p:childTnLst>
+                        <p:par>
+                          <p:cTn id="47" fill="hold">
+                            <p:stCondLst>
+                              <p:cond delay="0"/>
+                            </p:stCondLst>
+                            <p:childTnLst>
+                              <p:par>
+                                <p:cTn id="48" presetID="10" presetClass="entr" presetSubtype="0" fill="hold" grpId="0" nodeType="clickEffect">
+                                  <p:stCondLst>
+                                    <p:cond delay="0"/>
+                                  </p:stCondLst>
+                                  <p:childTnLst>
+                                    <p:set>
+                                      <p:cBhvr>
+                                        <p:cTn id="49" dur="1" fill="hold">
+                                          <p:stCondLst>
+                                            <p:cond delay="0"/>
+                                          </p:stCondLst>
+                                        </p:cTn>
+                                        <p:tgtEl>
+                                          <p:spTgt spid="3">
+                                            <p:txEl>
+                                              <p:pRg st="5" end="5"/>
+                                            </p:txEl>
+                                          </p:spTgt>
+                                        </p:tgtEl>
+                                        <p:attrNameLst>
+                                          <p:attrName>style.visibility</p:attrName>
+                                        </p:attrNameLst>
+                                      </p:cBhvr>
+                                      <p:to>
+                                        <p:strVal val="visible"/>
+                                      </p:to>
+                                    </p:set>
+                                    <p:animEffect transition="in" filter="fade">
+                                      <p:cBhvr>
+                                        <p:cTn id="50" dur="500"/>
+                                        <p:tgtEl>
+                                          <p:spTgt spid="3">
+                                            <p:txEl>
+                                              <p:pRg st="5" end="5"/>
+                                            </p:txEl>
+                                          </p:spTgt>
+                                        </p:tgtEl>
+                                      </p:cBhvr>
+                                    </p:animEffect>
+                                  </p:childTnLst>
+                                </p:cTn>
+                              </p:par>
+                            </p:childTnLst>
+                          </p:cTn>
+                        </p:par>
+                      </p:childTnLst>
+                    </p:cTn>
+                  </p:par>
+                </p:childTnLst>
+              </p:cTn>
+              <p:prevCondLst>
+                <p:cond evt="onPrev" delay="0">
+                  <p:tgtEl>
+                    <p:sldTgt/>
+                  </p:tgtEl>
+                </p:cond>
+              </p:prevCondLst>
+              <p:nextCondLst>
+                <p:cond evt="onNext" delay="0">
+                  <p:tgtEl>
+                    <p:sldTgt/>
+                  </p:tgtEl>
+                </p:cond>
+              </p:nextCondLst>
+            </p:seq>
+          </p:childTnLst>
+        </p:cTn>
+      </p:par>
+    </p:tnLst>
+    <p:bldLst>
+      <p:bldP spid="3" grpId="0" build="p"/>
+    </p:bldLst>
+  </p:timing>
 </p:sld>
 </file>
 
@@ -7802,7 +8918,7 @@
           <p:cNvPr id="2" name="Title 1">
             <a:extLst>
               <a:ext uri="{FF2B5EF4-FFF2-40B4-BE49-F238E27FC236}">
-                <a16:creationId xmlns:a16="http://schemas.microsoft.com/office/drawing/2014/main" id="{24F2D5E8-724F-0171-3A8E-9C5A38B474C4}"/>
+                <a16:creationId xmlns:a16="http://schemas.microsoft.com/office/drawing/2014/main" id="{C77B0B92-601D-EA4B-CC4A-366BDBF44F82}"/>
               </a:ext>
             </a:extLst>
           </p:cNvPr>
@@ -7820,7 +8936,7 @@
           <a:p>
             <a:r>
               <a:rPr lang="en-US" dirty="0"/>
-              <a:t>Motivation</a:t>
+              <a:t>Definitions</a:t>
             </a:r>
           </a:p>
         </p:txBody>
@@ -7830,7 +8946,7 @@
           <p:cNvPr id="3" name="Content Placeholder 2">
             <a:extLst>
               <a:ext uri="{FF2B5EF4-FFF2-40B4-BE49-F238E27FC236}">
-                <a16:creationId xmlns:a16="http://schemas.microsoft.com/office/drawing/2014/main" id="{9F8794B2-2665-178A-92A1-A802546E83BB}"/>
+                <a16:creationId xmlns:a16="http://schemas.microsoft.com/office/drawing/2014/main" id="{572799D8-EA89-9FC3-957B-6C10F83226E9}"/>
               </a:ext>
             </a:extLst>
           </p:cNvPr>
@@ -7846,20 +8962,384 @@
           <a:bodyPr/>
           <a:lstStyle/>
           <a:p>
-            <a:endParaRPr lang="en-US"/>
+            <a:r>
+              <a:rPr lang="en-US" dirty="0"/>
+              <a:t>Graph Databases</a:t>
+            </a:r>
+          </a:p>
+          <a:p>
+            <a:pPr lvl="1"/>
+            <a:r>
+              <a:rPr lang="en-US" dirty="0"/>
+              <a:t>Graph Theory</a:t>
+            </a:r>
+          </a:p>
+          <a:p>
+            <a:pPr lvl="1"/>
+            <a:r>
+              <a:rPr lang="en-US" dirty="0"/>
+              <a:t>Nodes and Edges</a:t>
+            </a:r>
+          </a:p>
+          <a:p>
+            <a:r>
+              <a:rPr lang="en-US" dirty="0"/>
+              <a:t>Timeseries Data</a:t>
+            </a:r>
+          </a:p>
+          <a:p>
+            <a:pPr lvl="1"/>
+            <a:r>
+              <a:rPr lang="en-US" dirty="0"/>
+              <a:t>Flow data over time</a:t>
+            </a:r>
+          </a:p>
+          <a:p>
+            <a:pPr lvl="1"/>
+            <a:r>
+              <a:rPr lang="en-US" dirty="0"/>
+              <a:t>5-triple with timestamp</a:t>
+            </a:r>
           </a:p>
         </p:txBody>
       </p:sp>
     </p:spTree>
     <p:extLst>
       <p:ext uri="{BB962C8B-B14F-4D97-AF65-F5344CB8AC3E}">
-        <p14:creationId xmlns:p14="http://schemas.microsoft.com/office/powerpoint/2010/main" val="3756245443"/>
+        <p14:creationId xmlns:p14="http://schemas.microsoft.com/office/powerpoint/2010/main" val="1648029994"/>
       </p:ext>
     </p:extLst>
   </p:cSld>
   <p:clrMapOvr>
     <a:masterClrMapping/>
   </p:clrMapOvr>
+  <p:timing>
+    <p:tnLst>
+      <p:par>
+        <p:cTn id="1" dur="indefinite" restart="never" nodeType="tmRoot">
+          <p:childTnLst>
+            <p:seq concurrent="1" nextAc="seek">
+              <p:cTn id="2" dur="indefinite" nodeType="mainSeq">
+                <p:childTnLst>
+                  <p:par>
+                    <p:cTn id="3" fill="hold">
+                      <p:stCondLst>
+                        <p:cond delay="indefinite"/>
+                      </p:stCondLst>
+                      <p:childTnLst>
+                        <p:par>
+                          <p:cTn id="4" fill="hold">
+                            <p:stCondLst>
+                              <p:cond delay="0"/>
+                            </p:stCondLst>
+                            <p:childTnLst>
+                              <p:par>
+                                <p:cTn id="5" presetID="10" presetClass="entr" presetSubtype="0" fill="hold" grpId="0" nodeType="clickEffect">
+                                  <p:stCondLst>
+                                    <p:cond delay="0"/>
+                                  </p:stCondLst>
+                                  <p:childTnLst>
+                                    <p:set>
+                                      <p:cBhvr>
+                                        <p:cTn id="6" dur="1" fill="hold">
+                                          <p:stCondLst>
+                                            <p:cond delay="0"/>
+                                          </p:stCondLst>
+                                        </p:cTn>
+                                        <p:tgtEl>
+                                          <p:spTgt spid="3">
+                                            <p:txEl>
+                                              <p:pRg st="0" end="0"/>
+                                            </p:txEl>
+                                          </p:spTgt>
+                                        </p:tgtEl>
+                                        <p:attrNameLst>
+                                          <p:attrName>style.visibility</p:attrName>
+                                        </p:attrNameLst>
+                                      </p:cBhvr>
+                                      <p:to>
+                                        <p:strVal val="visible"/>
+                                      </p:to>
+                                    </p:set>
+                                    <p:animEffect transition="in" filter="fade">
+                                      <p:cBhvr>
+                                        <p:cTn id="7" dur="500"/>
+                                        <p:tgtEl>
+                                          <p:spTgt spid="3">
+                                            <p:txEl>
+                                              <p:pRg st="0" end="0"/>
+                                            </p:txEl>
+                                          </p:spTgt>
+                                        </p:tgtEl>
+                                      </p:cBhvr>
+                                    </p:animEffect>
+                                  </p:childTnLst>
+                                </p:cTn>
+                              </p:par>
+                              <p:par>
+                                <p:cTn id="8" presetID="10" presetClass="entr" presetSubtype="0" fill="hold" grpId="0" nodeType="withEffect">
+                                  <p:stCondLst>
+                                    <p:cond delay="0"/>
+                                  </p:stCondLst>
+                                  <p:childTnLst>
+                                    <p:set>
+                                      <p:cBhvr>
+                                        <p:cTn id="9" dur="1" fill="hold">
+                                          <p:stCondLst>
+                                            <p:cond delay="0"/>
+                                          </p:stCondLst>
+                                        </p:cTn>
+                                        <p:tgtEl>
+                                          <p:spTgt spid="3">
+                                            <p:txEl>
+                                              <p:pRg st="1" end="1"/>
+                                            </p:txEl>
+                                          </p:spTgt>
+                                        </p:tgtEl>
+                                        <p:attrNameLst>
+                                          <p:attrName>style.visibility</p:attrName>
+                                        </p:attrNameLst>
+                                      </p:cBhvr>
+                                      <p:to>
+                                        <p:strVal val="visible"/>
+                                      </p:to>
+                                    </p:set>
+                                    <p:animEffect transition="in" filter="fade">
+                                      <p:cBhvr>
+                                        <p:cTn id="10" dur="500"/>
+                                        <p:tgtEl>
+                                          <p:spTgt spid="3">
+                                            <p:txEl>
+                                              <p:pRg st="1" end="1"/>
+                                            </p:txEl>
+                                          </p:spTgt>
+                                        </p:tgtEl>
+                                      </p:cBhvr>
+                                    </p:animEffect>
+                                  </p:childTnLst>
+                                </p:cTn>
+                              </p:par>
+                              <p:par>
+                                <p:cTn id="11" presetID="10" presetClass="entr" presetSubtype="0" fill="hold" grpId="0" nodeType="withEffect">
+                                  <p:stCondLst>
+                                    <p:cond delay="0"/>
+                                  </p:stCondLst>
+                                  <p:childTnLst>
+                                    <p:set>
+                                      <p:cBhvr>
+                                        <p:cTn id="12" dur="1" fill="hold">
+                                          <p:stCondLst>
+                                            <p:cond delay="0"/>
+                                          </p:stCondLst>
+                                        </p:cTn>
+                                        <p:tgtEl>
+                                          <p:spTgt spid="3">
+                                            <p:txEl>
+                                              <p:pRg st="2" end="2"/>
+                                            </p:txEl>
+                                          </p:spTgt>
+                                        </p:tgtEl>
+                                        <p:attrNameLst>
+                                          <p:attrName>style.visibility</p:attrName>
+                                        </p:attrNameLst>
+                                      </p:cBhvr>
+                                      <p:to>
+                                        <p:strVal val="visible"/>
+                                      </p:to>
+                                    </p:set>
+                                    <p:animEffect transition="in" filter="fade">
+                                      <p:cBhvr>
+                                        <p:cTn id="13" dur="500"/>
+                                        <p:tgtEl>
+                                          <p:spTgt spid="3">
+                                            <p:txEl>
+                                              <p:pRg st="2" end="2"/>
+                                            </p:txEl>
+                                          </p:spTgt>
+                                        </p:tgtEl>
+                                      </p:cBhvr>
+                                    </p:animEffect>
+                                  </p:childTnLst>
+                                </p:cTn>
+                              </p:par>
+                            </p:childTnLst>
+                          </p:cTn>
+                        </p:par>
+                      </p:childTnLst>
+                    </p:cTn>
+                  </p:par>
+                  <p:par>
+                    <p:cTn id="14" fill="hold">
+                      <p:stCondLst>
+                        <p:cond delay="indefinite"/>
+                      </p:stCondLst>
+                      <p:childTnLst>
+                        <p:par>
+                          <p:cTn id="15" fill="hold">
+                            <p:stCondLst>
+                              <p:cond delay="0"/>
+                            </p:stCondLst>
+                            <p:childTnLst>
+                              <p:par>
+                                <p:cTn id="16" presetID="10" presetClass="entr" presetSubtype="0" fill="hold" grpId="0" nodeType="clickEffect">
+                                  <p:stCondLst>
+                                    <p:cond delay="0"/>
+                                  </p:stCondLst>
+                                  <p:childTnLst>
+                                    <p:set>
+                                      <p:cBhvr>
+                                        <p:cTn id="17" dur="1" fill="hold">
+                                          <p:stCondLst>
+                                            <p:cond delay="0"/>
+                                          </p:stCondLst>
+                                        </p:cTn>
+                                        <p:tgtEl>
+                                          <p:spTgt spid="3">
+                                            <p:txEl>
+                                              <p:pRg st="3" end="3"/>
+                                            </p:txEl>
+                                          </p:spTgt>
+                                        </p:tgtEl>
+                                        <p:attrNameLst>
+                                          <p:attrName>style.visibility</p:attrName>
+                                        </p:attrNameLst>
+                                      </p:cBhvr>
+                                      <p:to>
+                                        <p:strVal val="visible"/>
+                                      </p:to>
+                                    </p:set>
+                                    <p:animEffect transition="in" filter="fade">
+                                      <p:cBhvr>
+                                        <p:cTn id="18" dur="500"/>
+                                        <p:tgtEl>
+                                          <p:spTgt spid="3">
+                                            <p:txEl>
+                                              <p:pRg st="3" end="3"/>
+                                            </p:txEl>
+                                          </p:spTgt>
+                                        </p:tgtEl>
+                                      </p:cBhvr>
+                                    </p:animEffect>
+                                  </p:childTnLst>
+                                </p:cTn>
+                              </p:par>
+                              <p:par>
+                                <p:cTn id="19" presetID="10" presetClass="entr" presetSubtype="0" fill="hold" grpId="0" nodeType="withEffect">
+                                  <p:stCondLst>
+                                    <p:cond delay="0"/>
+                                  </p:stCondLst>
+                                  <p:childTnLst>
+                                    <p:set>
+                                      <p:cBhvr>
+                                        <p:cTn id="20" dur="1" fill="hold">
+                                          <p:stCondLst>
+                                            <p:cond delay="0"/>
+                                          </p:stCondLst>
+                                        </p:cTn>
+                                        <p:tgtEl>
+                                          <p:spTgt spid="3">
+                                            <p:txEl>
+                                              <p:pRg st="4" end="4"/>
+                                            </p:txEl>
+                                          </p:spTgt>
+                                        </p:tgtEl>
+                                        <p:attrNameLst>
+                                          <p:attrName>style.visibility</p:attrName>
+                                        </p:attrNameLst>
+                                      </p:cBhvr>
+                                      <p:to>
+                                        <p:strVal val="visible"/>
+                                      </p:to>
+                                    </p:set>
+                                    <p:animEffect transition="in" filter="fade">
+                                      <p:cBhvr>
+                                        <p:cTn id="21" dur="500"/>
+                                        <p:tgtEl>
+                                          <p:spTgt spid="3">
+                                            <p:txEl>
+                                              <p:pRg st="4" end="4"/>
+                                            </p:txEl>
+                                          </p:spTgt>
+                                        </p:tgtEl>
+                                      </p:cBhvr>
+                                    </p:animEffect>
+                                  </p:childTnLst>
+                                </p:cTn>
+                              </p:par>
+                              <p:par>
+                                <p:cTn id="22" presetID="10" presetClass="entr" presetSubtype="0" fill="hold" grpId="0" nodeType="withEffect">
+                                  <p:stCondLst>
+                                    <p:cond delay="0"/>
+                                  </p:stCondLst>
+                                  <p:childTnLst>
+                                    <p:set>
+                                      <p:cBhvr>
+                                        <p:cTn id="23" dur="1" fill="hold">
+                                          <p:stCondLst>
+                                            <p:cond delay="0"/>
+                                          </p:stCondLst>
+                                        </p:cTn>
+                                        <p:tgtEl>
+                                          <p:spTgt spid="3">
+                                            <p:txEl>
+                                              <p:pRg st="5" end="5"/>
+                                            </p:txEl>
+                                          </p:spTgt>
+                                        </p:tgtEl>
+                                        <p:attrNameLst>
+                                          <p:attrName>style.visibility</p:attrName>
+                                        </p:attrNameLst>
+                                      </p:cBhvr>
+                                      <p:to>
+                                        <p:strVal val="visible"/>
+                                      </p:to>
+                                    </p:set>
+                                    <p:animEffect transition="in" filter="fade">
+                                      <p:cBhvr>
+                                        <p:cTn id="24" dur="500"/>
+                                        <p:tgtEl>
+                                          <p:spTgt spid="3">
+                                            <p:txEl>
+                                              <p:pRg st="5" end="5"/>
+                                            </p:txEl>
+                                          </p:spTgt>
+                                        </p:tgtEl>
+                                      </p:cBhvr>
+                                    </p:animEffect>
+                                  </p:childTnLst>
+                                </p:cTn>
+                              </p:par>
+                            </p:childTnLst>
+                          </p:cTn>
+                        </p:par>
+                      </p:childTnLst>
+                    </p:cTn>
+                  </p:par>
+                </p:childTnLst>
+              </p:cTn>
+              <p:prevCondLst>
+                <p:cond evt="onPrev" delay="0">
+                  <p:tgtEl>
+                    <p:sldTgt/>
+                  </p:tgtEl>
+                </p:cond>
+              </p:prevCondLst>
+              <p:nextCondLst>
+                <p:cond evt="onNext" delay="0">
+                  <p:tgtEl>
+                    <p:sldTgt/>
+                  </p:tgtEl>
+                </p:cond>
+              </p:nextCondLst>
+            </p:seq>
+          </p:childTnLst>
+        </p:cTn>
+      </p:par>
+    </p:tnLst>
+    <p:bldLst>
+      <p:bldP spid="3" grpId="0" build="p"/>
+    </p:bldLst>
+  </p:timing>
 </p:sld>
 </file>
 
@@ -7885,7 +9365,7 @@
           <p:cNvPr id="2" name="Title 1">
             <a:extLst>
               <a:ext uri="{FF2B5EF4-FFF2-40B4-BE49-F238E27FC236}">
-                <a16:creationId xmlns:a16="http://schemas.microsoft.com/office/drawing/2014/main" id="{6A17955B-A110-1530-1ABF-E17BE1EEA22E}"/>
+                <a16:creationId xmlns:a16="http://schemas.microsoft.com/office/drawing/2014/main" id="{24F2D5E8-724F-0171-3A8E-9C5A38B474C4}"/>
               </a:ext>
             </a:extLst>
           </p:cNvPr>
@@ -7903,7 +9383,7 @@
           <a:p>
             <a:r>
               <a:rPr lang="en-US" dirty="0"/>
-              <a:t>Related Works</a:t>
+              <a:t>Motivation</a:t>
             </a:r>
           </a:p>
         </p:txBody>
@@ -7913,7 +9393,7 @@
           <p:cNvPr id="3" name="Content Placeholder 2">
             <a:extLst>
               <a:ext uri="{FF2B5EF4-FFF2-40B4-BE49-F238E27FC236}">
-                <a16:creationId xmlns:a16="http://schemas.microsoft.com/office/drawing/2014/main" id="{1752AF96-0E3E-80C9-02B5-F9F0036941E8}"/>
+                <a16:creationId xmlns:a16="http://schemas.microsoft.com/office/drawing/2014/main" id="{9F8794B2-2665-178A-92A1-A802546E83BB}"/>
               </a:ext>
             </a:extLst>
           </p:cNvPr>
@@ -7929,14 +9409,60 @@
           <a:bodyPr/>
           <a:lstStyle/>
           <a:p>
-            <a:endParaRPr lang="en-US"/>
+            <a:r>
+              <a:rPr lang="en-US" dirty="0"/>
+              <a:t>IoT devices everywhere</a:t>
+            </a:r>
+          </a:p>
+          <a:p>
+            <a:pPr lvl="1"/>
+            <a:r>
+              <a:rPr lang="en-US" dirty="0"/>
+              <a:t>Producing data all the time</a:t>
+            </a:r>
+          </a:p>
+          <a:p>
+            <a:pPr lvl="1"/>
+            <a:r>
+              <a:rPr lang="en-US" dirty="0"/>
+              <a:t>Sometime transfers this data over the internet</a:t>
+            </a:r>
+          </a:p>
+          <a:p>
+            <a:r>
+              <a:rPr lang="en-US" dirty="0"/>
+              <a:t>Have a need to analyze timeseries data</a:t>
+            </a:r>
+          </a:p>
+          <a:p>
+            <a:pPr lvl="1"/>
+            <a:r>
+              <a:rPr lang="en-US" dirty="0"/>
+              <a:t>Important to observe trends</a:t>
+            </a:r>
+          </a:p>
+          <a:p>
+            <a:r>
+              <a:rPr lang="en-US" dirty="0"/>
+              <a:t>Need an efficient method for small networks and homes</a:t>
+            </a:r>
+          </a:p>
+          <a:p>
+            <a:pPr lvl="1"/>
+            <a:r>
+              <a:rPr lang="en-US" dirty="0"/>
+              <a:t>Not everyone has a powerful computer</a:t>
+            </a:r>
+          </a:p>
+          <a:p>
+            <a:endParaRPr lang="en-US" dirty="0"/>
           </a:p>
         </p:txBody>
       </p:sp>
     </p:spTree>
     <p:extLst>
       <p:ext uri="{BB962C8B-B14F-4D97-AF65-F5344CB8AC3E}">
-        <p14:creationId xmlns:p14="http://schemas.microsoft.com/office/powerpoint/2010/main" val="1024174693"/>
+        <p14:creationId xmlns:p14="http://schemas.microsoft.com/office/powerpoint/2010/main" val="3756245443"/>
       </p:ext>
     </p:extLst>
   </p:cSld>
@@ -7968,7 +9494,7 @@
           <p:cNvPr id="2" name="Title 1">
             <a:extLst>
               <a:ext uri="{FF2B5EF4-FFF2-40B4-BE49-F238E27FC236}">
-                <a16:creationId xmlns:a16="http://schemas.microsoft.com/office/drawing/2014/main" id="{4D5652A0-9409-7272-7FEC-1B29F493338D}"/>
+                <a16:creationId xmlns:a16="http://schemas.microsoft.com/office/drawing/2014/main" id="{6A17955B-A110-1530-1ABF-E17BE1EEA22E}"/>
               </a:ext>
             </a:extLst>
           </p:cNvPr>
@@ -7986,7 +9512,7 @@
           <a:p>
             <a:r>
               <a:rPr lang="en-US" dirty="0"/>
-              <a:t>Methodology</a:t>
+              <a:t>Related Works</a:t>
             </a:r>
           </a:p>
         </p:txBody>
@@ -7996,7 +9522,7 @@
           <p:cNvPr id="3" name="Content Placeholder 2">
             <a:extLst>
               <a:ext uri="{FF2B5EF4-FFF2-40B4-BE49-F238E27FC236}">
-                <a16:creationId xmlns:a16="http://schemas.microsoft.com/office/drawing/2014/main" id="{F3C2E327-CC8E-FB77-D0E1-9A8BF41BA8F7}"/>
+                <a16:creationId xmlns:a16="http://schemas.microsoft.com/office/drawing/2014/main" id="{1752AF96-0E3E-80C9-02B5-F9F0036941E8}"/>
               </a:ext>
             </a:extLst>
           </p:cNvPr>
@@ -8012,14 +9538,44 @@
           <a:bodyPr/>
           <a:lstStyle/>
           <a:p>
-            <a:endParaRPr lang="en-US"/>
+            <a:r>
+              <a:rPr lang="en-US" dirty="0"/>
+              <a:t>IoT Inspector</a:t>
+            </a:r>
+          </a:p>
+          <a:p>
+            <a:pPr lvl="1"/>
+            <a:r>
+              <a:rPr lang="en-US" dirty="0"/>
+              <a:t>Lot of Inspiration</a:t>
+            </a:r>
+          </a:p>
+          <a:p>
+            <a:pPr lvl="1"/>
+            <a:r>
+              <a:rPr lang="en-US" dirty="0"/>
+              <a:t>Not focused on graph databases and their advantages</a:t>
+            </a:r>
+          </a:p>
+          <a:p>
+            <a:r>
+              <a:rPr lang="en-US" dirty="0"/>
+              <a:t>Global IoT Experiment</a:t>
+            </a:r>
+          </a:p>
+          <a:p>
+            <a:pPr lvl="1"/>
+            <a:r>
+              <a:rPr lang="en-US" dirty="0"/>
+              <a:t>Not focused on small networks and homes</a:t>
+            </a:r>
           </a:p>
         </p:txBody>
       </p:sp>
     </p:spTree>
     <p:extLst>
       <p:ext uri="{BB962C8B-B14F-4D97-AF65-F5344CB8AC3E}">
-        <p14:creationId xmlns:p14="http://schemas.microsoft.com/office/powerpoint/2010/main" val="926855978"/>
+        <p14:creationId xmlns:p14="http://schemas.microsoft.com/office/powerpoint/2010/main" val="1024174693"/>
       </p:ext>
     </p:extLst>
   </p:cSld>
@@ -8051,7 +9607,7 @@
           <p:cNvPr id="2" name="Title 1">
             <a:extLst>
               <a:ext uri="{FF2B5EF4-FFF2-40B4-BE49-F238E27FC236}">
-                <a16:creationId xmlns:a16="http://schemas.microsoft.com/office/drawing/2014/main" id="{60445883-3DA5-75EA-74EB-8DA2B0A281AD}"/>
+                <a16:creationId xmlns:a16="http://schemas.microsoft.com/office/drawing/2014/main" id="{4D5652A0-9409-7272-7FEC-1B29F493338D}"/>
               </a:ext>
             </a:extLst>
           </p:cNvPr>
@@ -8069,7 +9625,7 @@
           <a:p>
             <a:r>
               <a:rPr lang="en-US" dirty="0"/>
-              <a:t>Results</a:t>
+              <a:t>Methodology</a:t>
             </a:r>
           </a:p>
         </p:txBody>
@@ -8079,7 +9635,7 @@
           <p:cNvPr id="3" name="Content Placeholder 2">
             <a:extLst>
               <a:ext uri="{FF2B5EF4-FFF2-40B4-BE49-F238E27FC236}">
-                <a16:creationId xmlns:a16="http://schemas.microsoft.com/office/drawing/2014/main" id="{1E25ED38-B604-081C-8BE1-CB10EA07CE83}"/>
+                <a16:creationId xmlns:a16="http://schemas.microsoft.com/office/drawing/2014/main" id="{F3C2E327-CC8E-FB77-D0E1-9A8BF41BA8F7}"/>
               </a:ext>
             </a:extLst>
           </p:cNvPr>
@@ -8095,14 +9651,74 @@
           <a:bodyPr/>
           <a:lstStyle/>
           <a:p>
-            <a:endParaRPr lang="en-US"/>
+            <a:r>
+              <a:rPr lang="en-US" dirty="0"/>
+              <a:t>Decide on tech stack</a:t>
+            </a:r>
+          </a:p>
+          <a:p>
+            <a:pPr lvl="1"/>
+            <a:r>
+              <a:rPr lang="en-US" dirty="0"/>
+              <a:t>Neo4J</a:t>
+            </a:r>
+          </a:p>
+          <a:p>
+            <a:pPr lvl="1"/>
+            <a:r>
+              <a:rPr lang="en-US" dirty="0"/>
+              <a:t>Python</a:t>
+            </a:r>
+          </a:p>
+          <a:p>
+            <a:r>
+              <a:rPr lang="en-US" dirty="0"/>
+              <a:t>Decide on dataset</a:t>
+            </a:r>
+          </a:p>
+          <a:p>
+            <a:pPr lvl="1"/>
+            <a:r>
+              <a:rPr lang="en-US" dirty="0" err="1"/>
+              <a:t>BoT</a:t>
+            </a:r>
+            <a:r>
+              <a:rPr lang="en-US" dirty="0"/>
+              <a:t> IoT</a:t>
+            </a:r>
+          </a:p>
+          <a:p>
+            <a:r>
+              <a:rPr lang="en-US" dirty="0"/>
+              <a:t>Create Queries</a:t>
+            </a:r>
+          </a:p>
+          <a:p>
+            <a:pPr lvl="1"/>
+            <a:r>
+              <a:rPr lang="en-US" dirty="0"/>
+              <a:t>Simple</a:t>
+            </a:r>
+          </a:p>
+          <a:p>
+            <a:pPr lvl="1"/>
+            <a:r>
+              <a:rPr lang="en-US" dirty="0"/>
+              <a:t>Lots of info</a:t>
+            </a:r>
+          </a:p>
+          <a:p>
+            <a:r>
+              <a:rPr lang="en-US" dirty="0"/>
+              <a:t>Analyze Data</a:t>
+            </a:r>
           </a:p>
         </p:txBody>
       </p:sp>
     </p:spTree>
     <p:extLst>
       <p:ext uri="{BB962C8B-B14F-4D97-AF65-F5344CB8AC3E}">
-        <p14:creationId xmlns:p14="http://schemas.microsoft.com/office/powerpoint/2010/main" val="4130473490"/>
+        <p14:creationId xmlns:p14="http://schemas.microsoft.com/office/powerpoint/2010/main" val="926855978"/>
       </p:ext>
     </p:extLst>
   </p:cSld>
@@ -8134,7 +9750,7 @@
           <p:cNvPr id="2" name="Title 1">
             <a:extLst>
               <a:ext uri="{FF2B5EF4-FFF2-40B4-BE49-F238E27FC236}">
-                <a16:creationId xmlns:a16="http://schemas.microsoft.com/office/drawing/2014/main" id="{BF60273A-8546-C1FD-B9AD-DC2186835915}"/>
+                <a16:creationId xmlns:a16="http://schemas.microsoft.com/office/drawing/2014/main" id="{FA24DFEB-32C3-A949-6C17-C69942E2E36D}"/>
               </a:ext>
             </a:extLst>
           </p:cNvPr>
@@ -8152,40 +9768,311 @@
           <a:p>
             <a:r>
               <a:rPr lang="en-US" dirty="0"/>
-              <a:t>Discussion</a:t>
-            </a:r>
-          </a:p>
-        </p:txBody>
-      </p:sp>
-      <p:sp>
-        <p:nvSpPr>
-          <p:cNvPr id="3" name="Content Placeholder 2">
+              <a:t>Results</a:t>
+            </a:r>
+          </a:p>
+        </p:txBody>
+      </p:sp>
+      <p:pic>
+        <p:nvPicPr>
+          <p:cNvPr id="4" name="Picture 3" descr="A graph with numbers and lines&#10;&#10;Description automatically generated">
             <a:extLst>
               <a:ext uri="{FF2B5EF4-FFF2-40B4-BE49-F238E27FC236}">
-                <a16:creationId xmlns:a16="http://schemas.microsoft.com/office/drawing/2014/main" id="{49A2DEE5-8CAC-60BF-AB14-BD7720ABE107}"/>
+                <a16:creationId xmlns:a16="http://schemas.microsoft.com/office/drawing/2014/main" id="{379B2737-CA5D-116C-9E2D-AFFD216DE0F3}"/>
               </a:ext>
             </a:extLst>
           </p:cNvPr>
-          <p:cNvSpPr>
-            <a:spLocks noGrp="1"/>
-          </p:cNvSpPr>
-          <p:nvPr>
-            <p:ph idx="1"/>
-          </p:nvPr>
-        </p:nvSpPr>
-        <p:spPr/>
-        <p:txBody>
-          <a:bodyPr/>
-          <a:lstStyle/>
-          <a:p>
-            <a:endParaRPr lang="en-US"/>
-          </a:p>
-        </p:txBody>
-      </p:sp>
+          <p:cNvPicPr>
+            <a:picLocks noChangeAspect="1"/>
+          </p:cNvPicPr>
+          <p:nvPr/>
+        </p:nvPicPr>
+        <p:blipFill>
+          <a:blip r:embed="rId2"/>
+          <a:stretch>
+            <a:fillRect/>
+          </a:stretch>
+        </p:blipFill>
+        <p:spPr>
+          <a:xfrm>
+            <a:off x="1499017" y="2044917"/>
+            <a:ext cx="4596983" cy="2768165"/>
+          </a:xfrm>
+          <a:prstGeom prst="rect">
+            <a:avLst/>
+          </a:prstGeom>
+        </p:spPr>
+      </p:pic>
+      <p:pic>
+        <p:nvPicPr>
+          <p:cNvPr id="6" name="Picture 5" descr="A graph of blue and white bars&#10;&#10;Description automatically generated">
+            <a:extLst>
+              <a:ext uri="{FF2B5EF4-FFF2-40B4-BE49-F238E27FC236}">
+                <a16:creationId xmlns:a16="http://schemas.microsoft.com/office/drawing/2014/main" id="{96C48BCA-7607-EA20-2A73-08D0D1C96438}"/>
+              </a:ext>
+            </a:extLst>
+          </p:cNvPr>
+          <p:cNvPicPr>
+            <a:picLocks noChangeAspect="1"/>
+          </p:cNvPicPr>
+          <p:nvPr/>
+        </p:nvPicPr>
+        <p:blipFill>
+          <a:blip r:embed="rId3"/>
+          <a:stretch>
+            <a:fillRect/>
+          </a:stretch>
+        </p:blipFill>
+        <p:spPr>
+          <a:xfrm>
+            <a:off x="6096000" y="2044916"/>
+            <a:ext cx="4596983" cy="2768165"/>
+          </a:xfrm>
+          <a:prstGeom prst="rect">
+            <a:avLst/>
+          </a:prstGeom>
+        </p:spPr>
+      </p:pic>
     </p:spTree>
     <p:extLst>
       <p:ext uri="{BB962C8B-B14F-4D97-AF65-F5344CB8AC3E}">
-        <p14:creationId xmlns:p14="http://schemas.microsoft.com/office/powerpoint/2010/main" val="234550861"/>
+        <p14:creationId xmlns:p14="http://schemas.microsoft.com/office/powerpoint/2010/main" val="2818120515"/>
+      </p:ext>
+    </p:extLst>
+  </p:cSld>
+  <p:clrMapOvr>
+    <a:masterClrMapping/>
+  </p:clrMapOvr>
+</p:sld>
+</file>
+
+<file path=ppt/slides/slide8.xml><?xml version="1.0" encoding="utf-8"?>
+<p:sld xmlns:a="http://schemas.openxmlformats.org/drawingml/2006/main" xmlns:r="http://schemas.openxmlformats.org/officeDocument/2006/relationships" xmlns:p="http://schemas.openxmlformats.org/presentationml/2006/main">
+  <p:cSld>
+    <p:spTree>
+      <p:nvGrpSpPr>
+        <p:cNvPr id="1" name=""/>
+        <p:cNvGrpSpPr/>
+        <p:nvPr/>
+      </p:nvGrpSpPr>
+      <p:grpSpPr>
+        <a:xfrm>
+          <a:off x="0" y="0"/>
+          <a:ext cx="0" cy="0"/>
+          <a:chOff x="0" y="0"/>
+          <a:chExt cx="0" cy="0"/>
+        </a:xfrm>
+      </p:grpSpPr>
+      <p:sp>
+        <p:nvSpPr>
+          <p:cNvPr id="2" name="Title 1">
+            <a:extLst>
+              <a:ext uri="{FF2B5EF4-FFF2-40B4-BE49-F238E27FC236}">
+                <a16:creationId xmlns:a16="http://schemas.microsoft.com/office/drawing/2014/main" id="{FA24DFEB-32C3-A949-6C17-C69942E2E36D}"/>
+              </a:ext>
+            </a:extLst>
+          </p:cNvPr>
+          <p:cNvSpPr>
+            <a:spLocks noGrp="1"/>
+          </p:cNvSpPr>
+          <p:nvPr>
+            <p:ph type="title"/>
+          </p:nvPr>
+        </p:nvSpPr>
+        <p:spPr/>
+        <p:txBody>
+          <a:bodyPr/>
+          <a:lstStyle/>
+          <a:p>
+            <a:r>
+              <a:rPr lang="en-US" dirty="0"/>
+              <a:t>Results</a:t>
+            </a:r>
+          </a:p>
+        </p:txBody>
+      </p:sp>
+      <p:pic>
+        <p:nvPicPr>
+          <p:cNvPr id="4" name="Picture 3" descr="A graph with numbers and a bar&#10;&#10;Description automatically generated">
+            <a:extLst>
+              <a:ext uri="{FF2B5EF4-FFF2-40B4-BE49-F238E27FC236}">
+                <a16:creationId xmlns:a16="http://schemas.microsoft.com/office/drawing/2014/main" id="{3254A0CF-5468-AD45-0E34-D25BFDF74E54}"/>
+              </a:ext>
+            </a:extLst>
+          </p:cNvPr>
+          <p:cNvPicPr>
+            <a:picLocks noChangeAspect="1"/>
+          </p:cNvPicPr>
+          <p:nvPr/>
+        </p:nvPicPr>
+        <p:blipFill>
+          <a:blip r:embed="rId2"/>
+          <a:stretch>
+            <a:fillRect/>
+          </a:stretch>
+        </p:blipFill>
+        <p:spPr>
+          <a:xfrm>
+            <a:off x="1499017" y="2044917"/>
+            <a:ext cx="4596983" cy="2768165"/>
+          </a:xfrm>
+          <a:prstGeom prst="rect">
+            <a:avLst/>
+          </a:prstGeom>
+        </p:spPr>
+      </p:pic>
+      <p:pic>
+        <p:nvPicPr>
+          <p:cNvPr id="6" name="Picture 5" descr="A graph of blue and white bars&#10;&#10;Description automatically generated">
+            <a:extLst>
+              <a:ext uri="{FF2B5EF4-FFF2-40B4-BE49-F238E27FC236}">
+                <a16:creationId xmlns:a16="http://schemas.microsoft.com/office/drawing/2014/main" id="{A55A0BE4-09F3-7CF5-74AC-271BCD4A21DB}"/>
+              </a:ext>
+            </a:extLst>
+          </p:cNvPr>
+          <p:cNvPicPr>
+            <a:picLocks noChangeAspect="1"/>
+          </p:cNvPicPr>
+          <p:nvPr/>
+        </p:nvPicPr>
+        <p:blipFill>
+          <a:blip r:embed="rId3"/>
+          <a:stretch>
+            <a:fillRect/>
+          </a:stretch>
+        </p:blipFill>
+        <p:spPr>
+          <a:xfrm>
+            <a:off x="6096000" y="2039374"/>
+            <a:ext cx="4596983" cy="2779249"/>
+          </a:xfrm>
+          <a:prstGeom prst="rect">
+            <a:avLst/>
+          </a:prstGeom>
+        </p:spPr>
+      </p:pic>
+    </p:spTree>
+    <p:extLst>
+      <p:ext uri="{BB962C8B-B14F-4D97-AF65-F5344CB8AC3E}">
+        <p14:creationId xmlns:p14="http://schemas.microsoft.com/office/powerpoint/2010/main" val="1893602363"/>
+      </p:ext>
+    </p:extLst>
+  </p:cSld>
+  <p:clrMapOvr>
+    <a:masterClrMapping/>
+  </p:clrMapOvr>
+</p:sld>
+</file>
+
+<file path=ppt/slides/slide9.xml><?xml version="1.0" encoding="utf-8"?>
+<p:sld xmlns:a="http://schemas.openxmlformats.org/drawingml/2006/main" xmlns:r="http://schemas.openxmlformats.org/officeDocument/2006/relationships" xmlns:p="http://schemas.openxmlformats.org/presentationml/2006/main">
+  <p:cSld>
+    <p:spTree>
+      <p:nvGrpSpPr>
+        <p:cNvPr id="1" name=""/>
+        <p:cNvGrpSpPr/>
+        <p:nvPr/>
+      </p:nvGrpSpPr>
+      <p:grpSpPr>
+        <a:xfrm>
+          <a:off x="0" y="0"/>
+          <a:ext cx="0" cy="0"/>
+          <a:chOff x="0" y="0"/>
+          <a:chExt cx="0" cy="0"/>
+        </a:xfrm>
+      </p:grpSpPr>
+      <p:sp>
+        <p:nvSpPr>
+          <p:cNvPr id="2" name="Title 1">
+            <a:extLst>
+              <a:ext uri="{FF2B5EF4-FFF2-40B4-BE49-F238E27FC236}">
+                <a16:creationId xmlns:a16="http://schemas.microsoft.com/office/drawing/2014/main" id="{FA24DFEB-32C3-A949-6C17-C69942E2E36D}"/>
+              </a:ext>
+            </a:extLst>
+          </p:cNvPr>
+          <p:cNvSpPr>
+            <a:spLocks noGrp="1"/>
+          </p:cNvSpPr>
+          <p:nvPr>
+            <p:ph type="title"/>
+          </p:nvPr>
+        </p:nvSpPr>
+        <p:spPr/>
+        <p:txBody>
+          <a:bodyPr/>
+          <a:lstStyle/>
+          <a:p>
+            <a:r>
+              <a:rPr lang="en-US" dirty="0"/>
+              <a:t>Results</a:t>
+            </a:r>
+          </a:p>
+        </p:txBody>
+      </p:sp>
+      <p:pic>
+        <p:nvPicPr>
+          <p:cNvPr id="4" name="Picture 3" descr="A graph of ports contacted by ip address&#10;&#10;Description automatically generated">
+            <a:extLst>
+              <a:ext uri="{FF2B5EF4-FFF2-40B4-BE49-F238E27FC236}">
+                <a16:creationId xmlns:a16="http://schemas.microsoft.com/office/drawing/2014/main" id="{CDFA7B2A-D662-ACA7-8C14-5A9FADCD79FC}"/>
+              </a:ext>
+            </a:extLst>
+          </p:cNvPr>
+          <p:cNvPicPr>
+            <a:picLocks noChangeAspect="1"/>
+          </p:cNvPicPr>
+          <p:nvPr/>
+        </p:nvPicPr>
+        <p:blipFill>
+          <a:blip r:embed="rId2"/>
+          <a:stretch>
+            <a:fillRect/>
+          </a:stretch>
+        </p:blipFill>
+        <p:spPr>
+          <a:xfrm>
+            <a:off x="1487933" y="2044917"/>
+            <a:ext cx="4608067" cy="2768165"/>
+          </a:xfrm>
+          <a:prstGeom prst="rect">
+            <a:avLst/>
+          </a:prstGeom>
+        </p:spPr>
+      </p:pic>
+      <p:pic>
+        <p:nvPicPr>
+          <p:cNvPr id="6" name="Picture 5" descr="A graph with blue bars and numbers&#10;&#10;Description automatically generated">
+            <a:extLst>
+              <a:ext uri="{FF2B5EF4-FFF2-40B4-BE49-F238E27FC236}">
+                <a16:creationId xmlns:a16="http://schemas.microsoft.com/office/drawing/2014/main" id="{2954A0FA-F470-409B-5ACF-E767E50DCF33}"/>
+              </a:ext>
+            </a:extLst>
+          </p:cNvPr>
+          <p:cNvPicPr>
+            <a:picLocks noChangeAspect="1"/>
+          </p:cNvPicPr>
+          <p:nvPr/>
+        </p:nvPicPr>
+        <p:blipFill>
+          <a:blip r:embed="rId3"/>
+          <a:stretch>
+            <a:fillRect/>
+          </a:stretch>
+        </p:blipFill>
+        <p:spPr>
+          <a:xfrm>
+            <a:off x="6096000" y="2044916"/>
+            <a:ext cx="4596983" cy="2768165"/>
+          </a:xfrm>
+          <a:prstGeom prst="rect">
+            <a:avLst/>
+          </a:prstGeom>
+        </p:spPr>
+      </p:pic>
+    </p:spTree>
+    <p:extLst>
+      <p:ext uri="{BB962C8B-B14F-4D97-AF65-F5344CB8AC3E}">
+        <p14:creationId xmlns:p14="http://schemas.microsoft.com/office/powerpoint/2010/main" val="292710105"/>
       </p:ext>
     </p:extLst>
   </p:cSld>

--- a/FinalPresentation.pptx
+++ b/FinalPresentation.pptx
@@ -9,15 +9,17 @@
     <p:sldId id="263" r:id="rId3"/>
     <p:sldId id="257" r:id="rId4"/>
     <p:sldId id="258" r:id="rId5"/>
-    <p:sldId id="259" r:id="rId6"/>
-    <p:sldId id="260" r:id="rId7"/>
-    <p:sldId id="264" r:id="rId8"/>
-    <p:sldId id="265" r:id="rId9"/>
-    <p:sldId id="266" r:id="rId10"/>
-    <p:sldId id="262" r:id="rId11"/>
-    <p:sldId id="268" r:id="rId12"/>
-    <p:sldId id="269" r:id="rId13"/>
-    <p:sldId id="267" r:id="rId14"/>
+    <p:sldId id="270" r:id="rId6"/>
+    <p:sldId id="259" r:id="rId7"/>
+    <p:sldId id="260" r:id="rId8"/>
+    <p:sldId id="264" r:id="rId9"/>
+    <p:sldId id="265" r:id="rId10"/>
+    <p:sldId id="266" r:id="rId11"/>
+    <p:sldId id="262" r:id="rId12"/>
+    <p:sldId id="268" r:id="rId13"/>
+    <p:sldId id="269" r:id="rId14"/>
+    <p:sldId id="267" r:id="rId15"/>
+    <p:sldId id="271" r:id="rId16"/>
   </p:sldIdLst>
   <p:sldSz cx="12192000" cy="6858000"/>
   <p:notesSz cx="6858000" cy="9144000"/>
@@ -313,7 +315,7 @@
             <a:fld id="{B61BEF0D-F0BB-DE4B-95CE-6DB70DBA9567}" type="datetimeFigureOut">
               <a:rPr lang="en-US" dirty="0"/>
               <a:pPr/>
-              <a:t>12/1/2023</a:t>
+              <a:t>12/4/2023</a:t>
             </a:fld>
             <a:endParaRPr lang="en-US" dirty="0"/>
           </a:p>
@@ -648,7 +650,7 @@
             <a:fld id="{B61BEF0D-F0BB-DE4B-95CE-6DB70DBA9567}" type="datetimeFigureOut">
               <a:rPr lang="en-US" dirty="0"/>
               <a:pPr/>
-              <a:t>12/1/2023</a:t>
+              <a:t>12/4/2023</a:t>
             </a:fld>
             <a:endParaRPr lang="en-US" dirty="0"/>
           </a:p>
@@ -1046,7 +1048,7 @@
             <a:fld id="{B61BEF0D-F0BB-DE4B-95CE-6DB70DBA9567}" type="datetimeFigureOut">
               <a:rPr lang="en-US" dirty="0"/>
               <a:pPr/>
-              <a:t>12/1/2023</a:t>
+              <a:t>12/4/2023</a:t>
             </a:fld>
             <a:endParaRPr lang="en-US" dirty="0"/>
           </a:p>
@@ -1379,7 +1381,7 @@
             <a:fld id="{B61BEF0D-F0BB-DE4B-95CE-6DB70DBA9567}" type="datetimeFigureOut">
               <a:rPr lang="en-US" dirty="0"/>
               <a:pPr/>
-              <a:t>12/1/2023</a:t>
+              <a:t>12/4/2023</a:t>
             </a:fld>
             <a:endParaRPr lang="en-US" dirty="0"/>
           </a:p>
@@ -1696,7 +1698,7 @@
             <a:fld id="{B61BEF0D-F0BB-DE4B-95CE-6DB70DBA9567}" type="datetimeFigureOut">
               <a:rPr lang="en-US" dirty="0"/>
               <a:pPr/>
-              <a:t>12/1/2023</a:t>
+              <a:t>12/4/2023</a:t>
             </a:fld>
             <a:endParaRPr lang="en-US" dirty="0"/>
           </a:p>
@@ -2089,7 +2091,7 @@
             <a:fld id="{B61BEF0D-F0BB-DE4B-95CE-6DB70DBA9567}" type="datetimeFigureOut">
               <a:rPr lang="en-US" dirty="0"/>
               <a:pPr/>
-              <a:t>12/1/2023</a:t>
+              <a:t>12/4/2023</a:t>
             </a:fld>
             <a:endParaRPr lang="en-US" dirty="0"/>
           </a:p>
@@ -2343,7 +2345,7 @@
             <a:fld id="{B61BEF0D-F0BB-DE4B-95CE-6DB70DBA9567}" type="datetimeFigureOut">
               <a:rPr lang="en-US" dirty="0"/>
               <a:pPr/>
-              <a:t>12/1/2023</a:t>
+              <a:t>12/4/2023</a:t>
             </a:fld>
             <a:endParaRPr lang="en-US" dirty="0"/>
           </a:p>
@@ -2602,7 +2604,7 @@
             <a:fld id="{B61BEF0D-F0BB-DE4B-95CE-6DB70DBA9567}" type="datetimeFigureOut">
               <a:rPr lang="en-US" dirty="0"/>
               <a:pPr/>
-              <a:t>12/1/2023</a:t>
+              <a:t>12/4/2023</a:t>
             </a:fld>
             <a:endParaRPr lang="en-US" dirty="0"/>
           </a:p>
@@ -2861,7 +2863,7 @@
             <a:fld id="{B61BEF0D-F0BB-DE4B-95CE-6DB70DBA9567}" type="datetimeFigureOut">
               <a:rPr lang="en-US" dirty="0"/>
               <a:pPr/>
-              <a:t>12/1/2023</a:t>
+              <a:t>12/4/2023</a:t>
             </a:fld>
             <a:endParaRPr lang="en-US" dirty="0"/>
           </a:p>
@@ -3187,7 +3189,7 @@
             <a:fld id="{B61BEF0D-F0BB-DE4B-95CE-6DB70DBA9567}" type="datetimeFigureOut">
               <a:rPr lang="en-US" dirty="0"/>
               <a:pPr/>
-              <a:t>12/1/2023</a:t>
+              <a:t>12/4/2023</a:t>
             </a:fld>
             <a:endParaRPr lang="en-US" dirty="0"/>
           </a:p>
@@ -3507,7 +3509,7 @@
             <a:fld id="{B61BEF0D-F0BB-DE4B-95CE-6DB70DBA9567}" type="datetimeFigureOut">
               <a:rPr lang="en-US" dirty="0"/>
               <a:pPr/>
-              <a:t>12/1/2023</a:t>
+              <a:t>12/4/2023</a:t>
             </a:fld>
             <a:endParaRPr lang="en-US" dirty="0"/>
           </a:p>
@@ -3961,7 +3963,7 @@
             <a:fld id="{B61BEF0D-F0BB-DE4B-95CE-6DB70DBA9567}" type="datetimeFigureOut">
               <a:rPr lang="en-US" dirty="0"/>
               <a:pPr/>
-              <a:t>12/1/2023</a:t>
+              <a:t>12/4/2023</a:t>
             </a:fld>
             <a:endParaRPr lang="en-US" dirty="0"/>
           </a:p>
@@ -4163,7 +4165,7 @@
             <a:fld id="{B61BEF0D-F0BB-DE4B-95CE-6DB70DBA9567}" type="datetimeFigureOut">
               <a:rPr lang="en-US" dirty="0"/>
               <a:pPr/>
-              <a:t>12/1/2023</a:t>
+              <a:t>12/4/2023</a:t>
             </a:fld>
             <a:endParaRPr lang="en-US" dirty="0"/>
           </a:p>
@@ -4337,7 +4339,7 @@
             <a:fld id="{B61BEF0D-F0BB-DE4B-95CE-6DB70DBA9567}" type="datetimeFigureOut">
               <a:rPr lang="en-US" dirty="0"/>
               <a:pPr/>
-              <a:t>12/1/2023</a:t>
+              <a:t>12/4/2023</a:t>
             </a:fld>
             <a:endParaRPr lang="en-US" dirty="0"/>
           </a:p>
@@ -4667,7 +4669,7 @@
             <a:fld id="{B61BEF0D-F0BB-DE4B-95CE-6DB70DBA9567}" type="datetimeFigureOut">
               <a:rPr lang="en-US" dirty="0"/>
               <a:pPr/>
-              <a:t>12/1/2023</a:t>
+              <a:t>12/4/2023</a:t>
             </a:fld>
             <a:endParaRPr lang="en-US" dirty="0"/>
           </a:p>
@@ -5009,7 +5011,7 @@
             <a:fld id="{B61BEF0D-F0BB-DE4B-95CE-6DB70DBA9567}" type="datetimeFigureOut">
               <a:rPr lang="en-US" dirty="0"/>
               <a:pPr/>
-              <a:t>12/1/2023</a:t>
+              <a:t>12/4/2023</a:t>
             </a:fld>
             <a:endParaRPr lang="en-US" dirty="0"/>
           </a:p>
@@ -7123,7 +7125,7 @@
             <a:fld id="{B61BEF0D-F0BB-DE4B-95CE-6DB70DBA9567}" type="datetimeFigureOut">
               <a:rPr lang="en-US" dirty="0"/>
               <a:pPr/>
-              <a:t>12/1/2023</a:t>
+              <a:t>12/4/2023</a:t>
             </a:fld>
             <a:endParaRPr lang="en-US" dirty="0"/>
           </a:p>
@@ -7730,7 +7732,7 @@
           <p:cNvPr id="2" name="Title 1">
             <a:extLst>
               <a:ext uri="{FF2B5EF4-FFF2-40B4-BE49-F238E27FC236}">
-                <a16:creationId xmlns:a16="http://schemas.microsoft.com/office/drawing/2014/main" id="{BF60273A-8546-C1FD-B9AD-DC2186835915}"/>
+                <a16:creationId xmlns:a16="http://schemas.microsoft.com/office/drawing/2014/main" id="{FA24DFEB-32C3-A949-6C17-C69942E2E36D}"/>
               </a:ext>
             </a:extLst>
           </p:cNvPr>
@@ -7748,69 +7750,75 @@
           <a:p>
             <a:r>
               <a:rPr lang="en-US" dirty="0"/>
-              <a:t>Discussion</a:t>
+              <a:t>Results</a:t>
             </a:r>
           </a:p>
         </p:txBody>
       </p:sp>
-      <p:sp>
-        <p:nvSpPr>
-          <p:cNvPr id="3" name="Content Placeholder 2">
+      <p:pic>
+        <p:nvPicPr>
+          <p:cNvPr id="4" name="Picture 3" descr="A graph of ports contacted by ip address&#10;&#10;Description automatically generated">
             <a:extLst>
               <a:ext uri="{FF2B5EF4-FFF2-40B4-BE49-F238E27FC236}">
-                <a16:creationId xmlns:a16="http://schemas.microsoft.com/office/drawing/2014/main" id="{49A2DEE5-8CAC-60BF-AB14-BD7720ABE107}"/>
+                <a16:creationId xmlns:a16="http://schemas.microsoft.com/office/drawing/2014/main" id="{CDFA7B2A-D662-ACA7-8C14-5A9FADCD79FC}"/>
               </a:ext>
             </a:extLst>
           </p:cNvPr>
-          <p:cNvSpPr>
-            <a:spLocks noGrp="1"/>
-          </p:cNvSpPr>
-          <p:nvPr>
-            <p:ph idx="1"/>
-          </p:nvPr>
-        </p:nvSpPr>
-        <p:spPr/>
-        <p:txBody>
-          <a:bodyPr/>
-          <a:lstStyle/>
-          <a:p>
-            <a:r>
-              <a:rPr lang="en-US" dirty="0"/>
-              <a:t>Graph Databases shown to be effective</a:t>
-            </a:r>
-          </a:p>
-          <a:p>
-            <a:pPr lvl="1"/>
-            <a:r>
-              <a:rPr lang="en-US" dirty="0"/>
-              <a:t>Can answer questions that need to be answered</a:t>
-            </a:r>
-          </a:p>
-          <a:p>
-            <a:pPr lvl="1"/>
-            <a:r>
-              <a:rPr lang="en-US" dirty="0"/>
-              <a:t>Do not take very long</a:t>
-            </a:r>
-          </a:p>
-          <a:p>
-            <a:r>
-              <a:rPr lang="en-US" dirty="0"/>
-              <a:t>A good solution</a:t>
-            </a:r>
-          </a:p>
-          <a:p>
-            <a:r>
-              <a:rPr lang="en-US" dirty="0"/>
-              <a:t>Only the beginning</a:t>
-            </a:r>
-          </a:p>
-        </p:txBody>
-      </p:sp>
+          <p:cNvPicPr>
+            <a:picLocks noChangeAspect="1"/>
+          </p:cNvPicPr>
+          <p:nvPr/>
+        </p:nvPicPr>
+        <p:blipFill>
+          <a:blip r:embed="rId2"/>
+          <a:stretch>
+            <a:fillRect/>
+          </a:stretch>
+        </p:blipFill>
+        <p:spPr>
+          <a:xfrm>
+            <a:off x="1487933" y="2044917"/>
+            <a:ext cx="4608067" cy="2768165"/>
+          </a:xfrm>
+          <a:prstGeom prst="rect">
+            <a:avLst/>
+          </a:prstGeom>
+        </p:spPr>
+      </p:pic>
+      <p:pic>
+        <p:nvPicPr>
+          <p:cNvPr id="6" name="Picture 5" descr="A graph with blue bars and numbers&#10;&#10;Description automatically generated">
+            <a:extLst>
+              <a:ext uri="{FF2B5EF4-FFF2-40B4-BE49-F238E27FC236}">
+                <a16:creationId xmlns:a16="http://schemas.microsoft.com/office/drawing/2014/main" id="{2954A0FA-F470-409B-5ACF-E767E50DCF33}"/>
+              </a:ext>
+            </a:extLst>
+          </p:cNvPr>
+          <p:cNvPicPr>
+            <a:picLocks noChangeAspect="1"/>
+          </p:cNvPicPr>
+          <p:nvPr/>
+        </p:nvPicPr>
+        <p:blipFill>
+          <a:blip r:embed="rId3"/>
+          <a:stretch>
+            <a:fillRect/>
+          </a:stretch>
+        </p:blipFill>
+        <p:spPr>
+          <a:xfrm>
+            <a:off x="6096000" y="2044916"/>
+            <a:ext cx="4596983" cy="2768165"/>
+          </a:xfrm>
+          <a:prstGeom prst="rect">
+            <a:avLst/>
+          </a:prstGeom>
+        </p:spPr>
+      </p:pic>
     </p:spTree>
     <p:extLst>
       <p:ext uri="{BB962C8B-B14F-4D97-AF65-F5344CB8AC3E}">
-        <p14:creationId xmlns:p14="http://schemas.microsoft.com/office/powerpoint/2010/main" val="234550861"/>
+        <p14:creationId xmlns:p14="http://schemas.microsoft.com/office/powerpoint/2010/main" val="292710105"/>
       </p:ext>
     </p:extLst>
   </p:cSld>
@@ -7842,7 +7850,7 @@
           <p:cNvPr id="2" name="Title 1">
             <a:extLst>
               <a:ext uri="{FF2B5EF4-FFF2-40B4-BE49-F238E27FC236}">
-                <a16:creationId xmlns:a16="http://schemas.microsoft.com/office/drawing/2014/main" id="{AC07CDEB-2D16-5943-9559-B0F5BF112E7D}"/>
+                <a16:creationId xmlns:a16="http://schemas.microsoft.com/office/drawing/2014/main" id="{BF60273A-8546-C1FD-B9AD-DC2186835915}"/>
               </a:ext>
             </a:extLst>
           </p:cNvPr>
@@ -7860,7 +7868,7 @@
           <a:p>
             <a:r>
               <a:rPr lang="en-US" dirty="0"/>
-              <a:t>Future Work</a:t>
+              <a:t>Discussion</a:t>
             </a:r>
           </a:p>
         </p:txBody>
@@ -7870,7 +7878,7 @@
           <p:cNvPr id="3" name="Content Placeholder 2">
             <a:extLst>
               <a:ext uri="{FF2B5EF4-FFF2-40B4-BE49-F238E27FC236}">
-                <a16:creationId xmlns:a16="http://schemas.microsoft.com/office/drawing/2014/main" id="{38ACBFA9-6CA4-628D-425A-CE5FC5072583}"/>
+                <a16:creationId xmlns:a16="http://schemas.microsoft.com/office/drawing/2014/main" id="{49A2DEE5-8CAC-60BF-AB14-BD7720ABE107}"/>
               </a:ext>
             </a:extLst>
           </p:cNvPr>
@@ -7888,27 +7896,33 @@
           <a:p>
             <a:r>
               <a:rPr lang="en-US" dirty="0"/>
-              <a:t>More advanced queries</a:t>
+              <a:t>Graph Databases shown to be effective</a:t>
             </a:r>
           </a:p>
           <a:p>
             <a:pPr lvl="1"/>
             <a:r>
               <a:rPr lang="en-US" dirty="0"/>
-              <a:t>Answer larger questions</a:t>
-            </a:r>
-          </a:p>
-          <a:p>
+              <a:t>Can answer questions that need to be answered</a:t>
+            </a:r>
+          </a:p>
+          <a:p>
+            <a:pPr lvl="1"/>
             <a:r>
               <a:rPr lang="en-US" dirty="0"/>
-              <a:t>Benchmarking</a:t>
-            </a:r>
-          </a:p>
-          <a:p>
-            <a:pPr lvl="1"/>
+              <a:t>Do not take very long</a:t>
+            </a:r>
+          </a:p>
+          <a:p>
             <a:r>
               <a:rPr lang="en-US" dirty="0"/>
-              <a:t>Comparing these results to other systems</a:t>
+              <a:t>A good solution</a:t>
+            </a:r>
+          </a:p>
+          <a:p>
+            <a:r>
+              <a:rPr lang="en-US" dirty="0"/>
+              <a:t>Only the beginning</a:t>
             </a:r>
           </a:p>
         </p:txBody>
@@ -7916,13 +7930,315 @@
     </p:spTree>
     <p:extLst>
       <p:ext uri="{BB962C8B-B14F-4D97-AF65-F5344CB8AC3E}">
-        <p14:creationId xmlns:p14="http://schemas.microsoft.com/office/powerpoint/2010/main" val="3464274467"/>
+        <p14:creationId xmlns:p14="http://schemas.microsoft.com/office/powerpoint/2010/main" val="234550861"/>
       </p:ext>
     </p:extLst>
   </p:cSld>
   <p:clrMapOvr>
     <a:masterClrMapping/>
   </p:clrMapOvr>
+  <p:timing>
+    <p:tnLst>
+      <p:par>
+        <p:cTn id="1" dur="indefinite" restart="never" nodeType="tmRoot">
+          <p:childTnLst>
+            <p:seq concurrent="1" nextAc="seek">
+              <p:cTn id="2" dur="indefinite" nodeType="mainSeq">
+                <p:childTnLst>
+                  <p:par>
+                    <p:cTn id="3" fill="hold">
+                      <p:stCondLst>
+                        <p:cond delay="indefinite"/>
+                      </p:stCondLst>
+                      <p:childTnLst>
+                        <p:par>
+                          <p:cTn id="4" fill="hold">
+                            <p:stCondLst>
+                              <p:cond delay="0"/>
+                            </p:stCondLst>
+                            <p:childTnLst>
+                              <p:par>
+                                <p:cTn id="5" presetID="10" presetClass="entr" presetSubtype="0" fill="hold" grpId="0" nodeType="clickEffect">
+                                  <p:stCondLst>
+                                    <p:cond delay="0"/>
+                                  </p:stCondLst>
+                                  <p:childTnLst>
+                                    <p:set>
+                                      <p:cBhvr>
+                                        <p:cTn id="6" dur="1" fill="hold">
+                                          <p:stCondLst>
+                                            <p:cond delay="0"/>
+                                          </p:stCondLst>
+                                        </p:cTn>
+                                        <p:tgtEl>
+                                          <p:spTgt spid="3">
+                                            <p:txEl>
+                                              <p:pRg st="0" end="0"/>
+                                            </p:txEl>
+                                          </p:spTgt>
+                                        </p:tgtEl>
+                                        <p:attrNameLst>
+                                          <p:attrName>style.visibility</p:attrName>
+                                        </p:attrNameLst>
+                                      </p:cBhvr>
+                                      <p:to>
+                                        <p:strVal val="visible"/>
+                                      </p:to>
+                                    </p:set>
+                                    <p:animEffect transition="in" filter="fade">
+                                      <p:cBhvr>
+                                        <p:cTn id="7" dur="500"/>
+                                        <p:tgtEl>
+                                          <p:spTgt spid="3">
+                                            <p:txEl>
+                                              <p:pRg st="0" end="0"/>
+                                            </p:txEl>
+                                          </p:spTgt>
+                                        </p:tgtEl>
+                                      </p:cBhvr>
+                                    </p:animEffect>
+                                  </p:childTnLst>
+                                </p:cTn>
+                              </p:par>
+                              <p:par>
+                                <p:cTn id="8" presetID="10" presetClass="entr" presetSubtype="0" fill="hold" grpId="0" nodeType="withEffect">
+                                  <p:stCondLst>
+                                    <p:cond delay="0"/>
+                                  </p:stCondLst>
+                                  <p:childTnLst>
+                                    <p:set>
+                                      <p:cBhvr>
+                                        <p:cTn id="9" dur="1" fill="hold">
+                                          <p:stCondLst>
+                                            <p:cond delay="0"/>
+                                          </p:stCondLst>
+                                        </p:cTn>
+                                        <p:tgtEl>
+                                          <p:spTgt spid="3">
+                                            <p:txEl>
+                                              <p:pRg st="1" end="1"/>
+                                            </p:txEl>
+                                          </p:spTgt>
+                                        </p:tgtEl>
+                                        <p:attrNameLst>
+                                          <p:attrName>style.visibility</p:attrName>
+                                        </p:attrNameLst>
+                                      </p:cBhvr>
+                                      <p:to>
+                                        <p:strVal val="visible"/>
+                                      </p:to>
+                                    </p:set>
+                                    <p:animEffect transition="in" filter="fade">
+                                      <p:cBhvr>
+                                        <p:cTn id="10" dur="500"/>
+                                        <p:tgtEl>
+                                          <p:spTgt spid="3">
+                                            <p:txEl>
+                                              <p:pRg st="1" end="1"/>
+                                            </p:txEl>
+                                          </p:spTgt>
+                                        </p:tgtEl>
+                                      </p:cBhvr>
+                                    </p:animEffect>
+                                  </p:childTnLst>
+                                </p:cTn>
+                              </p:par>
+                              <p:par>
+                                <p:cTn id="11" presetID="10" presetClass="entr" presetSubtype="0" fill="hold" grpId="0" nodeType="withEffect">
+                                  <p:stCondLst>
+                                    <p:cond delay="0"/>
+                                  </p:stCondLst>
+                                  <p:childTnLst>
+                                    <p:set>
+                                      <p:cBhvr>
+                                        <p:cTn id="12" dur="1" fill="hold">
+                                          <p:stCondLst>
+                                            <p:cond delay="0"/>
+                                          </p:stCondLst>
+                                        </p:cTn>
+                                        <p:tgtEl>
+                                          <p:spTgt spid="3">
+                                            <p:txEl>
+                                              <p:pRg st="2" end="2"/>
+                                            </p:txEl>
+                                          </p:spTgt>
+                                        </p:tgtEl>
+                                        <p:attrNameLst>
+                                          <p:attrName>style.visibility</p:attrName>
+                                        </p:attrNameLst>
+                                      </p:cBhvr>
+                                      <p:to>
+                                        <p:strVal val="visible"/>
+                                      </p:to>
+                                    </p:set>
+                                    <p:animEffect transition="in" filter="fade">
+                                      <p:cBhvr>
+                                        <p:cTn id="13" dur="500"/>
+                                        <p:tgtEl>
+                                          <p:spTgt spid="3">
+                                            <p:txEl>
+                                              <p:pRg st="2" end="2"/>
+                                            </p:txEl>
+                                          </p:spTgt>
+                                        </p:tgtEl>
+                                      </p:cBhvr>
+                                    </p:animEffect>
+                                  </p:childTnLst>
+                                </p:cTn>
+                              </p:par>
+                            </p:childTnLst>
+                          </p:cTn>
+                        </p:par>
+                      </p:childTnLst>
+                    </p:cTn>
+                  </p:par>
+                  <p:par>
+                    <p:cTn id="14" fill="hold">
+                      <p:stCondLst>
+                        <p:cond delay="indefinite"/>
+                      </p:stCondLst>
+                      <p:childTnLst>
+                        <p:par>
+                          <p:cTn id="15" fill="hold">
+                            <p:stCondLst>
+                              <p:cond delay="0"/>
+                            </p:stCondLst>
+                            <p:childTnLst>
+                              <p:par>
+                                <p:cTn id="16" presetID="10" presetClass="entr" presetSubtype="0" fill="hold" grpId="0" nodeType="clickEffect">
+                                  <p:stCondLst>
+                                    <p:cond delay="0"/>
+                                  </p:stCondLst>
+                                  <p:childTnLst>
+                                    <p:set>
+                                      <p:cBhvr>
+                                        <p:cTn id="17" dur="1" fill="hold">
+                                          <p:stCondLst>
+                                            <p:cond delay="0"/>
+                                          </p:stCondLst>
+                                        </p:cTn>
+                                        <p:tgtEl>
+                                          <p:spTgt spid="3">
+                                            <p:txEl>
+                                              <p:pRg st="3" end="3"/>
+                                            </p:txEl>
+                                          </p:spTgt>
+                                        </p:tgtEl>
+                                        <p:attrNameLst>
+                                          <p:attrName>style.visibility</p:attrName>
+                                        </p:attrNameLst>
+                                      </p:cBhvr>
+                                      <p:to>
+                                        <p:strVal val="visible"/>
+                                      </p:to>
+                                    </p:set>
+                                    <p:animEffect transition="in" filter="fade">
+                                      <p:cBhvr>
+                                        <p:cTn id="18" dur="500"/>
+                                        <p:tgtEl>
+                                          <p:spTgt spid="3">
+                                            <p:txEl>
+                                              <p:pRg st="3" end="3"/>
+                                            </p:txEl>
+                                          </p:spTgt>
+                                        </p:tgtEl>
+                                      </p:cBhvr>
+                                    </p:animEffect>
+                                  </p:childTnLst>
+                                </p:cTn>
+                              </p:par>
+                            </p:childTnLst>
+                          </p:cTn>
+                        </p:par>
+                      </p:childTnLst>
+                    </p:cTn>
+                  </p:par>
+                  <p:par>
+                    <p:cTn id="19" fill="hold">
+                      <p:stCondLst>
+                        <p:cond delay="indefinite"/>
+                      </p:stCondLst>
+                      <p:childTnLst>
+                        <p:par>
+                          <p:cTn id="20" fill="hold">
+                            <p:stCondLst>
+                              <p:cond delay="0"/>
+                            </p:stCondLst>
+                            <p:childTnLst>
+                              <p:par>
+                                <p:cTn id="21" presetID="10" presetClass="entr" presetSubtype="0" fill="hold" grpId="0" nodeType="clickEffect">
+                                  <p:stCondLst>
+                                    <p:cond delay="0"/>
+                                  </p:stCondLst>
+                                  <p:childTnLst>
+                                    <p:set>
+                                      <p:cBhvr>
+                                        <p:cTn id="22" dur="1" fill="hold">
+                                          <p:stCondLst>
+                                            <p:cond delay="0"/>
+                                          </p:stCondLst>
+                                        </p:cTn>
+                                        <p:tgtEl>
+                                          <p:spTgt spid="3">
+                                            <p:txEl>
+                                              <p:pRg st="4" end="4"/>
+                                            </p:txEl>
+                                          </p:spTgt>
+                                        </p:tgtEl>
+                                        <p:attrNameLst>
+                                          <p:attrName>style.visibility</p:attrName>
+                                        </p:attrNameLst>
+                                      </p:cBhvr>
+                                      <p:to>
+                                        <p:strVal val="visible"/>
+                                      </p:to>
+                                    </p:set>
+                                    <p:animEffect transition="in" filter="fade">
+                                      <p:cBhvr>
+                                        <p:cTn id="23" dur="500"/>
+                                        <p:tgtEl>
+                                          <p:spTgt spid="3">
+                                            <p:txEl>
+                                              <p:pRg st="4" end="4"/>
+                                            </p:txEl>
+                                          </p:spTgt>
+                                        </p:tgtEl>
+                                      </p:cBhvr>
+                                    </p:animEffect>
+                                  </p:childTnLst>
+                                </p:cTn>
+                              </p:par>
+                            </p:childTnLst>
+                          </p:cTn>
+                        </p:par>
+                      </p:childTnLst>
+                    </p:cTn>
+                  </p:par>
+                </p:childTnLst>
+              </p:cTn>
+              <p:prevCondLst>
+                <p:cond evt="onPrev" delay="0">
+                  <p:tgtEl>
+                    <p:sldTgt/>
+                  </p:tgtEl>
+                </p:cond>
+              </p:prevCondLst>
+              <p:nextCondLst>
+                <p:cond evt="onNext" delay="0">
+                  <p:tgtEl>
+                    <p:sldTgt/>
+                  </p:tgtEl>
+                </p:cond>
+              </p:nextCondLst>
+            </p:seq>
+          </p:childTnLst>
+        </p:cTn>
+      </p:par>
+    </p:tnLst>
+    <p:bldLst>
+      <p:bldP spid="3" grpId="0" build="p"/>
+    </p:bldLst>
+  </p:timing>
 </p:sld>
 </file>
 
@@ -7948,7 +8264,7 @@
           <p:cNvPr id="2" name="Title 1">
             <a:extLst>
               <a:ext uri="{FF2B5EF4-FFF2-40B4-BE49-F238E27FC236}">
-                <a16:creationId xmlns:a16="http://schemas.microsoft.com/office/drawing/2014/main" id="{8DA048C2-74E3-B430-8F16-4F00A7D130D1}"/>
+                <a16:creationId xmlns:a16="http://schemas.microsoft.com/office/drawing/2014/main" id="{AC07CDEB-2D16-5943-9559-B0F5BF112E7D}"/>
               </a:ext>
             </a:extLst>
           </p:cNvPr>
@@ -7966,7 +8282,7 @@
           <a:p>
             <a:r>
               <a:rPr lang="en-US" dirty="0"/>
-              <a:t>Conclusion</a:t>
+              <a:t>Future Work</a:t>
             </a:r>
           </a:p>
         </p:txBody>
@@ -7976,7 +8292,7 @@
           <p:cNvPr id="3" name="Content Placeholder 2">
             <a:extLst>
               <a:ext uri="{FF2B5EF4-FFF2-40B4-BE49-F238E27FC236}">
-                <a16:creationId xmlns:a16="http://schemas.microsoft.com/office/drawing/2014/main" id="{3DFE03B1-4848-513C-819C-FAC5B1DFE8D3}"/>
+                <a16:creationId xmlns:a16="http://schemas.microsoft.com/office/drawing/2014/main" id="{38ACBFA9-6CA4-628D-425A-CE5FC5072583}"/>
               </a:ext>
             </a:extLst>
           </p:cNvPr>
@@ -7994,36 +8310,449 @@
           <a:p>
             <a:r>
               <a:rPr lang="en-US" dirty="0"/>
-              <a:t>Overall graphs are good</a:t>
+              <a:t>More advanced queries</a:t>
             </a:r>
           </a:p>
           <a:p>
             <a:pPr lvl="1"/>
             <a:r>
               <a:rPr lang="en-US" dirty="0"/>
-              <a:t>Answers what needs to be answered</a:t>
+              <a:t>Answer larger questions</a:t>
+            </a:r>
+          </a:p>
+          <a:p>
+            <a:r>
+              <a:rPr lang="en-US" dirty="0"/>
+              <a:t>Scale</a:t>
             </a:r>
           </a:p>
           <a:p>
             <a:pPr lvl="1"/>
             <a:r>
-              <a:rPr lang="en-US"/>
-              <a:t>Efficient</a:t>
-            </a:r>
-            <a:endParaRPr lang="en-US" dirty="0"/>
+              <a:rPr lang="en-US" dirty="0"/>
+              <a:t>Large amounts of timeseries data</a:t>
+            </a:r>
+          </a:p>
+          <a:p>
+            <a:pPr lvl="1"/>
+            <a:r>
+              <a:rPr lang="en-US" dirty="0"/>
+              <a:t>Large amounts of nodes</a:t>
+            </a:r>
+          </a:p>
+          <a:p>
+            <a:r>
+              <a:rPr lang="en-US" dirty="0"/>
+              <a:t>Benchmarking</a:t>
+            </a:r>
+          </a:p>
+          <a:p>
+            <a:pPr lvl="1"/>
+            <a:r>
+              <a:rPr lang="en-US" dirty="0"/>
+              <a:t>Comparing these results to other systems</a:t>
+            </a:r>
           </a:p>
         </p:txBody>
       </p:sp>
     </p:spTree>
     <p:extLst>
       <p:ext uri="{BB962C8B-B14F-4D97-AF65-F5344CB8AC3E}">
-        <p14:creationId xmlns:p14="http://schemas.microsoft.com/office/powerpoint/2010/main" val="3733295456"/>
+        <p14:creationId xmlns:p14="http://schemas.microsoft.com/office/powerpoint/2010/main" val="3464274467"/>
       </p:ext>
     </p:extLst>
   </p:cSld>
   <p:clrMapOvr>
     <a:masterClrMapping/>
   </p:clrMapOvr>
+  <p:timing>
+    <p:tnLst>
+      <p:par>
+        <p:cTn id="1" dur="indefinite" restart="never" nodeType="tmRoot">
+          <p:childTnLst>
+            <p:seq concurrent="1" nextAc="seek">
+              <p:cTn id="2" dur="indefinite" nodeType="mainSeq">
+                <p:childTnLst>
+                  <p:par>
+                    <p:cTn id="3" fill="hold">
+                      <p:stCondLst>
+                        <p:cond delay="indefinite"/>
+                      </p:stCondLst>
+                      <p:childTnLst>
+                        <p:par>
+                          <p:cTn id="4" fill="hold">
+                            <p:stCondLst>
+                              <p:cond delay="0"/>
+                            </p:stCondLst>
+                            <p:childTnLst>
+                              <p:par>
+                                <p:cTn id="5" presetID="10" presetClass="entr" presetSubtype="0" fill="hold" grpId="0" nodeType="clickEffect">
+                                  <p:stCondLst>
+                                    <p:cond delay="0"/>
+                                  </p:stCondLst>
+                                  <p:childTnLst>
+                                    <p:set>
+                                      <p:cBhvr>
+                                        <p:cTn id="6" dur="1" fill="hold">
+                                          <p:stCondLst>
+                                            <p:cond delay="0"/>
+                                          </p:stCondLst>
+                                        </p:cTn>
+                                        <p:tgtEl>
+                                          <p:spTgt spid="3">
+                                            <p:txEl>
+                                              <p:pRg st="0" end="0"/>
+                                            </p:txEl>
+                                          </p:spTgt>
+                                        </p:tgtEl>
+                                        <p:attrNameLst>
+                                          <p:attrName>style.visibility</p:attrName>
+                                        </p:attrNameLst>
+                                      </p:cBhvr>
+                                      <p:to>
+                                        <p:strVal val="visible"/>
+                                      </p:to>
+                                    </p:set>
+                                    <p:animEffect transition="in" filter="fade">
+                                      <p:cBhvr>
+                                        <p:cTn id="7" dur="500"/>
+                                        <p:tgtEl>
+                                          <p:spTgt spid="3">
+                                            <p:txEl>
+                                              <p:pRg st="0" end="0"/>
+                                            </p:txEl>
+                                          </p:spTgt>
+                                        </p:tgtEl>
+                                      </p:cBhvr>
+                                    </p:animEffect>
+                                  </p:childTnLst>
+                                </p:cTn>
+                              </p:par>
+                              <p:par>
+                                <p:cTn id="8" presetID="10" presetClass="entr" presetSubtype="0" fill="hold" grpId="0" nodeType="withEffect">
+                                  <p:stCondLst>
+                                    <p:cond delay="0"/>
+                                  </p:stCondLst>
+                                  <p:childTnLst>
+                                    <p:set>
+                                      <p:cBhvr>
+                                        <p:cTn id="9" dur="1" fill="hold">
+                                          <p:stCondLst>
+                                            <p:cond delay="0"/>
+                                          </p:stCondLst>
+                                        </p:cTn>
+                                        <p:tgtEl>
+                                          <p:spTgt spid="3">
+                                            <p:txEl>
+                                              <p:pRg st="1" end="1"/>
+                                            </p:txEl>
+                                          </p:spTgt>
+                                        </p:tgtEl>
+                                        <p:attrNameLst>
+                                          <p:attrName>style.visibility</p:attrName>
+                                        </p:attrNameLst>
+                                      </p:cBhvr>
+                                      <p:to>
+                                        <p:strVal val="visible"/>
+                                      </p:to>
+                                    </p:set>
+                                    <p:animEffect transition="in" filter="fade">
+                                      <p:cBhvr>
+                                        <p:cTn id="10" dur="500"/>
+                                        <p:tgtEl>
+                                          <p:spTgt spid="3">
+                                            <p:txEl>
+                                              <p:pRg st="1" end="1"/>
+                                            </p:txEl>
+                                          </p:spTgt>
+                                        </p:tgtEl>
+                                      </p:cBhvr>
+                                    </p:animEffect>
+                                  </p:childTnLst>
+                                </p:cTn>
+                              </p:par>
+                            </p:childTnLst>
+                          </p:cTn>
+                        </p:par>
+                      </p:childTnLst>
+                    </p:cTn>
+                  </p:par>
+                  <p:par>
+                    <p:cTn id="11" fill="hold">
+                      <p:stCondLst>
+                        <p:cond delay="indefinite"/>
+                      </p:stCondLst>
+                      <p:childTnLst>
+                        <p:par>
+                          <p:cTn id="12" fill="hold">
+                            <p:stCondLst>
+                              <p:cond delay="0"/>
+                            </p:stCondLst>
+                            <p:childTnLst>
+                              <p:par>
+                                <p:cTn id="13" presetID="10" presetClass="entr" presetSubtype="0" fill="hold" grpId="0" nodeType="clickEffect">
+                                  <p:stCondLst>
+                                    <p:cond delay="0"/>
+                                  </p:stCondLst>
+                                  <p:childTnLst>
+                                    <p:set>
+                                      <p:cBhvr>
+                                        <p:cTn id="14" dur="1" fill="hold">
+                                          <p:stCondLst>
+                                            <p:cond delay="0"/>
+                                          </p:stCondLst>
+                                        </p:cTn>
+                                        <p:tgtEl>
+                                          <p:spTgt spid="3">
+                                            <p:txEl>
+                                              <p:pRg st="2" end="2"/>
+                                            </p:txEl>
+                                          </p:spTgt>
+                                        </p:tgtEl>
+                                        <p:attrNameLst>
+                                          <p:attrName>style.visibility</p:attrName>
+                                        </p:attrNameLst>
+                                      </p:cBhvr>
+                                      <p:to>
+                                        <p:strVal val="visible"/>
+                                      </p:to>
+                                    </p:set>
+                                    <p:animEffect transition="in" filter="fade">
+                                      <p:cBhvr>
+                                        <p:cTn id="15" dur="500"/>
+                                        <p:tgtEl>
+                                          <p:spTgt spid="3">
+                                            <p:txEl>
+                                              <p:pRg st="2" end="2"/>
+                                            </p:txEl>
+                                          </p:spTgt>
+                                        </p:tgtEl>
+                                      </p:cBhvr>
+                                    </p:animEffect>
+                                  </p:childTnLst>
+                                </p:cTn>
+                              </p:par>
+                              <p:par>
+                                <p:cTn id="16" presetID="10" presetClass="entr" presetSubtype="0" fill="hold" grpId="0" nodeType="withEffect">
+                                  <p:stCondLst>
+                                    <p:cond delay="0"/>
+                                  </p:stCondLst>
+                                  <p:childTnLst>
+                                    <p:set>
+                                      <p:cBhvr>
+                                        <p:cTn id="17" dur="1" fill="hold">
+                                          <p:stCondLst>
+                                            <p:cond delay="0"/>
+                                          </p:stCondLst>
+                                        </p:cTn>
+                                        <p:tgtEl>
+                                          <p:spTgt spid="3">
+                                            <p:txEl>
+                                              <p:pRg st="3" end="3"/>
+                                            </p:txEl>
+                                          </p:spTgt>
+                                        </p:tgtEl>
+                                        <p:attrNameLst>
+                                          <p:attrName>style.visibility</p:attrName>
+                                        </p:attrNameLst>
+                                      </p:cBhvr>
+                                      <p:to>
+                                        <p:strVal val="visible"/>
+                                      </p:to>
+                                    </p:set>
+                                    <p:animEffect transition="in" filter="fade">
+                                      <p:cBhvr>
+                                        <p:cTn id="18" dur="500"/>
+                                        <p:tgtEl>
+                                          <p:spTgt spid="3">
+                                            <p:txEl>
+                                              <p:pRg st="3" end="3"/>
+                                            </p:txEl>
+                                          </p:spTgt>
+                                        </p:tgtEl>
+                                      </p:cBhvr>
+                                    </p:animEffect>
+                                  </p:childTnLst>
+                                </p:cTn>
+                              </p:par>
+                              <p:par>
+                                <p:cTn id="19" presetID="10" presetClass="entr" presetSubtype="0" fill="hold" grpId="0" nodeType="withEffect">
+                                  <p:stCondLst>
+                                    <p:cond delay="0"/>
+                                  </p:stCondLst>
+                                  <p:childTnLst>
+                                    <p:set>
+                                      <p:cBhvr>
+                                        <p:cTn id="20" dur="1" fill="hold">
+                                          <p:stCondLst>
+                                            <p:cond delay="0"/>
+                                          </p:stCondLst>
+                                        </p:cTn>
+                                        <p:tgtEl>
+                                          <p:spTgt spid="3">
+                                            <p:txEl>
+                                              <p:pRg st="4" end="4"/>
+                                            </p:txEl>
+                                          </p:spTgt>
+                                        </p:tgtEl>
+                                        <p:attrNameLst>
+                                          <p:attrName>style.visibility</p:attrName>
+                                        </p:attrNameLst>
+                                      </p:cBhvr>
+                                      <p:to>
+                                        <p:strVal val="visible"/>
+                                      </p:to>
+                                    </p:set>
+                                    <p:animEffect transition="in" filter="fade">
+                                      <p:cBhvr>
+                                        <p:cTn id="21" dur="500"/>
+                                        <p:tgtEl>
+                                          <p:spTgt spid="3">
+                                            <p:txEl>
+                                              <p:pRg st="4" end="4"/>
+                                            </p:txEl>
+                                          </p:spTgt>
+                                        </p:tgtEl>
+                                      </p:cBhvr>
+                                    </p:animEffect>
+                                  </p:childTnLst>
+                                </p:cTn>
+                              </p:par>
+                            </p:childTnLst>
+                          </p:cTn>
+                        </p:par>
+                      </p:childTnLst>
+                    </p:cTn>
+                  </p:par>
+                  <p:par>
+                    <p:cTn id="22" fill="hold">
+                      <p:stCondLst>
+                        <p:cond delay="indefinite"/>
+                      </p:stCondLst>
+                      <p:childTnLst>
+                        <p:par>
+                          <p:cTn id="23" fill="hold">
+                            <p:stCondLst>
+                              <p:cond delay="0"/>
+                            </p:stCondLst>
+                            <p:childTnLst>
+                              <p:par>
+                                <p:cTn id="24" presetID="10" presetClass="entr" presetSubtype="0" fill="hold" grpId="0" nodeType="clickEffect">
+                                  <p:stCondLst>
+                                    <p:cond delay="0"/>
+                                  </p:stCondLst>
+                                  <p:childTnLst>
+                                    <p:set>
+                                      <p:cBhvr>
+                                        <p:cTn id="25" dur="1" fill="hold">
+                                          <p:stCondLst>
+                                            <p:cond delay="0"/>
+                                          </p:stCondLst>
+                                        </p:cTn>
+                                        <p:tgtEl>
+                                          <p:spTgt spid="3">
+                                            <p:txEl>
+                                              <p:pRg st="5" end="5"/>
+                                            </p:txEl>
+                                          </p:spTgt>
+                                        </p:tgtEl>
+                                        <p:attrNameLst>
+                                          <p:attrName>style.visibility</p:attrName>
+                                        </p:attrNameLst>
+                                      </p:cBhvr>
+                                      <p:to>
+                                        <p:strVal val="visible"/>
+                                      </p:to>
+                                    </p:set>
+                                    <p:animEffect transition="in" filter="fade">
+                                      <p:cBhvr>
+                                        <p:cTn id="26" dur="500"/>
+                                        <p:tgtEl>
+                                          <p:spTgt spid="3">
+                                            <p:txEl>
+                                              <p:pRg st="5" end="5"/>
+                                            </p:txEl>
+                                          </p:spTgt>
+                                        </p:tgtEl>
+                                      </p:cBhvr>
+                                    </p:animEffect>
+                                  </p:childTnLst>
+                                </p:cTn>
+                              </p:par>
+                              <p:par>
+                                <p:cTn id="27" presetID="10" presetClass="entr" presetSubtype="0" fill="hold" grpId="0" nodeType="withEffect">
+                                  <p:stCondLst>
+                                    <p:cond delay="0"/>
+                                  </p:stCondLst>
+                                  <p:childTnLst>
+                                    <p:set>
+                                      <p:cBhvr>
+                                        <p:cTn id="28" dur="1" fill="hold">
+                                          <p:stCondLst>
+                                            <p:cond delay="0"/>
+                                          </p:stCondLst>
+                                        </p:cTn>
+                                        <p:tgtEl>
+                                          <p:spTgt spid="3">
+                                            <p:txEl>
+                                              <p:pRg st="6" end="6"/>
+                                            </p:txEl>
+                                          </p:spTgt>
+                                        </p:tgtEl>
+                                        <p:attrNameLst>
+                                          <p:attrName>style.visibility</p:attrName>
+                                        </p:attrNameLst>
+                                      </p:cBhvr>
+                                      <p:to>
+                                        <p:strVal val="visible"/>
+                                      </p:to>
+                                    </p:set>
+                                    <p:animEffect transition="in" filter="fade">
+                                      <p:cBhvr>
+                                        <p:cTn id="29" dur="500"/>
+                                        <p:tgtEl>
+                                          <p:spTgt spid="3">
+                                            <p:txEl>
+                                              <p:pRg st="6" end="6"/>
+                                            </p:txEl>
+                                          </p:spTgt>
+                                        </p:tgtEl>
+                                      </p:cBhvr>
+                                    </p:animEffect>
+                                  </p:childTnLst>
+                                </p:cTn>
+                              </p:par>
+                            </p:childTnLst>
+                          </p:cTn>
+                        </p:par>
+                      </p:childTnLst>
+                    </p:cTn>
+                  </p:par>
+                </p:childTnLst>
+              </p:cTn>
+              <p:prevCondLst>
+                <p:cond evt="onPrev" delay="0">
+                  <p:tgtEl>
+                    <p:sldTgt/>
+                  </p:tgtEl>
+                </p:cond>
+              </p:prevCondLst>
+              <p:nextCondLst>
+                <p:cond evt="onNext" delay="0">
+                  <p:tgtEl>
+                    <p:sldTgt/>
+                  </p:tgtEl>
+                </p:cond>
+              </p:nextCondLst>
+            </p:seq>
+          </p:childTnLst>
+        </p:cTn>
+      </p:par>
+    </p:tnLst>
+    <p:bldLst>
+      <p:bldP spid="3" grpId="0" build="p"/>
+    </p:bldLst>
+  </p:timing>
 </p:sld>
 </file>
 
@@ -8049,6 +8778,336 @@
           <p:cNvPr id="2" name="Title 1">
             <a:extLst>
               <a:ext uri="{FF2B5EF4-FFF2-40B4-BE49-F238E27FC236}">
+                <a16:creationId xmlns:a16="http://schemas.microsoft.com/office/drawing/2014/main" id="{8DA048C2-74E3-B430-8F16-4F00A7D130D1}"/>
+              </a:ext>
+            </a:extLst>
+          </p:cNvPr>
+          <p:cNvSpPr>
+            <a:spLocks noGrp="1"/>
+          </p:cNvSpPr>
+          <p:nvPr>
+            <p:ph type="title"/>
+          </p:nvPr>
+        </p:nvSpPr>
+        <p:spPr/>
+        <p:txBody>
+          <a:bodyPr/>
+          <a:lstStyle/>
+          <a:p>
+            <a:r>
+              <a:rPr lang="en-US" dirty="0"/>
+              <a:t>Conclusion</a:t>
+            </a:r>
+          </a:p>
+        </p:txBody>
+      </p:sp>
+      <p:sp>
+        <p:nvSpPr>
+          <p:cNvPr id="3" name="Content Placeholder 2">
+            <a:extLst>
+              <a:ext uri="{FF2B5EF4-FFF2-40B4-BE49-F238E27FC236}">
+                <a16:creationId xmlns:a16="http://schemas.microsoft.com/office/drawing/2014/main" id="{3DFE03B1-4848-513C-819C-FAC5B1DFE8D3}"/>
+              </a:ext>
+            </a:extLst>
+          </p:cNvPr>
+          <p:cNvSpPr>
+            <a:spLocks noGrp="1"/>
+          </p:cNvSpPr>
+          <p:nvPr>
+            <p:ph idx="1"/>
+          </p:nvPr>
+        </p:nvSpPr>
+        <p:spPr/>
+        <p:txBody>
+          <a:bodyPr/>
+          <a:lstStyle/>
+          <a:p>
+            <a:r>
+              <a:rPr lang="en-US" dirty="0"/>
+              <a:t>Overall graphs are good</a:t>
+            </a:r>
+          </a:p>
+          <a:p>
+            <a:pPr lvl="1"/>
+            <a:r>
+              <a:rPr lang="en-US" dirty="0"/>
+              <a:t>Answers what needs to be answered</a:t>
+            </a:r>
+          </a:p>
+          <a:p>
+            <a:pPr lvl="1"/>
+            <a:r>
+              <a:rPr lang="en-US" dirty="0"/>
+              <a:t>Efficient</a:t>
+            </a:r>
+          </a:p>
+          <a:p>
+            <a:pPr lvl="1"/>
+            <a:r>
+              <a:rPr lang="en-US" dirty="0"/>
+              <a:t>Much potential for the future!</a:t>
+            </a:r>
+          </a:p>
+        </p:txBody>
+      </p:sp>
+    </p:spTree>
+    <p:extLst>
+      <p:ext uri="{BB962C8B-B14F-4D97-AF65-F5344CB8AC3E}">
+        <p14:creationId xmlns:p14="http://schemas.microsoft.com/office/powerpoint/2010/main" val="3733295456"/>
+      </p:ext>
+    </p:extLst>
+  </p:cSld>
+  <p:clrMapOvr>
+    <a:masterClrMapping/>
+  </p:clrMapOvr>
+  <p:timing>
+    <p:tnLst>
+      <p:par>
+        <p:cTn id="1" dur="indefinite" restart="never" nodeType="tmRoot">
+          <p:childTnLst>
+            <p:seq concurrent="1" nextAc="seek">
+              <p:cTn id="2" dur="indefinite" nodeType="mainSeq">
+                <p:childTnLst>
+                  <p:par>
+                    <p:cTn id="3" fill="hold">
+                      <p:stCondLst>
+                        <p:cond delay="indefinite"/>
+                      </p:stCondLst>
+                      <p:childTnLst>
+                        <p:par>
+                          <p:cTn id="4" fill="hold">
+                            <p:stCondLst>
+                              <p:cond delay="0"/>
+                            </p:stCondLst>
+                            <p:childTnLst>
+                              <p:par>
+                                <p:cTn id="5" presetID="10" presetClass="entr" presetSubtype="0" fill="hold" grpId="0" nodeType="clickEffect">
+                                  <p:stCondLst>
+                                    <p:cond delay="0"/>
+                                  </p:stCondLst>
+                                  <p:childTnLst>
+                                    <p:set>
+                                      <p:cBhvr>
+                                        <p:cTn id="6" dur="1" fill="hold">
+                                          <p:stCondLst>
+                                            <p:cond delay="0"/>
+                                          </p:stCondLst>
+                                        </p:cTn>
+                                        <p:tgtEl>
+                                          <p:spTgt spid="3">
+                                            <p:txEl>
+                                              <p:pRg st="0" end="0"/>
+                                            </p:txEl>
+                                          </p:spTgt>
+                                        </p:tgtEl>
+                                        <p:attrNameLst>
+                                          <p:attrName>style.visibility</p:attrName>
+                                        </p:attrNameLst>
+                                      </p:cBhvr>
+                                      <p:to>
+                                        <p:strVal val="visible"/>
+                                      </p:to>
+                                    </p:set>
+                                    <p:animEffect transition="in" filter="fade">
+                                      <p:cBhvr>
+                                        <p:cTn id="7" dur="500"/>
+                                        <p:tgtEl>
+                                          <p:spTgt spid="3">
+                                            <p:txEl>
+                                              <p:pRg st="0" end="0"/>
+                                            </p:txEl>
+                                          </p:spTgt>
+                                        </p:tgtEl>
+                                      </p:cBhvr>
+                                    </p:animEffect>
+                                  </p:childTnLst>
+                                </p:cTn>
+                              </p:par>
+                              <p:par>
+                                <p:cTn id="8" presetID="10" presetClass="entr" presetSubtype="0" fill="hold" grpId="0" nodeType="withEffect">
+                                  <p:stCondLst>
+                                    <p:cond delay="0"/>
+                                  </p:stCondLst>
+                                  <p:childTnLst>
+                                    <p:set>
+                                      <p:cBhvr>
+                                        <p:cTn id="9" dur="1" fill="hold">
+                                          <p:stCondLst>
+                                            <p:cond delay="0"/>
+                                          </p:stCondLst>
+                                        </p:cTn>
+                                        <p:tgtEl>
+                                          <p:spTgt spid="3">
+                                            <p:txEl>
+                                              <p:pRg st="1" end="1"/>
+                                            </p:txEl>
+                                          </p:spTgt>
+                                        </p:tgtEl>
+                                        <p:attrNameLst>
+                                          <p:attrName>style.visibility</p:attrName>
+                                        </p:attrNameLst>
+                                      </p:cBhvr>
+                                      <p:to>
+                                        <p:strVal val="visible"/>
+                                      </p:to>
+                                    </p:set>
+                                    <p:animEffect transition="in" filter="fade">
+                                      <p:cBhvr>
+                                        <p:cTn id="10" dur="500"/>
+                                        <p:tgtEl>
+                                          <p:spTgt spid="3">
+                                            <p:txEl>
+                                              <p:pRg st="1" end="1"/>
+                                            </p:txEl>
+                                          </p:spTgt>
+                                        </p:tgtEl>
+                                      </p:cBhvr>
+                                    </p:animEffect>
+                                  </p:childTnLst>
+                                </p:cTn>
+                              </p:par>
+                              <p:par>
+                                <p:cTn id="11" presetID="10" presetClass="entr" presetSubtype="0" fill="hold" grpId="0" nodeType="withEffect">
+                                  <p:stCondLst>
+                                    <p:cond delay="0"/>
+                                  </p:stCondLst>
+                                  <p:childTnLst>
+                                    <p:set>
+                                      <p:cBhvr>
+                                        <p:cTn id="12" dur="1" fill="hold">
+                                          <p:stCondLst>
+                                            <p:cond delay="0"/>
+                                          </p:stCondLst>
+                                        </p:cTn>
+                                        <p:tgtEl>
+                                          <p:spTgt spid="3">
+                                            <p:txEl>
+                                              <p:pRg st="2" end="2"/>
+                                            </p:txEl>
+                                          </p:spTgt>
+                                        </p:tgtEl>
+                                        <p:attrNameLst>
+                                          <p:attrName>style.visibility</p:attrName>
+                                        </p:attrNameLst>
+                                      </p:cBhvr>
+                                      <p:to>
+                                        <p:strVal val="visible"/>
+                                      </p:to>
+                                    </p:set>
+                                    <p:animEffect transition="in" filter="fade">
+                                      <p:cBhvr>
+                                        <p:cTn id="13" dur="500"/>
+                                        <p:tgtEl>
+                                          <p:spTgt spid="3">
+                                            <p:txEl>
+                                              <p:pRg st="2" end="2"/>
+                                            </p:txEl>
+                                          </p:spTgt>
+                                        </p:tgtEl>
+                                      </p:cBhvr>
+                                    </p:animEffect>
+                                  </p:childTnLst>
+                                </p:cTn>
+                              </p:par>
+                              <p:par>
+                                <p:cTn id="14" presetID="10" presetClass="entr" presetSubtype="0" fill="hold" grpId="0" nodeType="withEffect">
+                                  <p:stCondLst>
+                                    <p:cond delay="0"/>
+                                  </p:stCondLst>
+                                  <p:childTnLst>
+                                    <p:set>
+                                      <p:cBhvr>
+                                        <p:cTn id="15" dur="1" fill="hold">
+                                          <p:stCondLst>
+                                            <p:cond delay="0"/>
+                                          </p:stCondLst>
+                                        </p:cTn>
+                                        <p:tgtEl>
+                                          <p:spTgt spid="3">
+                                            <p:txEl>
+                                              <p:pRg st="3" end="3"/>
+                                            </p:txEl>
+                                          </p:spTgt>
+                                        </p:tgtEl>
+                                        <p:attrNameLst>
+                                          <p:attrName>style.visibility</p:attrName>
+                                        </p:attrNameLst>
+                                      </p:cBhvr>
+                                      <p:to>
+                                        <p:strVal val="visible"/>
+                                      </p:to>
+                                    </p:set>
+                                    <p:animEffect transition="in" filter="fade">
+                                      <p:cBhvr>
+                                        <p:cTn id="16" dur="500"/>
+                                        <p:tgtEl>
+                                          <p:spTgt spid="3">
+                                            <p:txEl>
+                                              <p:pRg st="3" end="3"/>
+                                            </p:txEl>
+                                          </p:spTgt>
+                                        </p:tgtEl>
+                                      </p:cBhvr>
+                                    </p:animEffect>
+                                  </p:childTnLst>
+                                </p:cTn>
+                              </p:par>
+                            </p:childTnLst>
+                          </p:cTn>
+                        </p:par>
+                      </p:childTnLst>
+                    </p:cTn>
+                  </p:par>
+                </p:childTnLst>
+              </p:cTn>
+              <p:prevCondLst>
+                <p:cond evt="onPrev" delay="0">
+                  <p:tgtEl>
+                    <p:sldTgt/>
+                  </p:tgtEl>
+                </p:cond>
+              </p:prevCondLst>
+              <p:nextCondLst>
+                <p:cond evt="onNext" delay="0">
+                  <p:tgtEl>
+                    <p:sldTgt/>
+                  </p:tgtEl>
+                </p:cond>
+              </p:nextCondLst>
+            </p:seq>
+          </p:childTnLst>
+        </p:cTn>
+      </p:par>
+    </p:tnLst>
+    <p:bldLst>
+      <p:bldP spid="3" grpId="0" build="p"/>
+    </p:bldLst>
+  </p:timing>
+</p:sld>
+</file>
+
+<file path=ppt/slides/slide14.xml><?xml version="1.0" encoding="utf-8"?>
+<p:sld xmlns:a="http://schemas.openxmlformats.org/drawingml/2006/main" xmlns:r="http://schemas.openxmlformats.org/officeDocument/2006/relationships" xmlns:p="http://schemas.openxmlformats.org/presentationml/2006/main">
+  <p:cSld>
+    <p:spTree>
+      <p:nvGrpSpPr>
+        <p:cNvPr id="1" name=""/>
+        <p:cNvGrpSpPr/>
+        <p:nvPr/>
+      </p:nvGrpSpPr>
+      <p:grpSpPr>
+        <a:xfrm>
+          <a:off x="0" y="0"/>
+          <a:ext cx="0" cy="0"/>
+          <a:chOff x="0" y="0"/>
+          <a:chExt cx="0" cy="0"/>
+        </a:xfrm>
+      </p:grpSpPr>
+      <p:sp>
+        <p:nvSpPr>
+          <p:cNvPr id="2" name="Title 1">
+            <a:extLst>
+              <a:ext uri="{FF2B5EF4-FFF2-40B4-BE49-F238E27FC236}">
                 <a16:creationId xmlns:a16="http://schemas.microsoft.com/office/drawing/2014/main" id="{5346B190-FD13-923E-452C-06FB7E5EAD65}"/>
               </a:ext>
             </a:extLst>
@@ -8090,10 +9149,93 @@
         </p:nvSpPr>
         <p:spPr/>
         <p:txBody>
-          <a:bodyPr/>
+          <a:bodyPr>
+            <a:normAutofit fontScale="92500" lnSpcReduction="10000"/>
+          </a:bodyPr>
           <a:lstStyle/>
           <a:p>
-            <a:endParaRPr lang="en-US"/>
+            <a:pPr marL="0" indent="0">
+              <a:buNone/>
+            </a:pPr>
+            <a:r>
+              <a:rPr lang="en-US" dirty="0"/>
+              <a:t>[1] Danny </a:t>
+            </a:r>
+            <a:r>
+              <a:rPr lang="en-US" dirty="0" err="1"/>
+              <a:t>Yuxing</a:t>
+            </a:r>
+            <a:r>
+              <a:rPr lang="en-US" dirty="0"/>
+              <a:t> Huang et al. “IoT Inspector: Crowdsourcing Labeled Network Traffic from Smart Home Devices at Scale”. In: Proc. ACM Interact. Mob. Wearable Ubiquitous Technol. 4.2 (June 2020). DOI: 10.1145/3397333. URL: https://doi.org/10.1145/3397333. </a:t>
+            </a:r>
+          </a:p>
+          <a:p>
+            <a:pPr marL="0" indent="0">
+              <a:buNone/>
+            </a:pPr>
+            <a:r>
+              <a:rPr lang="en-US" dirty="0"/>
+              <a:t>[2] Rohit </a:t>
+            </a:r>
+            <a:r>
+              <a:rPr lang="en-US" dirty="0" err="1"/>
+              <a:t>kumar</a:t>
+            </a:r>
+            <a:r>
+              <a:rPr lang="en-US" dirty="0"/>
+              <a:t> </a:t>
+            </a:r>
+            <a:r>
+              <a:rPr lang="en-US" dirty="0" err="1"/>
+              <a:t>Kaliyar</a:t>
+            </a:r>
+            <a:r>
+              <a:rPr lang="en-US" dirty="0"/>
+              <a:t>. “Graph databases: A survey”. In: International Conference on Computing, Communication &amp; Automation. 2015, pp. 785–790. DOI: 10.1109/CCAA. 2015.7148480.</a:t>
+            </a:r>
+          </a:p>
+          <a:p>
+            <a:pPr marL="0" indent="0">
+              <a:buNone/>
+            </a:pPr>
+            <a:r>
+              <a:rPr lang="en-US" dirty="0"/>
+              <a:t>[3] Nour </a:t>
+            </a:r>
+            <a:r>
+              <a:rPr lang="en-US" dirty="0" err="1"/>
+              <a:t>Moustafa</a:t>
+            </a:r>
+            <a:r>
+              <a:rPr lang="en-US" dirty="0"/>
+              <a:t>. The Bot-IoT dataset. 2019. DOI: 10 . 21227/r7v2- x988. URL: https://dx.doi.org/10.21227/ r7v2-x988.</a:t>
+            </a:r>
+          </a:p>
+          <a:p>
+            <a:pPr marL="0" indent="0">
+              <a:buNone/>
+            </a:pPr>
+            <a:r>
+              <a:rPr lang="en-US" dirty="0"/>
+              <a:t>[4] Danh Le-Phuoc et al. “The Graph of Things: A step towards the Live Knowledge Graph of connected things”. In: Journal of Web Semantics 37-38 (2016), pp. 25–35. ISSN: 1570-8268. DOI: https://doi.org/10.1016/j.websem. 2016 . 02 . 003. URL: https : / / www. </a:t>
+            </a:r>
+            <a:r>
+              <a:rPr lang="en-US" dirty="0" err="1"/>
+              <a:t>sciencedirect</a:t>
+            </a:r>
+            <a:r>
+              <a:rPr lang="en-US" dirty="0"/>
+              <a:t> . com / science/article/</a:t>
+            </a:r>
+            <a:r>
+              <a:rPr lang="en-US" dirty="0" err="1"/>
+              <a:t>pii</a:t>
+            </a:r>
+            <a:r>
+              <a:rPr lang="en-US" dirty="0"/>
+              <a:t>/S1570826816000196.</a:t>
+            </a:r>
           </a:p>
         </p:txBody>
       </p:sp>
@@ -8101,6 +9243,89 @@
     <p:extLst>
       <p:ext uri="{BB962C8B-B14F-4D97-AF65-F5344CB8AC3E}">
         <p14:creationId xmlns:p14="http://schemas.microsoft.com/office/powerpoint/2010/main" val="1806956891"/>
+      </p:ext>
+    </p:extLst>
+  </p:cSld>
+  <p:clrMapOvr>
+    <a:masterClrMapping/>
+  </p:clrMapOvr>
+</p:sld>
+</file>
+
+<file path=ppt/slides/slide15.xml><?xml version="1.0" encoding="utf-8"?>
+<p:sld xmlns:a="http://schemas.openxmlformats.org/drawingml/2006/main" xmlns:r="http://schemas.openxmlformats.org/officeDocument/2006/relationships" xmlns:p="http://schemas.openxmlformats.org/presentationml/2006/main">
+  <p:cSld>
+    <p:spTree>
+      <p:nvGrpSpPr>
+        <p:cNvPr id="1" name=""/>
+        <p:cNvGrpSpPr/>
+        <p:nvPr/>
+      </p:nvGrpSpPr>
+      <p:grpSpPr>
+        <a:xfrm>
+          <a:off x="0" y="0"/>
+          <a:ext cx="0" cy="0"/>
+          <a:chOff x="0" y="0"/>
+          <a:chExt cx="0" cy="0"/>
+        </a:xfrm>
+      </p:grpSpPr>
+      <p:sp>
+        <p:nvSpPr>
+          <p:cNvPr id="2" name="Title 1">
+            <a:extLst>
+              <a:ext uri="{FF2B5EF4-FFF2-40B4-BE49-F238E27FC236}">
+                <a16:creationId xmlns:a16="http://schemas.microsoft.com/office/drawing/2014/main" id="{6EFC8F5E-B39F-A085-A5D6-33238E3F43F9}"/>
+              </a:ext>
+            </a:extLst>
+          </p:cNvPr>
+          <p:cNvSpPr>
+            <a:spLocks noGrp="1"/>
+          </p:cNvSpPr>
+          <p:nvPr>
+            <p:ph type="ctrTitle"/>
+          </p:nvPr>
+        </p:nvSpPr>
+        <p:spPr/>
+        <p:txBody>
+          <a:bodyPr/>
+          <a:lstStyle/>
+          <a:p>
+            <a:r>
+              <a:rPr lang="en-US" dirty="0"/>
+              <a:t>Questions?</a:t>
+            </a:r>
+          </a:p>
+        </p:txBody>
+      </p:sp>
+      <p:sp>
+        <p:nvSpPr>
+          <p:cNvPr id="3" name="Subtitle 2">
+            <a:extLst>
+              <a:ext uri="{FF2B5EF4-FFF2-40B4-BE49-F238E27FC236}">
+                <a16:creationId xmlns:a16="http://schemas.microsoft.com/office/drawing/2014/main" id="{E6C0475C-47DA-356F-F874-8B1D388F5956}"/>
+              </a:ext>
+            </a:extLst>
+          </p:cNvPr>
+          <p:cNvSpPr>
+            <a:spLocks noGrp="1"/>
+          </p:cNvSpPr>
+          <p:nvPr>
+            <p:ph type="subTitle" idx="1"/>
+          </p:nvPr>
+        </p:nvSpPr>
+        <p:spPr/>
+        <p:txBody>
+          <a:bodyPr/>
+          <a:lstStyle/>
+          <a:p>
+            <a:endParaRPr lang="en-US"/>
+          </a:p>
+        </p:txBody>
+      </p:sp>
+    </p:spTree>
+    <p:extLst>
+      <p:ext uri="{BB962C8B-B14F-4D97-AF65-F5344CB8AC3E}">
+        <p14:creationId xmlns:p14="http://schemas.microsoft.com/office/powerpoint/2010/main" val="2684790881"/>
       </p:ext>
     </p:extLst>
   </p:cSld>
@@ -8224,13 +9449,13 @@
   <p:clrMapOvr>
     <a:masterClrMapping/>
   </p:clrMapOvr>
-  <mc:AlternateContent xmlns:mc="http://schemas.openxmlformats.org/markup-compatibility/2006">
-    <mc:Choice xmlns:p15="http://schemas.microsoft.com/office/powerpoint/2012/main" Requires="p15">
+  <mc:AlternateContent xmlns:mc="http://schemas.openxmlformats.org/markup-compatibility/2006" xmlns:p15="http://schemas.microsoft.com/office/powerpoint/2012/main">
+    <mc:Choice Requires="p15">
       <p:transition xmlns:p14="http://schemas.microsoft.com/office/powerpoint/2010/main" spd="slow" p14:dur="1250">
         <p15:prstTrans prst="peelOff"/>
       </p:transition>
     </mc:Choice>
-    <mc:Fallback>
+    <mc:Fallback xmlns="">
       <p:transition spd="slow">
         <p:fade/>
       </p:transition>
@@ -9469,6 +10694,394 @@
   <p:clrMapOvr>
     <a:masterClrMapping/>
   </p:clrMapOvr>
+  <p:timing>
+    <p:tnLst>
+      <p:par>
+        <p:cTn id="1" dur="indefinite" restart="never" nodeType="tmRoot">
+          <p:childTnLst>
+            <p:seq concurrent="1" nextAc="seek">
+              <p:cTn id="2" dur="indefinite" nodeType="mainSeq">
+                <p:childTnLst>
+                  <p:par>
+                    <p:cTn id="3" fill="hold">
+                      <p:stCondLst>
+                        <p:cond delay="indefinite"/>
+                      </p:stCondLst>
+                      <p:childTnLst>
+                        <p:par>
+                          <p:cTn id="4" fill="hold">
+                            <p:stCondLst>
+                              <p:cond delay="0"/>
+                            </p:stCondLst>
+                            <p:childTnLst>
+                              <p:par>
+                                <p:cTn id="5" presetID="10" presetClass="entr" presetSubtype="0" fill="hold" grpId="0" nodeType="clickEffect">
+                                  <p:stCondLst>
+                                    <p:cond delay="0"/>
+                                  </p:stCondLst>
+                                  <p:childTnLst>
+                                    <p:set>
+                                      <p:cBhvr>
+                                        <p:cTn id="6" dur="1" fill="hold">
+                                          <p:stCondLst>
+                                            <p:cond delay="0"/>
+                                          </p:stCondLst>
+                                        </p:cTn>
+                                        <p:tgtEl>
+                                          <p:spTgt spid="3">
+                                            <p:txEl>
+                                              <p:pRg st="0" end="0"/>
+                                            </p:txEl>
+                                          </p:spTgt>
+                                        </p:tgtEl>
+                                        <p:attrNameLst>
+                                          <p:attrName>style.visibility</p:attrName>
+                                        </p:attrNameLst>
+                                      </p:cBhvr>
+                                      <p:to>
+                                        <p:strVal val="visible"/>
+                                      </p:to>
+                                    </p:set>
+                                    <p:animEffect transition="in" filter="fade">
+                                      <p:cBhvr>
+                                        <p:cTn id="7" dur="500"/>
+                                        <p:tgtEl>
+                                          <p:spTgt spid="3">
+                                            <p:txEl>
+                                              <p:pRg st="0" end="0"/>
+                                            </p:txEl>
+                                          </p:spTgt>
+                                        </p:tgtEl>
+                                      </p:cBhvr>
+                                    </p:animEffect>
+                                  </p:childTnLst>
+                                </p:cTn>
+                              </p:par>
+                              <p:par>
+                                <p:cTn id="8" presetID="10" presetClass="entr" presetSubtype="0" fill="hold" grpId="0" nodeType="withEffect">
+                                  <p:stCondLst>
+                                    <p:cond delay="0"/>
+                                  </p:stCondLst>
+                                  <p:childTnLst>
+                                    <p:set>
+                                      <p:cBhvr>
+                                        <p:cTn id="9" dur="1" fill="hold">
+                                          <p:stCondLst>
+                                            <p:cond delay="0"/>
+                                          </p:stCondLst>
+                                        </p:cTn>
+                                        <p:tgtEl>
+                                          <p:spTgt spid="3">
+                                            <p:txEl>
+                                              <p:pRg st="1" end="1"/>
+                                            </p:txEl>
+                                          </p:spTgt>
+                                        </p:tgtEl>
+                                        <p:attrNameLst>
+                                          <p:attrName>style.visibility</p:attrName>
+                                        </p:attrNameLst>
+                                      </p:cBhvr>
+                                      <p:to>
+                                        <p:strVal val="visible"/>
+                                      </p:to>
+                                    </p:set>
+                                    <p:animEffect transition="in" filter="fade">
+                                      <p:cBhvr>
+                                        <p:cTn id="10" dur="500"/>
+                                        <p:tgtEl>
+                                          <p:spTgt spid="3">
+                                            <p:txEl>
+                                              <p:pRg st="1" end="1"/>
+                                            </p:txEl>
+                                          </p:spTgt>
+                                        </p:tgtEl>
+                                      </p:cBhvr>
+                                    </p:animEffect>
+                                  </p:childTnLst>
+                                </p:cTn>
+                              </p:par>
+                              <p:par>
+                                <p:cTn id="11" presetID="10" presetClass="entr" presetSubtype="0" fill="hold" grpId="0" nodeType="withEffect">
+                                  <p:stCondLst>
+                                    <p:cond delay="0"/>
+                                  </p:stCondLst>
+                                  <p:childTnLst>
+                                    <p:set>
+                                      <p:cBhvr>
+                                        <p:cTn id="12" dur="1" fill="hold">
+                                          <p:stCondLst>
+                                            <p:cond delay="0"/>
+                                          </p:stCondLst>
+                                        </p:cTn>
+                                        <p:tgtEl>
+                                          <p:spTgt spid="3">
+                                            <p:txEl>
+                                              <p:pRg st="2" end="2"/>
+                                            </p:txEl>
+                                          </p:spTgt>
+                                        </p:tgtEl>
+                                        <p:attrNameLst>
+                                          <p:attrName>style.visibility</p:attrName>
+                                        </p:attrNameLst>
+                                      </p:cBhvr>
+                                      <p:to>
+                                        <p:strVal val="visible"/>
+                                      </p:to>
+                                    </p:set>
+                                    <p:animEffect transition="in" filter="fade">
+                                      <p:cBhvr>
+                                        <p:cTn id="13" dur="500"/>
+                                        <p:tgtEl>
+                                          <p:spTgt spid="3">
+                                            <p:txEl>
+                                              <p:pRg st="2" end="2"/>
+                                            </p:txEl>
+                                          </p:spTgt>
+                                        </p:tgtEl>
+                                      </p:cBhvr>
+                                    </p:animEffect>
+                                  </p:childTnLst>
+                                </p:cTn>
+                              </p:par>
+                            </p:childTnLst>
+                          </p:cTn>
+                        </p:par>
+                      </p:childTnLst>
+                    </p:cTn>
+                  </p:par>
+                  <p:par>
+                    <p:cTn id="14" fill="hold">
+                      <p:stCondLst>
+                        <p:cond delay="indefinite"/>
+                      </p:stCondLst>
+                      <p:childTnLst>
+                        <p:par>
+                          <p:cTn id="15" fill="hold">
+                            <p:stCondLst>
+                              <p:cond delay="0"/>
+                            </p:stCondLst>
+                            <p:childTnLst>
+                              <p:par>
+                                <p:cTn id="16" presetID="10" presetClass="entr" presetSubtype="0" fill="hold" grpId="0" nodeType="clickEffect">
+                                  <p:stCondLst>
+                                    <p:cond delay="0"/>
+                                  </p:stCondLst>
+                                  <p:childTnLst>
+                                    <p:set>
+                                      <p:cBhvr>
+                                        <p:cTn id="17" dur="1" fill="hold">
+                                          <p:stCondLst>
+                                            <p:cond delay="0"/>
+                                          </p:stCondLst>
+                                        </p:cTn>
+                                        <p:tgtEl>
+                                          <p:spTgt spid="3">
+                                            <p:txEl>
+                                              <p:pRg st="3" end="3"/>
+                                            </p:txEl>
+                                          </p:spTgt>
+                                        </p:tgtEl>
+                                        <p:attrNameLst>
+                                          <p:attrName>style.visibility</p:attrName>
+                                        </p:attrNameLst>
+                                      </p:cBhvr>
+                                      <p:to>
+                                        <p:strVal val="visible"/>
+                                      </p:to>
+                                    </p:set>
+                                    <p:animEffect transition="in" filter="fade">
+                                      <p:cBhvr>
+                                        <p:cTn id="18" dur="500"/>
+                                        <p:tgtEl>
+                                          <p:spTgt spid="3">
+                                            <p:txEl>
+                                              <p:pRg st="3" end="3"/>
+                                            </p:txEl>
+                                          </p:spTgt>
+                                        </p:tgtEl>
+                                      </p:cBhvr>
+                                    </p:animEffect>
+                                  </p:childTnLst>
+                                </p:cTn>
+                              </p:par>
+                              <p:par>
+                                <p:cTn id="19" presetID="10" presetClass="entr" presetSubtype="0" fill="hold" grpId="0" nodeType="withEffect">
+                                  <p:stCondLst>
+                                    <p:cond delay="0"/>
+                                  </p:stCondLst>
+                                  <p:childTnLst>
+                                    <p:set>
+                                      <p:cBhvr>
+                                        <p:cTn id="20" dur="1" fill="hold">
+                                          <p:stCondLst>
+                                            <p:cond delay="0"/>
+                                          </p:stCondLst>
+                                        </p:cTn>
+                                        <p:tgtEl>
+                                          <p:spTgt spid="3">
+                                            <p:txEl>
+                                              <p:pRg st="4" end="4"/>
+                                            </p:txEl>
+                                          </p:spTgt>
+                                        </p:tgtEl>
+                                        <p:attrNameLst>
+                                          <p:attrName>style.visibility</p:attrName>
+                                        </p:attrNameLst>
+                                      </p:cBhvr>
+                                      <p:to>
+                                        <p:strVal val="visible"/>
+                                      </p:to>
+                                    </p:set>
+                                    <p:animEffect transition="in" filter="fade">
+                                      <p:cBhvr>
+                                        <p:cTn id="21" dur="500"/>
+                                        <p:tgtEl>
+                                          <p:spTgt spid="3">
+                                            <p:txEl>
+                                              <p:pRg st="4" end="4"/>
+                                            </p:txEl>
+                                          </p:spTgt>
+                                        </p:tgtEl>
+                                      </p:cBhvr>
+                                    </p:animEffect>
+                                  </p:childTnLst>
+                                </p:cTn>
+                              </p:par>
+                            </p:childTnLst>
+                          </p:cTn>
+                        </p:par>
+                      </p:childTnLst>
+                    </p:cTn>
+                  </p:par>
+                  <p:par>
+                    <p:cTn id="22" fill="hold">
+                      <p:stCondLst>
+                        <p:cond delay="indefinite"/>
+                      </p:stCondLst>
+                      <p:childTnLst>
+                        <p:par>
+                          <p:cTn id="23" fill="hold">
+                            <p:stCondLst>
+                              <p:cond delay="0"/>
+                            </p:stCondLst>
+                            <p:childTnLst>
+                              <p:par>
+                                <p:cTn id="24" presetID="10" presetClass="entr" presetSubtype="0" fill="hold" grpId="0" nodeType="clickEffect">
+                                  <p:stCondLst>
+                                    <p:cond delay="0"/>
+                                  </p:stCondLst>
+                                  <p:childTnLst>
+                                    <p:set>
+                                      <p:cBhvr>
+                                        <p:cTn id="25" dur="1" fill="hold">
+                                          <p:stCondLst>
+                                            <p:cond delay="0"/>
+                                          </p:stCondLst>
+                                        </p:cTn>
+                                        <p:tgtEl>
+                                          <p:spTgt spid="3">
+                                            <p:txEl>
+                                              <p:pRg st="5" end="5"/>
+                                            </p:txEl>
+                                          </p:spTgt>
+                                        </p:tgtEl>
+                                        <p:attrNameLst>
+                                          <p:attrName>style.visibility</p:attrName>
+                                        </p:attrNameLst>
+                                      </p:cBhvr>
+                                      <p:to>
+                                        <p:strVal val="visible"/>
+                                      </p:to>
+                                    </p:set>
+                                    <p:animEffect transition="in" filter="fade">
+                                      <p:cBhvr>
+                                        <p:cTn id="26" dur="500"/>
+                                        <p:tgtEl>
+                                          <p:spTgt spid="3">
+                                            <p:txEl>
+                                              <p:pRg st="5" end="5"/>
+                                            </p:txEl>
+                                          </p:spTgt>
+                                        </p:tgtEl>
+                                      </p:cBhvr>
+                                    </p:animEffect>
+                                  </p:childTnLst>
+                                </p:cTn>
+                              </p:par>
+                              <p:par>
+                                <p:cTn id="27" presetID="10" presetClass="entr" presetSubtype="0" fill="hold" grpId="0" nodeType="withEffect">
+                                  <p:stCondLst>
+                                    <p:cond delay="0"/>
+                                  </p:stCondLst>
+                                  <p:childTnLst>
+                                    <p:set>
+                                      <p:cBhvr>
+                                        <p:cTn id="28" dur="1" fill="hold">
+                                          <p:stCondLst>
+                                            <p:cond delay="0"/>
+                                          </p:stCondLst>
+                                        </p:cTn>
+                                        <p:tgtEl>
+                                          <p:spTgt spid="3">
+                                            <p:txEl>
+                                              <p:pRg st="6" end="6"/>
+                                            </p:txEl>
+                                          </p:spTgt>
+                                        </p:tgtEl>
+                                        <p:attrNameLst>
+                                          <p:attrName>style.visibility</p:attrName>
+                                        </p:attrNameLst>
+                                      </p:cBhvr>
+                                      <p:to>
+                                        <p:strVal val="visible"/>
+                                      </p:to>
+                                    </p:set>
+                                    <p:animEffect transition="in" filter="fade">
+                                      <p:cBhvr>
+                                        <p:cTn id="29" dur="500"/>
+                                        <p:tgtEl>
+                                          <p:spTgt spid="3">
+                                            <p:txEl>
+                                              <p:pRg st="6" end="6"/>
+                                            </p:txEl>
+                                          </p:spTgt>
+                                        </p:tgtEl>
+                                      </p:cBhvr>
+                                    </p:animEffect>
+                                  </p:childTnLst>
+                                </p:cTn>
+                              </p:par>
+                            </p:childTnLst>
+                          </p:cTn>
+                        </p:par>
+                      </p:childTnLst>
+                    </p:cTn>
+                  </p:par>
+                </p:childTnLst>
+              </p:cTn>
+              <p:prevCondLst>
+                <p:cond evt="onPrev" delay="0">
+                  <p:tgtEl>
+                    <p:sldTgt/>
+                  </p:tgtEl>
+                </p:cond>
+              </p:prevCondLst>
+              <p:nextCondLst>
+                <p:cond evt="onNext" delay="0">
+                  <p:tgtEl>
+                    <p:sldTgt/>
+                  </p:tgtEl>
+                </p:cond>
+              </p:nextCondLst>
+            </p:seq>
+          </p:childTnLst>
+        </p:cTn>
+      </p:par>
+    </p:tnLst>
+    <p:bldLst>
+      <p:bldP spid="3" grpId="0" build="p"/>
+    </p:bldLst>
+  </p:timing>
 </p:sld>
 </file>
 
@@ -9494,7 +11107,7 @@
           <p:cNvPr id="2" name="Title 1">
             <a:extLst>
               <a:ext uri="{FF2B5EF4-FFF2-40B4-BE49-F238E27FC236}">
-                <a16:creationId xmlns:a16="http://schemas.microsoft.com/office/drawing/2014/main" id="{6A17955B-A110-1530-1ABF-E17BE1EEA22E}"/>
+                <a16:creationId xmlns:a16="http://schemas.microsoft.com/office/drawing/2014/main" id="{1290044A-0ACC-4B04-6256-EFC1B6BB5401}"/>
               </a:ext>
             </a:extLst>
           </p:cNvPr>
@@ -9512,7 +11125,7 @@
           <a:p>
             <a:r>
               <a:rPr lang="en-US" dirty="0"/>
-              <a:t>Related Works</a:t>
+              <a:t>Motivation</a:t>
             </a:r>
           </a:p>
         </p:txBody>
@@ -9522,7 +11135,7 @@
           <p:cNvPr id="3" name="Content Placeholder 2">
             <a:extLst>
               <a:ext uri="{FF2B5EF4-FFF2-40B4-BE49-F238E27FC236}">
-                <a16:creationId xmlns:a16="http://schemas.microsoft.com/office/drawing/2014/main" id="{1752AF96-0E3E-80C9-02B5-F9F0036941E8}"/>
+                <a16:creationId xmlns:a16="http://schemas.microsoft.com/office/drawing/2014/main" id="{768CAF25-7F92-0FC0-5D95-BA0A6F94F68E}"/>
               </a:ext>
             </a:extLst>
           </p:cNvPr>
@@ -9540,34 +11153,43 @@
           <a:p>
             <a:r>
               <a:rPr lang="en-US" dirty="0"/>
-              <a:t>IoT Inspector</a:t>
+              <a:t>Enter Graph Databases</a:t>
             </a:r>
           </a:p>
           <a:p>
             <a:pPr lvl="1"/>
             <a:r>
               <a:rPr lang="en-US" dirty="0"/>
-              <a:t>Lot of Inspiration</a:t>
+              <a:t>Great for connected data [2]</a:t>
             </a:r>
           </a:p>
           <a:p>
             <a:pPr lvl="1"/>
             <a:r>
               <a:rPr lang="en-US" dirty="0"/>
-              <a:t>Not focused on graph databases and their advantages</a:t>
-            </a:r>
-          </a:p>
-          <a:p>
+              <a:t>Very efficient for such data [2]</a:t>
+            </a:r>
+          </a:p>
+          <a:p>
+            <a:pPr lvl="1"/>
             <a:r>
               <a:rPr lang="en-US" dirty="0"/>
-              <a:t>Global IoT Experiment</a:t>
+              <a:t>This timeseries data </a:t>
+            </a:r>
+            <a:r>
+              <a:rPr lang="en-US" i="1" dirty="0"/>
+              <a:t>is</a:t>
+            </a:r>
+            <a:r>
+              <a:rPr lang="en-US" dirty="0"/>
+              <a:t> connected data</a:t>
             </a:r>
           </a:p>
           <a:p>
             <a:pPr lvl="1"/>
             <a:r>
               <a:rPr lang="en-US" dirty="0"/>
-              <a:t>Not focused on small networks and homes</a:t>
+              <a:t>An ideal choice to work with</a:t>
             </a:r>
           </a:p>
         </p:txBody>
@@ -9575,13 +11197,279 @@
     </p:spTree>
     <p:extLst>
       <p:ext uri="{BB962C8B-B14F-4D97-AF65-F5344CB8AC3E}">
-        <p14:creationId xmlns:p14="http://schemas.microsoft.com/office/powerpoint/2010/main" val="1024174693"/>
+        <p14:creationId xmlns:p14="http://schemas.microsoft.com/office/powerpoint/2010/main" val="4240695556"/>
       </p:ext>
     </p:extLst>
   </p:cSld>
   <p:clrMapOvr>
     <a:masterClrMapping/>
   </p:clrMapOvr>
+  <p:timing>
+    <p:tnLst>
+      <p:par>
+        <p:cTn id="1" dur="indefinite" restart="never" nodeType="tmRoot">
+          <p:childTnLst>
+            <p:seq concurrent="1" nextAc="seek">
+              <p:cTn id="2" dur="indefinite" nodeType="mainSeq">
+                <p:childTnLst>
+                  <p:par>
+                    <p:cTn id="3" fill="hold">
+                      <p:stCondLst>
+                        <p:cond delay="indefinite"/>
+                      </p:stCondLst>
+                      <p:childTnLst>
+                        <p:par>
+                          <p:cTn id="4" fill="hold">
+                            <p:stCondLst>
+                              <p:cond delay="0"/>
+                            </p:stCondLst>
+                            <p:childTnLst>
+                              <p:par>
+                                <p:cTn id="5" presetID="10" presetClass="entr" presetSubtype="0" fill="hold" grpId="0" nodeType="clickEffect">
+                                  <p:stCondLst>
+                                    <p:cond delay="0"/>
+                                  </p:stCondLst>
+                                  <p:childTnLst>
+                                    <p:set>
+                                      <p:cBhvr>
+                                        <p:cTn id="6" dur="1" fill="hold">
+                                          <p:stCondLst>
+                                            <p:cond delay="0"/>
+                                          </p:stCondLst>
+                                        </p:cTn>
+                                        <p:tgtEl>
+                                          <p:spTgt spid="3">
+                                            <p:txEl>
+                                              <p:pRg st="0" end="0"/>
+                                            </p:txEl>
+                                          </p:spTgt>
+                                        </p:tgtEl>
+                                        <p:attrNameLst>
+                                          <p:attrName>style.visibility</p:attrName>
+                                        </p:attrNameLst>
+                                      </p:cBhvr>
+                                      <p:to>
+                                        <p:strVal val="visible"/>
+                                      </p:to>
+                                    </p:set>
+                                    <p:animEffect transition="in" filter="fade">
+                                      <p:cBhvr>
+                                        <p:cTn id="7" dur="500"/>
+                                        <p:tgtEl>
+                                          <p:spTgt spid="3">
+                                            <p:txEl>
+                                              <p:pRg st="0" end="0"/>
+                                            </p:txEl>
+                                          </p:spTgt>
+                                        </p:tgtEl>
+                                      </p:cBhvr>
+                                    </p:animEffect>
+                                  </p:childTnLst>
+                                </p:cTn>
+                              </p:par>
+                              <p:par>
+                                <p:cTn id="8" presetID="10" presetClass="entr" presetSubtype="0" fill="hold" grpId="0" nodeType="withEffect">
+                                  <p:stCondLst>
+                                    <p:cond delay="0"/>
+                                  </p:stCondLst>
+                                  <p:childTnLst>
+                                    <p:set>
+                                      <p:cBhvr>
+                                        <p:cTn id="9" dur="1" fill="hold">
+                                          <p:stCondLst>
+                                            <p:cond delay="0"/>
+                                          </p:stCondLst>
+                                        </p:cTn>
+                                        <p:tgtEl>
+                                          <p:spTgt spid="3">
+                                            <p:txEl>
+                                              <p:pRg st="1" end="1"/>
+                                            </p:txEl>
+                                          </p:spTgt>
+                                        </p:tgtEl>
+                                        <p:attrNameLst>
+                                          <p:attrName>style.visibility</p:attrName>
+                                        </p:attrNameLst>
+                                      </p:cBhvr>
+                                      <p:to>
+                                        <p:strVal val="visible"/>
+                                      </p:to>
+                                    </p:set>
+                                    <p:animEffect transition="in" filter="fade">
+                                      <p:cBhvr>
+                                        <p:cTn id="10" dur="500"/>
+                                        <p:tgtEl>
+                                          <p:spTgt spid="3">
+                                            <p:txEl>
+                                              <p:pRg st="1" end="1"/>
+                                            </p:txEl>
+                                          </p:spTgt>
+                                        </p:tgtEl>
+                                      </p:cBhvr>
+                                    </p:animEffect>
+                                  </p:childTnLst>
+                                </p:cTn>
+                              </p:par>
+                              <p:par>
+                                <p:cTn id="11" presetID="10" presetClass="entr" presetSubtype="0" fill="hold" grpId="0" nodeType="withEffect">
+                                  <p:stCondLst>
+                                    <p:cond delay="0"/>
+                                  </p:stCondLst>
+                                  <p:childTnLst>
+                                    <p:set>
+                                      <p:cBhvr>
+                                        <p:cTn id="12" dur="1" fill="hold">
+                                          <p:stCondLst>
+                                            <p:cond delay="0"/>
+                                          </p:stCondLst>
+                                        </p:cTn>
+                                        <p:tgtEl>
+                                          <p:spTgt spid="3">
+                                            <p:txEl>
+                                              <p:pRg st="2" end="2"/>
+                                            </p:txEl>
+                                          </p:spTgt>
+                                        </p:tgtEl>
+                                        <p:attrNameLst>
+                                          <p:attrName>style.visibility</p:attrName>
+                                        </p:attrNameLst>
+                                      </p:cBhvr>
+                                      <p:to>
+                                        <p:strVal val="visible"/>
+                                      </p:to>
+                                    </p:set>
+                                    <p:animEffect transition="in" filter="fade">
+                                      <p:cBhvr>
+                                        <p:cTn id="13" dur="500"/>
+                                        <p:tgtEl>
+                                          <p:spTgt spid="3">
+                                            <p:txEl>
+                                              <p:pRg st="2" end="2"/>
+                                            </p:txEl>
+                                          </p:spTgt>
+                                        </p:tgtEl>
+                                      </p:cBhvr>
+                                    </p:animEffect>
+                                  </p:childTnLst>
+                                </p:cTn>
+                              </p:par>
+                              <p:par>
+                                <p:cTn id="14" presetID="10" presetClass="entr" presetSubtype="0" fill="hold" grpId="0" nodeType="withEffect">
+                                  <p:stCondLst>
+                                    <p:cond delay="0"/>
+                                  </p:stCondLst>
+                                  <p:childTnLst>
+                                    <p:set>
+                                      <p:cBhvr>
+                                        <p:cTn id="15" dur="1" fill="hold">
+                                          <p:stCondLst>
+                                            <p:cond delay="0"/>
+                                          </p:stCondLst>
+                                        </p:cTn>
+                                        <p:tgtEl>
+                                          <p:spTgt spid="3">
+                                            <p:txEl>
+                                              <p:pRg st="3" end="3"/>
+                                            </p:txEl>
+                                          </p:spTgt>
+                                        </p:tgtEl>
+                                        <p:attrNameLst>
+                                          <p:attrName>style.visibility</p:attrName>
+                                        </p:attrNameLst>
+                                      </p:cBhvr>
+                                      <p:to>
+                                        <p:strVal val="visible"/>
+                                      </p:to>
+                                    </p:set>
+                                    <p:animEffect transition="in" filter="fade">
+                                      <p:cBhvr>
+                                        <p:cTn id="16" dur="500"/>
+                                        <p:tgtEl>
+                                          <p:spTgt spid="3">
+                                            <p:txEl>
+                                              <p:pRg st="3" end="3"/>
+                                            </p:txEl>
+                                          </p:spTgt>
+                                        </p:tgtEl>
+                                      </p:cBhvr>
+                                    </p:animEffect>
+                                  </p:childTnLst>
+                                </p:cTn>
+                              </p:par>
+                              <p:par>
+                                <p:cTn id="17" presetID="10" presetClass="entr" presetSubtype="0" fill="hold" grpId="0" nodeType="withEffect">
+                                  <p:stCondLst>
+                                    <p:cond delay="0"/>
+                                  </p:stCondLst>
+                                  <p:childTnLst>
+                                    <p:set>
+                                      <p:cBhvr>
+                                        <p:cTn id="18" dur="1" fill="hold">
+                                          <p:stCondLst>
+                                            <p:cond delay="0"/>
+                                          </p:stCondLst>
+                                        </p:cTn>
+                                        <p:tgtEl>
+                                          <p:spTgt spid="3">
+                                            <p:txEl>
+                                              <p:pRg st="4" end="4"/>
+                                            </p:txEl>
+                                          </p:spTgt>
+                                        </p:tgtEl>
+                                        <p:attrNameLst>
+                                          <p:attrName>style.visibility</p:attrName>
+                                        </p:attrNameLst>
+                                      </p:cBhvr>
+                                      <p:to>
+                                        <p:strVal val="visible"/>
+                                      </p:to>
+                                    </p:set>
+                                    <p:animEffect transition="in" filter="fade">
+                                      <p:cBhvr>
+                                        <p:cTn id="19" dur="500"/>
+                                        <p:tgtEl>
+                                          <p:spTgt spid="3">
+                                            <p:txEl>
+                                              <p:pRg st="4" end="4"/>
+                                            </p:txEl>
+                                          </p:spTgt>
+                                        </p:tgtEl>
+                                      </p:cBhvr>
+                                    </p:animEffect>
+                                  </p:childTnLst>
+                                </p:cTn>
+                              </p:par>
+                            </p:childTnLst>
+                          </p:cTn>
+                        </p:par>
+                      </p:childTnLst>
+                    </p:cTn>
+                  </p:par>
+                </p:childTnLst>
+              </p:cTn>
+              <p:prevCondLst>
+                <p:cond evt="onPrev" delay="0">
+                  <p:tgtEl>
+                    <p:sldTgt/>
+                  </p:tgtEl>
+                </p:cond>
+              </p:prevCondLst>
+              <p:nextCondLst>
+                <p:cond evt="onNext" delay="0">
+                  <p:tgtEl>
+                    <p:sldTgt/>
+                  </p:tgtEl>
+                </p:cond>
+              </p:nextCondLst>
+            </p:seq>
+          </p:childTnLst>
+        </p:cTn>
+      </p:par>
+    </p:tnLst>
+    <p:bldLst>
+      <p:bldP spid="3" grpId="0" build="p"/>
+    </p:bldLst>
+  </p:timing>
 </p:sld>
 </file>
 
@@ -9607,6 +11495,453 @@
           <p:cNvPr id="2" name="Title 1">
             <a:extLst>
               <a:ext uri="{FF2B5EF4-FFF2-40B4-BE49-F238E27FC236}">
+                <a16:creationId xmlns:a16="http://schemas.microsoft.com/office/drawing/2014/main" id="{6A17955B-A110-1530-1ABF-E17BE1EEA22E}"/>
+              </a:ext>
+            </a:extLst>
+          </p:cNvPr>
+          <p:cNvSpPr>
+            <a:spLocks noGrp="1"/>
+          </p:cNvSpPr>
+          <p:nvPr>
+            <p:ph type="title"/>
+          </p:nvPr>
+        </p:nvSpPr>
+        <p:spPr/>
+        <p:txBody>
+          <a:bodyPr/>
+          <a:lstStyle/>
+          <a:p>
+            <a:r>
+              <a:rPr lang="en-US" dirty="0"/>
+              <a:t>Related Works</a:t>
+            </a:r>
+          </a:p>
+        </p:txBody>
+      </p:sp>
+      <p:sp>
+        <p:nvSpPr>
+          <p:cNvPr id="3" name="Content Placeholder 2">
+            <a:extLst>
+              <a:ext uri="{FF2B5EF4-FFF2-40B4-BE49-F238E27FC236}">
+                <a16:creationId xmlns:a16="http://schemas.microsoft.com/office/drawing/2014/main" id="{1752AF96-0E3E-80C9-02B5-F9F0036941E8}"/>
+              </a:ext>
+            </a:extLst>
+          </p:cNvPr>
+          <p:cNvSpPr>
+            <a:spLocks noGrp="1"/>
+          </p:cNvSpPr>
+          <p:nvPr>
+            <p:ph idx="1"/>
+          </p:nvPr>
+        </p:nvSpPr>
+        <p:spPr/>
+        <p:txBody>
+          <a:bodyPr/>
+          <a:lstStyle/>
+          <a:p>
+            <a:r>
+              <a:rPr lang="en-US" dirty="0"/>
+              <a:t>IoT Inspector [1]</a:t>
+            </a:r>
+          </a:p>
+          <a:p>
+            <a:pPr lvl="1"/>
+            <a:r>
+              <a:rPr lang="en-US" dirty="0"/>
+              <a:t>Lot of Inspiration</a:t>
+            </a:r>
+          </a:p>
+          <a:p>
+            <a:pPr lvl="1"/>
+            <a:r>
+              <a:rPr lang="en-US" dirty="0"/>
+              <a:t>Not focused on graph databases and their advantages</a:t>
+            </a:r>
+          </a:p>
+          <a:p>
+            <a:r>
+              <a:rPr lang="en-US" dirty="0"/>
+              <a:t>The Graph of Things [4]</a:t>
+            </a:r>
+          </a:p>
+          <a:p>
+            <a:pPr lvl="1"/>
+            <a:r>
+              <a:rPr lang="en-US" dirty="0"/>
+              <a:t>Global IoT Experiment</a:t>
+            </a:r>
+          </a:p>
+          <a:p>
+            <a:pPr lvl="1"/>
+            <a:r>
+              <a:rPr lang="en-US" dirty="0"/>
+              <a:t>Not focused on small networks and homes</a:t>
+            </a:r>
+          </a:p>
+        </p:txBody>
+      </p:sp>
+    </p:spTree>
+    <p:extLst>
+      <p:ext uri="{BB962C8B-B14F-4D97-AF65-F5344CB8AC3E}">
+        <p14:creationId xmlns:p14="http://schemas.microsoft.com/office/powerpoint/2010/main" val="1024174693"/>
+      </p:ext>
+    </p:extLst>
+  </p:cSld>
+  <p:clrMapOvr>
+    <a:masterClrMapping/>
+  </p:clrMapOvr>
+  <p:timing>
+    <p:tnLst>
+      <p:par>
+        <p:cTn id="1" dur="indefinite" restart="never" nodeType="tmRoot">
+          <p:childTnLst>
+            <p:seq concurrent="1" nextAc="seek">
+              <p:cTn id="2" dur="indefinite" nodeType="mainSeq">
+                <p:childTnLst>
+                  <p:par>
+                    <p:cTn id="3" fill="hold">
+                      <p:stCondLst>
+                        <p:cond delay="indefinite"/>
+                      </p:stCondLst>
+                      <p:childTnLst>
+                        <p:par>
+                          <p:cTn id="4" fill="hold">
+                            <p:stCondLst>
+                              <p:cond delay="0"/>
+                            </p:stCondLst>
+                            <p:childTnLst>
+                              <p:par>
+                                <p:cTn id="5" presetID="10" presetClass="entr" presetSubtype="0" fill="hold" grpId="0" nodeType="clickEffect">
+                                  <p:stCondLst>
+                                    <p:cond delay="0"/>
+                                  </p:stCondLst>
+                                  <p:childTnLst>
+                                    <p:set>
+                                      <p:cBhvr>
+                                        <p:cTn id="6" dur="1" fill="hold">
+                                          <p:stCondLst>
+                                            <p:cond delay="0"/>
+                                          </p:stCondLst>
+                                        </p:cTn>
+                                        <p:tgtEl>
+                                          <p:spTgt spid="3">
+                                            <p:txEl>
+                                              <p:pRg st="0" end="0"/>
+                                            </p:txEl>
+                                          </p:spTgt>
+                                        </p:tgtEl>
+                                        <p:attrNameLst>
+                                          <p:attrName>style.visibility</p:attrName>
+                                        </p:attrNameLst>
+                                      </p:cBhvr>
+                                      <p:to>
+                                        <p:strVal val="visible"/>
+                                      </p:to>
+                                    </p:set>
+                                    <p:animEffect transition="in" filter="fade">
+                                      <p:cBhvr>
+                                        <p:cTn id="7" dur="500"/>
+                                        <p:tgtEl>
+                                          <p:spTgt spid="3">
+                                            <p:txEl>
+                                              <p:pRg st="0" end="0"/>
+                                            </p:txEl>
+                                          </p:spTgt>
+                                        </p:tgtEl>
+                                      </p:cBhvr>
+                                    </p:animEffect>
+                                  </p:childTnLst>
+                                </p:cTn>
+                              </p:par>
+                              <p:par>
+                                <p:cTn id="8" presetID="10" presetClass="entr" presetSubtype="0" fill="hold" grpId="0" nodeType="withEffect">
+                                  <p:stCondLst>
+                                    <p:cond delay="0"/>
+                                  </p:stCondLst>
+                                  <p:childTnLst>
+                                    <p:set>
+                                      <p:cBhvr>
+                                        <p:cTn id="9" dur="1" fill="hold">
+                                          <p:stCondLst>
+                                            <p:cond delay="0"/>
+                                          </p:stCondLst>
+                                        </p:cTn>
+                                        <p:tgtEl>
+                                          <p:spTgt spid="3">
+                                            <p:txEl>
+                                              <p:pRg st="1" end="1"/>
+                                            </p:txEl>
+                                          </p:spTgt>
+                                        </p:tgtEl>
+                                        <p:attrNameLst>
+                                          <p:attrName>style.visibility</p:attrName>
+                                        </p:attrNameLst>
+                                      </p:cBhvr>
+                                      <p:to>
+                                        <p:strVal val="visible"/>
+                                      </p:to>
+                                    </p:set>
+                                    <p:animEffect transition="in" filter="fade">
+                                      <p:cBhvr>
+                                        <p:cTn id="10" dur="500"/>
+                                        <p:tgtEl>
+                                          <p:spTgt spid="3">
+                                            <p:txEl>
+                                              <p:pRg st="1" end="1"/>
+                                            </p:txEl>
+                                          </p:spTgt>
+                                        </p:tgtEl>
+                                      </p:cBhvr>
+                                    </p:animEffect>
+                                  </p:childTnLst>
+                                </p:cTn>
+                              </p:par>
+                              <p:par>
+                                <p:cTn id="11" presetID="10" presetClass="entr" presetSubtype="0" fill="hold" grpId="0" nodeType="withEffect">
+                                  <p:stCondLst>
+                                    <p:cond delay="0"/>
+                                  </p:stCondLst>
+                                  <p:childTnLst>
+                                    <p:set>
+                                      <p:cBhvr>
+                                        <p:cTn id="12" dur="1" fill="hold">
+                                          <p:stCondLst>
+                                            <p:cond delay="0"/>
+                                          </p:stCondLst>
+                                        </p:cTn>
+                                        <p:tgtEl>
+                                          <p:spTgt spid="3">
+                                            <p:txEl>
+                                              <p:pRg st="2" end="2"/>
+                                            </p:txEl>
+                                          </p:spTgt>
+                                        </p:tgtEl>
+                                        <p:attrNameLst>
+                                          <p:attrName>style.visibility</p:attrName>
+                                        </p:attrNameLst>
+                                      </p:cBhvr>
+                                      <p:to>
+                                        <p:strVal val="visible"/>
+                                      </p:to>
+                                    </p:set>
+                                    <p:animEffect transition="in" filter="fade">
+                                      <p:cBhvr>
+                                        <p:cTn id="13" dur="500"/>
+                                        <p:tgtEl>
+                                          <p:spTgt spid="3">
+                                            <p:txEl>
+                                              <p:pRg st="2" end="2"/>
+                                            </p:txEl>
+                                          </p:spTgt>
+                                        </p:tgtEl>
+                                      </p:cBhvr>
+                                    </p:animEffect>
+                                  </p:childTnLst>
+                                </p:cTn>
+                              </p:par>
+                            </p:childTnLst>
+                          </p:cTn>
+                        </p:par>
+                      </p:childTnLst>
+                    </p:cTn>
+                  </p:par>
+                  <p:par>
+                    <p:cTn id="14" fill="hold">
+                      <p:stCondLst>
+                        <p:cond delay="indefinite"/>
+                      </p:stCondLst>
+                      <p:childTnLst>
+                        <p:par>
+                          <p:cTn id="15" fill="hold">
+                            <p:stCondLst>
+                              <p:cond delay="0"/>
+                            </p:stCondLst>
+                            <p:childTnLst>
+                              <p:par>
+                                <p:cTn id="16" presetID="10" presetClass="entr" presetSubtype="0" fill="hold" grpId="0" nodeType="clickEffect">
+                                  <p:stCondLst>
+                                    <p:cond delay="0"/>
+                                  </p:stCondLst>
+                                  <p:childTnLst>
+                                    <p:set>
+                                      <p:cBhvr>
+                                        <p:cTn id="17" dur="1" fill="hold">
+                                          <p:stCondLst>
+                                            <p:cond delay="0"/>
+                                          </p:stCondLst>
+                                        </p:cTn>
+                                        <p:tgtEl>
+                                          <p:spTgt spid="3">
+                                            <p:txEl>
+                                              <p:pRg st="3" end="3"/>
+                                            </p:txEl>
+                                          </p:spTgt>
+                                        </p:tgtEl>
+                                        <p:attrNameLst>
+                                          <p:attrName>style.visibility</p:attrName>
+                                        </p:attrNameLst>
+                                      </p:cBhvr>
+                                      <p:to>
+                                        <p:strVal val="visible"/>
+                                      </p:to>
+                                    </p:set>
+                                    <p:animEffect transition="in" filter="fade">
+                                      <p:cBhvr>
+                                        <p:cTn id="18" dur="500"/>
+                                        <p:tgtEl>
+                                          <p:spTgt spid="3">
+                                            <p:txEl>
+                                              <p:pRg st="3" end="3"/>
+                                            </p:txEl>
+                                          </p:spTgt>
+                                        </p:tgtEl>
+                                      </p:cBhvr>
+                                    </p:animEffect>
+                                  </p:childTnLst>
+                                </p:cTn>
+                              </p:par>
+                              <p:par>
+                                <p:cTn id="19" presetID="10" presetClass="entr" presetSubtype="0" fill="hold" grpId="0" nodeType="withEffect">
+                                  <p:stCondLst>
+                                    <p:cond delay="0"/>
+                                  </p:stCondLst>
+                                  <p:childTnLst>
+                                    <p:set>
+                                      <p:cBhvr>
+                                        <p:cTn id="20" dur="1" fill="hold">
+                                          <p:stCondLst>
+                                            <p:cond delay="0"/>
+                                          </p:stCondLst>
+                                        </p:cTn>
+                                        <p:tgtEl>
+                                          <p:spTgt spid="3">
+                                            <p:txEl>
+                                              <p:pRg st="4" end="4"/>
+                                            </p:txEl>
+                                          </p:spTgt>
+                                        </p:tgtEl>
+                                        <p:attrNameLst>
+                                          <p:attrName>style.visibility</p:attrName>
+                                        </p:attrNameLst>
+                                      </p:cBhvr>
+                                      <p:to>
+                                        <p:strVal val="visible"/>
+                                      </p:to>
+                                    </p:set>
+                                    <p:animEffect transition="in" filter="fade">
+                                      <p:cBhvr>
+                                        <p:cTn id="21" dur="500"/>
+                                        <p:tgtEl>
+                                          <p:spTgt spid="3">
+                                            <p:txEl>
+                                              <p:pRg st="4" end="4"/>
+                                            </p:txEl>
+                                          </p:spTgt>
+                                        </p:tgtEl>
+                                      </p:cBhvr>
+                                    </p:animEffect>
+                                  </p:childTnLst>
+                                </p:cTn>
+                              </p:par>
+                              <p:par>
+                                <p:cTn id="22" presetID="10" presetClass="entr" presetSubtype="0" fill="hold" grpId="0" nodeType="withEffect">
+                                  <p:stCondLst>
+                                    <p:cond delay="0"/>
+                                  </p:stCondLst>
+                                  <p:childTnLst>
+                                    <p:set>
+                                      <p:cBhvr>
+                                        <p:cTn id="23" dur="1" fill="hold">
+                                          <p:stCondLst>
+                                            <p:cond delay="0"/>
+                                          </p:stCondLst>
+                                        </p:cTn>
+                                        <p:tgtEl>
+                                          <p:spTgt spid="3">
+                                            <p:txEl>
+                                              <p:pRg st="5" end="5"/>
+                                            </p:txEl>
+                                          </p:spTgt>
+                                        </p:tgtEl>
+                                        <p:attrNameLst>
+                                          <p:attrName>style.visibility</p:attrName>
+                                        </p:attrNameLst>
+                                      </p:cBhvr>
+                                      <p:to>
+                                        <p:strVal val="visible"/>
+                                      </p:to>
+                                    </p:set>
+                                    <p:animEffect transition="in" filter="fade">
+                                      <p:cBhvr>
+                                        <p:cTn id="24" dur="500"/>
+                                        <p:tgtEl>
+                                          <p:spTgt spid="3">
+                                            <p:txEl>
+                                              <p:pRg st="5" end="5"/>
+                                            </p:txEl>
+                                          </p:spTgt>
+                                        </p:tgtEl>
+                                      </p:cBhvr>
+                                    </p:animEffect>
+                                  </p:childTnLst>
+                                </p:cTn>
+                              </p:par>
+                            </p:childTnLst>
+                          </p:cTn>
+                        </p:par>
+                      </p:childTnLst>
+                    </p:cTn>
+                  </p:par>
+                </p:childTnLst>
+              </p:cTn>
+              <p:prevCondLst>
+                <p:cond evt="onPrev" delay="0">
+                  <p:tgtEl>
+                    <p:sldTgt/>
+                  </p:tgtEl>
+                </p:cond>
+              </p:prevCondLst>
+              <p:nextCondLst>
+                <p:cond evt="onNext" delay="0">
+                  <p:tgtEl>
+                    <p:sldTgt/>
+                  </p:tgtEl>
+                </p:cond>
+              </p:nextCondLst>
+            </p:seq>
+          </p:childTnLst>
+        </p:cTn>
+      </p:par>
+    </p:tnLst>
+    <p:bldLst>
+      <p:bldP spid="3" grpId="0" build="p"/>
+    </p:bldLst>
+  </p:timing>
+</p:sld>
+</file>
+
+<file path=ppt/slides/slide7.xml><?xml version="1.0" encoding="utf-8"?>
+<p:sld xmlns:a="http://schemas.openxmlformats.org/drawingml/2006/main" xmlns:r="http://schemas.openxmlformats.org/officeDocument/2006/relationships" xmlns:p="http://schemas.openxmlformats.org/presentationml/2006/main">
+  <p:cSld>
+    <p:spTree>
+      <p:nvGrpSpPr>
+        <p:cNvPr id="1" name=""/>
+        <p:cNvGrpSpPr/>
+        <p:nvPr/>
+      </p:nvGrpSpPr>
+      <p:grpSpPr>
+        <a:xfrm>
+          <a:off x="0" y="0"/>
+          <a:ext cx="0" cy="0"/>
+          <a:chOff x="0" y="0"/>
+          <a:chExt cx="0" cy="0"/>
+        </a:xfrm>
+      </p:grpSpPr>
+      <p:sp>
+        <p:nvSpPr>
+          <p:cNvPr id="2" name="Title 1">
+            <a:extLst>
+              <a:ext uri="{FF2B5EF4-FFF2-40B4-BE49-F238E27FC236}">
                 <a16:creationId xmlns:a16="http://schemas.microsoft.com/office/drawing/2014/main" id="{4D5652A0-9409-7272-7FEC-1B29F493338D}"/>
               </a:ext>
             </a:extLst>
@@ -9648,7 +11983,9 @@
         </p:nvSpPr>
         <p:spPr/>
         <p:txBody>
-          <a:bodyPr/>
+          <a:bodyPr>
+            <a:normAutofit fontScale="92500" lnSpcReduction="10000"/>
+          </a:bodyPr>
           <a:lstStyle/>
           <a:p>
             <a:r>
@@ -9684,7 +12021,21 @@
             </a:r>
             <a:r>
               <a:rPr lang="en-US" dirty="0"/>
-              <a:t> IoT</a:t>
+              <a:t> IoT [3]</a:t>
+            </a:r>
+          </a:p>
+          <a:p>
+            <a:pPr lvl="2"/>
+            <a:r>
+              <a:rPr lang="en-US" dirty="0"/>
+              <a:t>Real and Simulated IoT Data</a:t>
+            </a:r>
+          </a:p>
+          <a:p>
+            <a:pPr lvl="2"/>
+            <a:r>
+              <a:rPr lang="en-US" dirty="0"/>
+              <a:t>Timeseries</a:t>
             </a:r>
           </a:p>
           <a:p>
@@ -9725,10 +12076,588 @@
   <p:clrMapOvr>
     <a:masterClrMapping/>
   </p:clrMapOvr>
+  <p:timing>
+    <p:tnLst>
+      <p:par>
+        <p:cTn id="1" dur="indefinite" restart="never" nodeType="tmRoot">
+          <p:childTnLst>
+            <p:seq concurrent="1" nextAc="seek">
+              <p:cTn id="2" dur="indefinite" nodeType="mainSeq">
+                <p:childTnLst>
+                  <p:par>
+                    <p:cTn id="3" fill="hold">
+                      <p:stCondLst>
+                        <p:cond delay="indefinite"/>
+                      </p:stCondLst>
+                      <p:childTnLst>
+                        <p:par>
+                          <p:cTn id="4" fill="hold">
+                            <p:stCondLst>
+                              <p:cond delay="0"/>
+                            </p:stCondLst>
+                            <p:childTnLst>
+                              <p:par>
+                                <p:cTn id="5" presetID="10" presetClass="entr" presetSubtype="0" fill="hold" grpId="0" nodeType="clickEffect">
+                                  <p:stCondLst>
+                                    <p:cond delay="0"/>
+                                  </p:stCondLst>
+                                  <p:childTnLst>
+                                    <p:set>
+                                      <p:cBhvr>
+                                        <p:cTn id="6" dur="1" fill="hold">
+                                          <p:stCondLst>
+                                            <p:cond delay="0"/>
+                                          </p:stCondLst>
+                                        </p:cTn>
+                                        <p:tgtEl>
+                                          <p:spTgt spid="3">
+                                            <p:txEl>
+                                              <p:pRg st="0" end="0"/>
+                                            </p:txEl>
+                                          </p:spTgt>
+                                        </p:tgtEl>
+                                        <p:attrNameLst>
+                                          <p:attrName>style.visibility</p:attrName>
+                                        </p:attrNameLst>
+                                      </p:cBhvr>
+                                      <p:to>
+                                        <p:strVal val="visible"/>
+                                      </p:to>
+                                    </p:set>
+                                    <p:animEffect transition="in" filter="fade">
+                                      <p:cBhvr>
+                                        <p:cTn id="7" dur="500"/>
+                                        <p:tgtEl>
+                                          <p:spTgt spid="3">
+                                            <p:txEl>
+                                              <p:pRg st="0" end="0"/>
+                                            </p:txEl>
+                                          </p:spTgt>
+                                        </p:tgtEl>
+                                      </p:cBhvr>
+                                    </p:animEffect>
+                                  </p:childTnLst>
+                                </p:cTn>
+                              </p:par>
+                              <p:par>
+                                <p:cTn id="8" presetID="10" presetClass="entr" presetSubtype="0" fill="hold" grpId="0" nodeType="withEffect">
+                                  <p:stCondLst>
+                                    <p:cond delay="0"/>
+                                  </p:stCondLst>
+                                  <p:childTnLst>
+                                    <p:set>
+                                      <p:cBhvr>
+                                        <p:cTn id="9" dur="1" fill="hold">
+                                          <p:stCondLst>
+                                            <p:cond delay="0"/>
+                                          </p:stCondLst>
+                                        </p:cTn>
+                                        <p:tgtEl>
+                                          <p:spTgt spid="3">
+                                            <p:txEl>
+                                              <p:pRg st="1" end="1"/>
+                                            </p:txEl>
+                                          </p:spTgt>
+                                        </p:tgtEl>
+                                        <p:attrNameLst>
+                                          <p:attrName>style.visibility</p:attrName>
+                                        </p:attrNameLst>
+                                      </p:cBhvr>
+                                      <p:to>
+                                        <p:strVal val="visible"/>
+                                      </p:to>
+                                    </p:set>
+                                    <p:animEffect transition="in" filter="fade">
+                                      <p:cBhvr>
+                                        <p:cTn id="10" dur="500"/>
+                                        <p:tgtEl>
+                                          <p:spTgt spid="3">
+                                            <p:txEl>
+                                              <p:pRg st="1" end="1"/>
+                                            </p:txEl>
+                                          </p:spTgt>
+                                        </p:tgtEl>
+                                      </p:cBhvr>
+                                    </p:animEffect>
+                                  </p:childTnLst>
+                                </p:cTn>
+                              </p:par>
+                              <p:par>
+                                <p:cTn id="11" presetID="10" presetClass="entr" presetSubtype="0" fill="hold" grpId="0" nodeType="withEffect">
+                                  <p:stCondLst>
+                                    <p:cond delay="0"/>
+                                  </p:stCondLst>
+                                  <p:childTnLst>
+                                    <p:set>
+                                      <p:cBhvr>
+                                        <p:cTn id="12" dur="1" fill="hold">
+                                          <p:stCondLst>
+                                            <p:cond delay="0"/>
+                                          </p:stCondLst>
+                                        </p:cTn>
+                                        <p:tgtEl>
+                                          <p:spTgt spid="3">
+                                            <p:txEl>
+                                              <p:pRg st="2" end="2"/>
+                                            </p:txEl>
+                                          </p:spTgt>
+                                        </p:tgtEl>
+                                        <p:attrNameLst>
+                                          <p:attrName>style.visibility</p:attrName>
+                                        </p:attrNameLst>
+                                      </p:cBhvr>
+                                      <p:to>
+                                        <p:strVal val="visible"/>
+                                      </p:to>
+                                    </p:set>
+                                    <p:animEffect transition="in" filter="fade">
+                                      <p:cBhvr>
+                                        <p:cTn id="13" dur="500"/>
+                                        <p:tgtEl>
+                                          <p:spTgt spid="3">
+                                            <p:txEl>
+                                              <p:pRg st="2" end="2"/>
+                                            </p:txEl>
+                                          </p:spTgt>
+                                        </p:tgtEl>
+                                      </p:cBhvr>
+                                    </p:animEffect>
+                                  </p:childTnLst>
+                                </p:cTn>
+                              </p:par>
+                            </p:childTnLst>
+                          </p:cTn>
+                        </p:par>
+                      </p:childTnLst>
+                    </p:cTn>
+                  </p:par>
+                  <p:par>
+                    <p:cTn id="14" fill="hold">
+                      <p:stCondLst>
+                        <p:cond delay="indefinite"/>
+                      </p:stCondLst>
+                      <p:childTnLst>
+                        <p:par>
+                          <p:cTn id="15" fill="hold">
+                            <p:stCondLst>
+                              <p:cond delay="0"/>
+                            </p:stCondLst>
+                            <p:childTnLst>
+                              <p:par>
+                                <p:cTn id="16" presetID="10" presetClass="entr" presetSubtype="0" fill="hold" grpId="0" nodeType="clickEffect">
+                                  <p:stCondLst>
+                                    <p:cond delay="0"/>
+                                  </p:stCondLst>
+                                  <p:childTnLst>
+                                    <p:set>
+                                      <p:cBhvr>
+                                        <p:cTn id="17" dur="1" fill="hold">
+                                          <p:stCondLst>
+                                            <p:cond delay="0"/>
+                                          </p:stCondLst>
+                                        </p:cTn>
+                                        <p:tgtEl>
+                                          <p:spTgt spid="3">
+                                            <p:txEl>
+                                              <p:pRg st="3" end="3"/>
+                                            </p:txEl>
+                                          </p:spTgt>
+                                        </p:tgtEl>
+                                        <p:attrNameLst>
+                                          <p:attrName>style.visibility</p:attrName>
+                                        </p:attrNameLst>
+                                      </p:cBhvr>
+                                      <p:to>
+                                        <p:strVal val="visible"/>
+                                      </p:to>
+                                    </p:set>
+                                    <p:animEffect transition="in" filter="fade">
+                                      <p:cBhvr>
+                                        <p:cTn id="18" dur="500"/>
+                                        <p:tgtEl>
+                                          <p:spTgt spid="3">
+                                            <p:txEl>
+                                              <p:pRg st="3" end="3"/>
+                                            </p:txEl>
+                                          </p:spTgt>
+                                        </p:tgtEl>
+                                      </p:cBhvr>
+                                    </p:animEffect>
+                                  </p:childTnLst>
+                                </p:cTn>
+                              </p:par>
+                              <p:par>
+                                <p:cTn id="19" presetID="10" presetClass="entr" presetSubtype="0" fill="hold" grpId="0" nodeType="withEffect">
+                                  <p:stCondLst>
+                                    <p:cond delay="0"/>
+                                  </p:stCondLst>
+                                  <p:childTnLst>
+                                    <p:set>
+                                      <p:cBhvr>
+                                        <p:cTn id="20" dur="1" fill="hold">
+                                          <p:stCondLst>
+                                            <p:cond delay="0"/>
+                                          </p:stCondLst>
+                                        </p:cTn>
+                                        <p:tgtEl>
+                                          <p:spTgt spid="3">
+                                            <p:txEl>
+                                              <p:pRg st="4" end="4"/>
+                                            </p:txEl>
+                                          </p:spTgt>
+                                        </p:tgtEl>
+                                        <p:attrNameLst>
+                                          <p:attrName>style.visibility</p:attrName>
+                                        </p:attrNameLst>
+                                      </p:cBhvr>
+                                      <p:to>
+                                        <p:strVal val="visible"/>
+                                      </p:to>
+                                    </p:set>
+                                    <p:animEffect transition="in" filter="fade">
+                                      <p:cBhvr>
+                                        <p:cTn id="21" dur="500"/>
+                                        <p:tgtEl>
+                                          <p:spTgt spid="3">
+                                            <p:txEl>
+                                              <p:pRg st="4" end="4"/>
+                                            </p:txEl>
+                                          </p:spTgt>
+                                        </p:tgtEl>
+                                      </p:cBhvr>
+                                    </p:animEffect>
+                                  </p:childTnLst>
+                                </p:cTn>
+                              </p:par>
+                              <p:par>
+                                <p:cTn id="22" presetID="10" presetClass="entr" presetSubtype="0" fill="hold" grpId="0" nodeType="withEffect">
+                                  <p:stCondLst>
+                                    <p:cond delay="0"/>
+                                  </p:stCondLst>
+                                  <p:childTnLst>
+                                    <p:set>
+                                      <p:cBhvr>
+                                        <p:cTn id="23" dur="1" fill="hold">
+                                          <p:stCondLst>
+                                            <p:cond delay="0"/>
+                                          </p:stCondLst>
+                                        </p:cTn>
+                                        <p:tgtEl>
+                                          <p:spTgt spid="3">
+                                            <p:txEl>
+                                              <p:pRg st="5" end="5"/>
+                                            </p:txEl>
+                                          </p:spTgt>
+                                        </p:tgtEl>
+                                        <p:attrNameLst>
+                                          <p:attrName>style.visibility</p:attrName>
+                                        </p:attrNameLst>
+                                      </p:cBhvr>
+                                      <p:to>
+                                        <p:strVal val="visible"/>
+                                      </p:to>
+                                    </p:set>
+                                    <p:animEffect transition="in" filter="fade">
+                                      <p:cBhvr>
+                                        <p:cTn id="24" dur="500"/>
+                                        <p:tgtEl>
+                                          <p:spTgt spid="3">
+                                            <p:txEl>
+                                              <p:pRg st="5" end="5"/>
+                                            </p:txEl>
+                                          </p:spTgt>
+                                        </p:tgtEl>
+                                      </p:cBhvr>
+                                    </p:animEffect>
+                                  </p:childTnLst>
+                                </p:cTn>
+                              </p:par>
+                              <p:par>
+                                <p:cTn id="25" presetID="10" presetClass="entr" presetSubtype="0" fill="hold" grpId="0" nodeType="withEffect">
+                                  <p:stCondLst>
+                                    <p:cond delay="0"/>
+                                  </p:stCondLst>
+                                  <p:childTnLst>
+                                    <p:set>
+                                      <p:cBhvr>
+                                        <p:cTn id="26" dur="1" fill="hold">
+                                          <p:stCondLst>
+                                            <p:cond delay="0"/>
+                                          </p:stCondLst>
+                                        </p:cTn>
+                                        <p:tgtEl>
+                                          <p:spTgt spid="3">
+                                            <p:txEl>
+                                              <p:pRg st="6" end="6"/>
+                                            </p:txEl>
+                                          </p:spTgt>
+                                        </p:tgtEl>
+                                        <p:attrNameLst>
+                                          <p:attrName>style.visibility</p:attrName>
+                                        </p:attrNameLst>
+                                      </p:cBhvr>
+                                      <p:to>
+                                        <p:strVal val="visible"/>
+                                      </p:to>
+                                    </p:set>
+                                    <p:animEffect transition="in" filter="fade">
+                                      <p:cBhvr>
+                                        <p:cTn id="27" dur="500"/>
+                                        <p:tgtEl>
+                                          <p:spTgt spid="3">
+                                            <p:txEl>
+                                              <p:pRg st="6" end="6"/>
+                                            </p:txEl>
+                                          </p:spTgt>
+                                        </p:tgtEl>
+                                      </p:cBhvr>
+                                    </p:animEffect>
+                                  </p:childTnLst>
+                                </p:cTn>
+                              </p:par>
+                            </p:childTnLst>
+                          </p:cTn>
+                        </p:par>
+                      </p:childTnLst>
+                    </p:cTn>
+                  </p:par>
+                  <p:par>
+                    <p:cTn id="28" fill="hold">
+                      <p:stCondLst>
+                        <p:cond delay="indefinite"/>
+                      </p:stCondLst>
+                      <p:childTnLst>
+                        <p:par>
+                          <p:cTn id="29" fill="hold">
+                            <p:stCondLst>
+                              <p:cond delay="0"/>
+                            </p:stCondLst>
+                            <p:childTnLst>
+                              <p:par>
+                                <p:cTn id="30" presetID="10" presetClass="entr" presetSubtype="0" fill="hold" grpId="0" nodeType="clickEffect">
+                                  <p:stCondLst>
+                                    <p:cond delay="0"/>
+                                  </p:stCondLst>
+                                  <p:childTnLst>
+                                    <p:set>
+                                      <p:cBhvr>
+                                        <p:cTn id="31" dur="1" fill="hold">
+                                          <p:stCondLst>
+                                            <p:cond delay="0"/>
+                                          </p:stCondLst>
+                                        </p:cTn>
+                                        <p:tgtEl>
+                                          <p:spTgt spid="3">
+                                            <p:txEl>
+                                              <p:pRg st="7" end="7"/>
+                                            </p:txEl>
+                                          </p:spTgt>
+                                        </p:tgtEl>
+                                        <p:attrNameLst>
+                                          <p:attrName>style.visibility</p:attrName>
+                                        </p:attrNameLst>
+                                      </p:cBhvr>
+                                      <p:to>
+                                        <p:strVal val="visible"/>
+                                      </p:to>
+                                    </p:set>
+                                    <p:animEffect transition="in" filter="fade">
+                                      <p:cBhvr>
+                                        <p:cTn id="32" dur="500"/>
+                                        <p:tgtEl>
+                                          <p:spTgt spid="3">
+                                            <p:txEl>
+                                              <p:pRg st="7" end="7"/>
+                                            </p:txEl>
+                                          </p:spTgt>
+                                        </p:tgtEl>
+                                      </p:cBhvr>
+                                    </p:animEffect>
+                                  </p:childTnLst>
+                                </p:cTn>
+                              </p:par>
+                              <p:par>
+                                <p:cTn id="33" presetID="10" presetClass="entr" presetSubtype="0" fill="hold" grpId="0" nodeType="withEffect">
+                                  <p:stCondLst>
+                                    <p:cond delay="0"/>
+                                  </p:stCondLst>
+                                  <p:childTnLst>
+                                    <p:set>
+                                      <p:cBhvr>
+                                        <p:cTn id="34" dur="1" fill="hold">
+                                          <p:stCondLst>
+                                            <p:cond delay="0"/>
+                                          </p:stCondLst>
+                                        </p:cTn>
+                                        <p:tgtEl>
+                                          <p:spTgt spid="3">
+                                            <p:txEl>
+                                              <p:pRg st="8" end="8"/>
+                                            </p:txEl>
+                                          </p:spTgt>
+                                        </p:tgtEl>
+                                        <p:attrNameLst>
+                                          <p:attrName>style.visibility</p:attrName>
+                                        </p:attrNameLst>
+                                      </p:cBhvr>
+                                      <p:to>
+                                        <p:strVal val="visible"/>
+                                      </p:to>
+                                    </p:set>
+                                    <p:animEffect transition="in" filter="fade">
+                                      <p:cBhvr>
+                                        <p:cTn id="35" dur="500"/>
+                                        <p:tgtEl>
+                                          <p:spTgt spid="3">
+                                            <p:txEl>
+                                              <p:pRg st="8" end="8"/>
+                                            </p:txEl>
+                                          </p:spTgt>
+                                        </p:tgtEl>
+                                      </p:cBhvr>
+                                    </p:animEffect>
+                                  </p:childTnLst>
+                                </p:cTn>
+                              </p:par>
+                              <p:par>
+                                <p:cTn id="36" presetID="10" presetClass="entr" presetSubtype="0" fill="hold" grpId="0" nodeType="withEffect">
+                                  <p:stCondLst>
+                                    <p:cond delay="0"/>
+                                  </p:stCondLst>
+                                  <p:childTnLst>
+                                    <p:set>
+                                      <p:cBhvr>
+                                        <p:cTn id="37" dur="1" fill="hold">
+                                          <p:stCondLst>
+                                            <p:cond delay="0"/>
+                                          </p:stCondLst>
+                                        </p:cTn>
+                                        <p:tgtEl>
+                                          <p:spTgt spid="3">
+                                            <p:txEl>
+                                              <p:pRg st="9" end="9"/>
+                                            </p:txEl>
+                                          </p:spTgt>
+                                        </p:tgtEl>
+                                        <p:attrNameLst>
+                                          <p:attrName>style.visibility</p:attrName>
+                                        </p:attrNameLst>
+                                      </p:cBhvr>
+                                      <p:to>
+                                        <p:strVal val="visible"/>
+                                      </p:to>
+                                    </p:set>
+                                    <p:animEffect transition="in" filter="fade">
+                                      <p:cBhvr>
+                                        <p:cTn id="38" dur="500"/>
+                                        <p:tgtEl>
+                                          <p:spTgt spid="3">
+                                            <p:txEl>
+                                              <p:pRg st="9" end="9"/>
+                                            </p:txEl>
+                                          </p:spTgt>
+                                        </p:tgtEl>
+                                      </p:cBhvr>
+                                    </p:animEffect>
+                                  </p:childTnLst>
+                                </p:cTn>
+                              </p:par>
+                            </p:childTnLst>
+                          </p:cTn>
+                        </p:par>
+                      </p:childTnLst>
+                    </p:cTn>
+                  </p:par>
+                  <p:par>
+                    <p:cTn id="39" fill="hold">
+                      <p:stCondLst>
+                        <p:cond delay="indefinite"/>
+                      </p:stCondLst>
+                      <p:childTnLst>
+                        <p:par>
+                          <p:cTn id="40" fill="hold">
+                            <p:stCondLst>
+                              <p:cond delay="0"/>
+                            </p:stCondLst>
+                            <p:childTnLst>
+                              <p:par>
+                                <p:cTn id="41" presetID="10" presetClass="entr" presetSubtype="0" fill="hold" grpId="0" nodeType="clickEffect">
+                                  <p:stCondLst>
+                                    <p:cond delay="0"/>
+                                  </p:stCondLst>
+                                  <p:childTnLst>
+                                    <p:set>
+                                      <p:cBhvr>
+                                        <p:cTn id="42" dur="1" fill="hold">
+                                          <p:stCondLst>
+                                            <p:cond delay="0"/>
+                                          </p:stCondLst>
+                                        </p:cTn>
+                                        <p:tgtEl>
+                                          <p:spTgt spid="3">
+                                            <p:txEl>
+                                              <p:pRg st="10" end="10"/>
+                                            </p:txEl>
+                                          </p:spTgt>
+                                        </p:tgtEl>
+                                        <p:attrNameLst>
+                                          <p:attrName>style.visibility</p:attrName>
+                                        </p:attrNameLst>
+                                      </p:cBhvr>
+                                      <p:to>
+                                        <p:strVal val="visible"/>
+                                      </p:to>
+                                    </p:set>
+                                    <p:animEffect transition="in" filter="fade">
+                                      <p:cBhvr>
+                                        <p:cTn id="43" dur="500"/>
+                                        <p:tgtEl>
+                                          <p:spTgt spid="3">
+                                            <p:txEl>
+                                              <p:pRg st="10" end="10"/>
+                                            </p:txEl>
+                                          </p:spTgt>
+                                        </p:tgtEl>
+                                      </p:cBhvr>
+                                    </p:animEffect>
+                                  </p:childTnLst>
+                                </p:cTn>
+                              </p:par>
+                            </p:childTnLst>
+                          </p:cTn>
+                        </p:par>
+                      </p:childTnLst>
+                    </p:cTn>
+                  </p:par>
+                </p:childTnLst>
+              </p:cTn>
+              <p:prevCondLst>
+                <p:cond evt="onPrev" delay="0">
+                  <p:tgtEl>
+                    <p:sldTgt/>
+                  </p:tgtEl>
+                </p:cond>
+              </p:prevCondLst>
+              <p:nextCondLst>
+                <p:cond evt="onNext" delay="0">
+                  <p:tgtEl>
+                    <p:sldTgt/>
+                  </p:tgtEl>
+                </p:cond>
+              </p:nextCondLst>
+            </p:seq>
+          </p:childTnLst>
+        </p:cTn>
+      </p:par>
+    </p:tnLst>
+    <p:bldLst>
+      <p:bldP spid="3" grpId="0" build="p"/>
+    </p:bldLst>
+  </p:timing>
 </p:sld>
 </file>
 
-<file path=ppt/slides/slide7.xml><?xml version="1.0" encoding="utf-8"?>
+<file path=ppt/slides/slide8.xml><?xml version="1.0" encoding="utf-8"?>
 <p:sld xmlns:a="http://schemas.openxmlformats.org/drawingml/2006/main" xmlns:r="http://schemas.openxmlformats.org/officeDocument/2006/relationships" xmlns:p="http://schemas.openxmlformats.org/presentationml/2006/main">
   <p:cSld>
     <p:spTree>
@@ -9846,7 +12775,7 @@
 </p:sld>
 </file>
 
-<file path=ppt/slides/slide8.xml><?xml version="1.0" encoding="utf-8"?>
+<file path=ppt/slides/slide9.xml><?xml version="1.0" encoding="utf-8"?>
 <p:sld xmlns:a="http://schemas.openxmlformats.org/drawingml/2006/main" xmlns:r="http://schemas.openxmlformats.org/officeDocument/2006/relationships" xmlns:p="http://schemas.openxmlformats.org/presentationml/2006/main">
   <p:cSld>
     <p:spTree>
@@ -9955,124 +12884,6 @@
     <p:extLst>
       <p:ext uri="{BB962C8B-B14F-4D97-AF65-F5344CB8AC3E}">
         <p14:creationId xmlns:p14="http://schemas.microsoft.com/office/powerpoint/2010/main" val="1893602363"/>
-      </p:ext>
-    </p:extLst>
-  </p:cSld>
-  <p:clrMapOvr>
-    <a:masterClrMapping/>
-  </p:clrMapOvr>
-</p:sld>
-</file>
-
-<file path=ppt/slides/slide9.xml><?xml version="1.0" encoding="utf-8"?>
-<p:sld xmlns:a="http://schemas.openxmlformats.org/drawingml/2006/main" xmlns:r="http://schemas.openxmlformats.org/officeDocument/2006/relationships" xmlns:p="http://schemas.openxmlformats.org/presentationml/2006/main">
-  <p:cSld>
-    <p:spTree>
-      <p:nvGrpSpPr>
-        <p:cNvPr id="1" name=""/>
-        <p:cNvGrpSpPr/>
-        <p:nvPr/>
-      </p:nvGrpSpPr>
-      <p:grpSpPr>
-        <a:xfrm>
-          <a:off x="0" y="0"/>
-          <a:ext cx="0" cy="0"/>
-          <a:chOff x="0" y="0"/>
-          <a:chExt cx="0" cy="0"/>
-        </a:xfrm>
-      </p:grpSpPr>
-      <p:sp>
-        <p:nvSpPr>
-          <p:cNvPr id="2" name="Title 1">
-            <a:extLst>
-              <a:ext uri="{FF2B5EF4-FFF2-40B4-BE49-F238E27FC236}">
-                <a16:creationId xmlns:a16="http://schemas.microsoft.com/office/drawing/2014/main" id="{FA24DFEB-32C3-A949-6C17-C69942E2E36D}"/>
-              </a:ext>
-            </a:extLst>
-          </p:cNvPr>
-          <p:cNvSpPr>
-            <a:spLocks noGrp="1"/>
-          </p:cNvSpPr>
-          <p:nvPr>
-            <p:ph type="title"/>
-          </p:nvPr>
-        </p:nvSpPr>
-        <p:spPr/>
-        <p:txBody>
-          <a:bodyPr/>
-          <a:lstStyle/>
-          <a:p>
-            <a:r>
-              <a:rPr lang="en-US" dirty="0"/>
-              <a:t>Results</a:t>
-            </a:r>
-          </a:p>
-        </p:txBody>
-      </p:sp>
-      <p:pic>
-        <p:nvPicPr>
-          <p:cNvPr id="4" name="Picture 3" descr="A graph of ports contacted by ip address&#10;&#10;Description automatically generated">
-            <a:extLst>
-              <a:ext uri="{FF2B5EF4-FFF2-40B4-BE49-F238E27FC236}">
-                <a16:creationId xmlns:a16="http://schemas.microsoft.com/office/drawing/2014/main" id="{CDFA7B2A-D662-ACA7-8C14-5A9FADCD79FC}"/>
-              </a:ext>
-            </a:extLst>
-          </p:cNvPr>
-          <p:cNvPicPr>
-            <a:picLocks noChangeAspect="1"/>
-          </p:cNvPicPr>
-          <p:nvPr/>
-        </p:nvPicPr>
-        <p:blipFill>
-          <a:blip r:embed="rId2"/>
-          <a:stretch>
-            <a:fillRect/>
-          </a:stretch>
-        </p:blipFill>
-        <p:spPr>
-          <a:xfrm>
-            <a:off x="1487933" y="2044917"/>
-            <a:ext cx="4608067" cy="2768165"/>
-          </a:xfrm>
-          <a:prstGeom prst="rect">
-            <a:avLst/>
-          </a:prstGeom>
-        </p:spPr>
-      </p:pic>
-      <p:pic>
-        <p:nvPicPr>
-          <p:cNvPr id="6" name="Picture 5" descr="A graph with blue bars and numbers&#10;&#10;Description automatically generated">
-            <a:extLst>
-              <a:ext uri="{FF2B5EF4-FFF2-40B4-BE49-F238E27FC236}">
-                <a16:creationId xmlns:a16="http://schemas.microsoft.com/office/drawing/2014/main" id="{2954A0FA-F470-409B-5ACF-E767E50DCF33}"/>
-              </a:ext>
-            </a:extLst>
-          </p:cNvPr>
-          <p:cNvPicPr>
-            <a:picLocks noChangeAspect="1"/>
-          </p:cNvPicPr>
-          <p:nvPr/>
-        </p:nvPicPr>
-        <p:blipFill>
-          <a:blip r:embed="rId3"/>
-          <a:stretch>
-            <a:fillRect/>
-          </a:stretch>
-        </p:blipFill>
-        <p:spPr>
-          <a:xfrm>
-            <a:off x="6096000" y="2044916"/>
-            <a:ext cx="4596983" cy="2768165"/>
-          </a:xfrm>
-          <a:prstGeom prst="rect">
-            <a:avLst/>
-          </a:prstGeom>
-        </p:spPr>
-      </p:pic>
-    </p:spTree>
-    <p:extLst>
-      <p:ext uri="{BB962C8B-B14F-4D97-AF65-F5344CB8AC3E}">
-        <p14:creationId xmlns:p14="http://schemas.microsoft.com/office/powerpoint/2010/main" val="292710105"/>
       </p:ext>
     </p:extLst>
   </p:cSld>
